--- a/swift基礎訓練6堂課/第4堂流程控制/流程控制.pptx
+++ b/swift基礎訓練6堂課/第4堂流程控制/流程控制.pptx
@@ -32859,7 +32859,7 @@
         <p:spPr>
           <a:xfrm>
             <a:off x="497440" y="1090134"/>
-            <a:ext cx="4896648" cy="1539241"/>
+            <a:ext cx="4231559" cy="2020965"/>
           </a:xfrm>
           <a:prstGeom prst="rect">
             <a:avLst/>
@@ -32879,9 +32879,9 @@
           </a:bodyPr>
           <a:lstStyle/>
           <a:p>
-            <a:pPr marL="457200" indent="-317500" defTabSz="457200">
+            <a:pPr marL="527755" indent="-388055" defTabSz="457200">
               <a:lnSpc>
-                <a:spcPts val="2300"/>
+                <a:spcPts val="1700"/>
               </a:lnSpc>
               <a:spcBef>
                 <a:spcPts val="0"/>
@@ -32892,14 +32892,14 @@
               <a:buSzPct val="100000"/>
               <a:buFont typeface="Menlo"/>
               <a:buChar char="•"/>
-              <a:defRPr b="0" sz="900">
-                <a:solidFill>
-                  <a:srgbClr val="3F6E74"/>
-                </a:solidFill>
-                <a:latin typeface="Menlo"/>
-                <a:ea typeface="Menlo"/>
-                <a:cs typeface="Menlo"/>
-                <a:sym typeface="Menlo"/>
+              <a:defRPr b="0" sz="1100">
+                <a:solidFill>
+                  <a:srgbClr val="5C2699"/>
+                </a:solidFill>
+                <a:latin typeface="Arial"/>
+                <a:ea typeface="Arial"/>
+                <a:cs typeface="Arial"/>
+                <a:sym typeface="Arial"/>
               </a:defRPr>
             </a:pPr>
             <a:r>
@@ -32928,9 +32928,9 @@
             </a:endParaRPr>
           </a:p>
           <a:p>
-            <a:pPr marL="457200" indent="-317500" defTabSz="457200">
+            <a:pPr marL="527755" indent="-388055" defTabSz="457200">
               <a:lnSpc>
-                <a:spcPts val="2300"/>
+                <a:spcPts val="1700"/>
               </a:lnSpc>
               <a:spcBef>
                 <a:spcPts val="0"/>
@@ -32941,14 +32941,14 @@
               <a:buSzPct val="100000"/>
               <a:buFont typeface="Menlo"/>
               <a:buChar char="•"/>
-              <a:defRPr b="0" sz="900">
-                <a:solidFill>
-                  <a:srgbClr val="3F6E74"/>
-                </a:solidFill>
-                <a:latin typeface="Menlo"/>
-                <a:ea typeface="Menlo"/>
-                <a:cs typeface="Menlo"/>
-                <a:sym typeface="Menlo"/>
+              <a:defRPr b="0" sz="1100">
+                <a:solidFill>
+                  <a:srgbClr val="5C2699"/>
+                </a:solidFill>
+                <a:latin typeface="Arial"/>
+                <a:ea typeface="Arial"/>
+                <a:cs typeface="Arial"/>
+                <a:sym typeface="Arial"/>
               </a:defRPr>
             </a:pPr>
             <a:r>
@@ -33001,9 +33001,9 @@
             </a:endParaRPr>
           </a:p>
           <a:p>
-            <a:pPr marL="457200" indent="-317500" defTabSz="457200">
+            <a:pPr marL="527755" indent="-388055" defTabSz="457200">
               <a:lnSpc>
-                <a:spcPts val="2300"/>
+                <a:spcPts val="1700"/>
               </a:lnSpc>
               <a:spcBef>
                 <a:spcPts val="0"/>
@@ -33014,14 +33014,14 @@
               <a:buSzPct val="100000"/>
               <a:buFont typeface="Menlo"/>
               <a:buChar char="•"/>
-              <a:defRPr b="0" sz="900">
-                <a:solidFill>
-                  <a:srgbClr val="C41A16"/>
-                </a:solidFill>
-                <a:latin typeface="Menlo"/>
-                <a:ea typeface="Menlo"/>
-                <a:cs typeface="Menlo"/>
-                <a:sym typeface="Menlo"/>
+              <a:defRPr b="0" sz="1100">
+                <a:solidFill>
+                  <a:srgbClr val="5C2699"/>
+                </a:solidFill>
+                <a:latin typeface="Arial"/>
+                <a:ea typeface="Arial"/>
+                <a:cs typeface="Arial"/>
+                <a:sym typeface="Arial"/>
               </a:defRPr>
             </a:pPr>
             <a:r>
@@ -33066,9 +33066,9 @@
             </a:endParaRPr>
           </a:p>
           <a:p>
-            <a:pPr marL="457200" indent="-317500" defTabSz="457200">
+            <a:pPr marL="527755" indent="-388055" defTabSz="457200">
               <a:lnSpc>
-                <a:spcPts val="2300"/>
+                <a:spcPts val="1700"/>
               </a:lnSpc>
               <a:spcBef>
                 <a:spcPts val="0"/>
@@ -33079,14 +33079,14 @@
               <a:buSzPct val="100000"/>
               <a:buFont typeface="Menlo"/>
               <a:buChar char="•"/>
-              <a:defRPr b="0" sz="900">
-                <a:solidFill>
-                  <a:srgbClr val="3F6E74"/>
-                </a:solidFill>
-                <a:latin typeface="Menlo"/>
-                <a:ea typeface="Menlo"/>
-                <a:cs typeface="Menlo"/>
-                <a:sym typeface="Menlo"/>
+              <a:defRPr b="0" sz="1100">
+                <a:solidFill>
+                  <a:srgbClr val="5C2699"/>
+                </a:solidFill>
+                <a:latin typeface="Arial"/>
+                <a:ea typeface="Arial"/>
+                <a:cs typeface="Arial"/>
+                <a:sym typeface="Arial"/>
               </a:defRPr>
             </a:pPr>
             <a:r>
@@ -33163,9 +33163,9 @@
             </a:endParaRPr>
           </a:p>
           <a:p>
-            <a:pPr marL="457200" indent="-317500" defTabSz="457200">
+            <a:pPr marL="527755" indent="-388055" defTabSz="457200">
               <a:lnSpc>
-                <a:spcPts val="2300"/>
+                <a:spcPts val="1700"/>
               </a:lnSpc>
               <a:spcBef>
                 <a:spcPts val="0"/>
@@ -33176,14 +33176,14 @@
               <a:buSzPct val="100000"/>
               <a:buFont typeface="Menlo"/>
               <a:buChar char="•"/>
-              <a:defRPr b="0" sz="900">
-                <a:solidFill>
-                  <a:srgbClr val="C41A16"/>
-                </a:solidFill>
-                <a:latin typeface="Menlo"/>
-                <a:ea typeface="Menlo"/>
-                <a:cs typeface="Menlo"/>
-                <a:sym typeface="Menlo"/>
+              <a:defRPr b="0" sz="1100">
+                <a:solidFill>
+                  <a:srgbClr val="5C2699"/>
+                </a:solidFill>
+                <a:latin typeface="Arial"/>
+                <a:ea typeface="Arial"/>
+                <a:cs typeface="Arial"/>
+                <a:sym typeface="Arial"/>
               </a:defRPr>
             </a:pPr>
             <a:r>
@@ -33228,9 +33228,9 @@
             </a:endParaRPr>
           </a:p>
           <a:p>
-            <a:pPr marL="457200" indent="-317500" defTabSz="457200">
+            <a:pPr marL="527755" indent="-388055" defTabSz="457200">
               <a:lnSpc>
-                <a:spcPts val="2300"/>
+                <a:spcPts val="1700"/>
               </a:lnSpc>
               <a:spcBef>
                 <a:spcPts val="0"/>
@@ -33241,14 +33241,14 @@
               <a:buSzPct val="100000"/>
               <a:buFont typeface="Menlo"/>
               <a:buChar char="•"/>
-              <a:defRPr b="0" sz="900">
-                <a:solidFill>
-                  <a:srgbClr val="333333"/>
-                </a:solidFill>
-                <a:latin typeface="Menlo"/>
-                <a:ea typeface="Menlo"/>
-                <a:cs typeface="Menlo"/>
-                <a:sym typeface="Menlo"/>
+              <a:defRPr b="0" sz="1100">
+                <a:solidFill>
+                  <a:srgbClr val="5C2699"/>
+                </a:solidFill>
+                <a:latin typeface="Arial"/>
+                <a:ea typeface="Arial"/>
+                <a:cs typeface="Arial"/>
+                <a:sym typeface="Arial"/>
               </a:defRPr>
             </a:pPr>
             <a:r>
@@ -33267,9 +33267,9 @@
             </a:r>
           </a:p>
           <a:p>
-            <a:pPr marL="457200" indent="-317500" defTabSz="457200">
+            <a:pPr marL="527755" indent="-388055" defTabSz="457200">
               <a:lnSpc>
-                <a:spcPts val="2300"/>
+                <a:spcPts val="1700"/>
               </a:lnSpc>
               <a:spcBef>
                 <a:spcPts val="0"/>
@@ -33280,14 +33280,14 @@
               <a:buSzPct val="100000"/>
               <a:buFont typeface="Menlo"/>
               <a:buChar char="•"/>
-              <a:defRPr b="0" sz="900">
-                <a:solidFill>
-                  <a:srgbClr val="C41A16"/>
-                </a:solidFill>
-                <a:latin typeface="Menlo"/>
-                <a:ea typeface="Menlo"/>
-                <a:cs typeface="Menlo"/>
-                <a:sym typeface="Menlo"/>
+              <a:defRPr b="0" sz="1100">
+                <a:solidFill>
+                  <a:srgbClr val="5C2699"/>
+                </a:solidFill>
+                <a:latin typeface="Arial"/>
+                <a:ea typeface="Arial"/>
+                <a:cs typeface="Arial"/>
+                <a:sym typeface="Arial"/>
               </a:defRPr>
             </a:pPr>
             <a:r>
@@ -33332,9 +33332,9 @@
             </a:endParaRPr>
           </a:p>
           <a:p>
-            <a:pPr marL="457200" indent="-317500" defTabSz="457200">
+            <a:pPr marL="527755" indent="-388055" defTabSz="457200">
               <a:lnSpc>
-                <a:spcPts val="2300"/>
+                <a:spcPts val="1700"/>
               </a:lnSpc>
               <a:spcBef>
                 <a:spcPts val="0"/>
@@ -33345,14 +33345,14 @@
               <a:buSzPct val="100000"/>
               <a:buFont typeface="Menlo"/>
               <a:buChar char="•"/>
-              <a:defRPr b="0" sz="900">
-                <a:solidFill>
-                  <a:srgbClr val="333333"/>
-                </a:solidFill>
-                <a:latin typeface="Menlo"/>
-                <a:ea typeface="Menlo"/>
-                <a:cs typeface="Menlo"/>
-                <a:sym typeface="Menlo"/>
+              <a:defRPr b="0" sz="1100">
+                <a:solidFill>
+                  <a:srgbClr val="5C2699"/>
+                </a:solidFill>
+                <a:latin typeface="Arial"/>
+                <a:ea typeface="Arial"/>
+                <a:cs typeface="Arial"/>
+                <a:sym typeface="Arial"/>
               </a:defRPr>
             </a:pPr>
             <a:r>
@@ -33360,9 +33360,9 @@
             </a:r>
           </a:p>
           <a:p>
-            <a:pPr marL="457200" indent="-317500" defTabSz="457200">
+            <a:pPr marL="527755" indent="-388055" defTabSz="457200">
               <a:lnSpc>
-                <a:spcPts val="2300"/>
+                <a:spcPts val="1700"/>
               </a:lnSpc>
               <a:spcBef>
                 <a:spcPts val="0"/>
@@ -33373,14 +33373,14 @@
               <a:buSzPct val="100000"/>
               <a:buFont typeface="Menlo"/>
               <a:buChar char="•"/>
-              <a:defRPr b="0" sz="900">
-                <a:solidFill>
-                  <a:srgbClr val="007400"/>
-                </a:solidFill>
-                <a:latin typeface="Menlo"/>
-                <a:ea typeface="Menlo"/>
-                <a:cs typeface="Menlo"/>
-                <a:sym typeface="Menlo"/>
+              <a:defRPr b="0" sz="1100">
+                <a:solidFill>
+                  <a:srgbClr val="5C2699"/>
+                </a:solidFill>
+                <a:latin typeface="Arial"/>
+                <a:ea typeface="Arial"/>
+                <a:cs typeface="Arial"/>
+                <a:sym typeface="Arial"/>
               </a:defRPr>
             </a:pPr>
             <a:r>
@@ -33397,8 +33397,8 @@
         </p:nvSpPr>
         <p:spPr>
           <a:xfrm>
-            <a:off x="497440" y="2979793"/>
-            <a:ext cx="4896648" cy="1463041"/>
+            <a:off x="497440" y="3162205"/>
+            <a:ext cx="4231559" cy="1373266"/>
           </a:xfrm>
           <a:prstGeom prst="rect">
             <a:avLst/>
@@ -33418,9 +33418,9 @@
           </a:bodyPr>
           <a:lstStyle/>
           <a:p>
-            <a:pPr marL="457200" indent="-317500" defTabSz="457200">
+            <a:pPr marL="527755" indent="-388055" defTabSz="457200">
               <a:lnSpc>
-                <a:spcPts val="2400"/>
+                <a:spcPts val="1700"/>
               </a:lnSpc>
               <a:spcBef>
                 <a:spcPts val="0"/>
@@ -33431,14 +33431,14 @@
               <a:buSzPct val="100000"/>
               <a:buFont typeface="Menlo"/>
               <a:buChar char="•"/>
-              <a:defRPr b="0" sz="900">
-                <a:solidFill>
-                  <a:srgbClr val="3F6E74"/>
-                </a:solidFill>
-                <a:latin typeface="Menlo"/>
-                <a:ea typeface="Menlo"/>
-                <a:cs typeface="Menlo"/>
-                <a:sym typeface="Menlo"/>
+              <a:defRPr b="0" sz="1100">
+                <a:solidFill>
+                  <a:srgbClr val="5C2699"/>
+                </a:solidFill>
+                <a:latin typeface="Arial"/>
+                <a:ea typeface="Arial"/>
+                <a:cs typeface="Arial"/>
+                <a:sym typeface="Arial"/>
               </a:defRPr>
             </a:pPr>
             <a:r>
@@ -33467,9 +33467,9 @@
             </a:endParaRPr>
           </a:p>
           <a:p>
-            <a:pPr marL="457200" indent="-317500" defTabSz="457200">
+            <a:pPr marL="527755" indent="-388055" defTabSz="457200">
               <a:lnSpc>
-                <a:spcPts val="2400"/>
+                <a:spcPts val="1700"/>
               </a:lnSpc>
               <a:spcBef>
                 <a:spcPts val="0"/>
@@ -33480,14 +33480,14 @@
               <a:buSzPct val="100000"/>
               <a:buFont typeface="Menlo"/>
               <a:buChar char="•"/>
-              <a:defRPr b="0" sz="900">
-                <a:solidFill>
-                  <a:srgbClr val="3F6E74"/>
-                </a:solidFill>
-                <a:latin typeface="Menlo"/>
-                <a:ea typeface="Menlo"/>
-                <a:cs typeface="Menlo"/>
-                <a:sym typeface="Menlo"/>
+              <a:defRPr b="0" sz="1100">
+                <a:solidFill>
+                  <a:srgbClr val="5C2699"/>
+                </a:solidFill>
+                <a:latin typeface="Arial"/>
+                <a:ea typeface="Arial"/>
+                <a:cs typeface="Arial"/>
+                <a:sym typeface="Arial"/>
               </a:defRPr>
             </a:pPr>
             <a:r>
@@ -33540,9 +33540,9 @@
             </a:endParaRPr>
           </a:p>
           <a:p>
-            <a:pPr marL="457200" indent="-317500" defTabSz="457200">
+            <a:pPr marL="527755" indent="-388055" defTabSz="457200">
               <a:lnSpc>
-                <a:spcPts val="2400"/>
+                <a:spcPts val="1700"/>
               </a:lnSpc>
               <a:spcBef>
                 <a:spcPts val="0"/>
@@ -33553,14 +33553,14 @@
               <a:buSzPct val="100000"/>
               <a:buFont typeface="Menlo"/>
               <a:buChar char="•"/>
-              <a:defRPr b="0" sz="900">
-                <a:solidFill>
-                  <a:srgbClr val="C41A16"/>
-                </a:solidFill>
-                <a:latin typeface="Menlo"/>
-                <a:ea typeface="Menlo"/>
-                <a:cs typeface="Menlo"/>
-                <a:sym typeface="Menlo"/>
+              <a:defRPr b="0" sz="1100">
+                <a:solidFill>
+                  <a:srgbClr val="5C2699"/>
+                </a:solidFill>
+                <a:latin typeface="Arial"/>
+                <a:ea typeface="Arial"/>
+                <a:cs typeface="Arial"/>
+                <a:sym typeface="Arial"/>
               </a:defRPr>
             </a:pPr>
             <a:r>
@@ -33605,9 +33605,9 @@
             </a:endParaRPr>
           </a:p>
           <a:p>
-            <a:pPr marL="457200" indent="-317500" defTabSz="457200">
+            <a:pPr marL="527755" indent="-388055" defTabSz="457200">
               <a:lnSpc>
-                <a:spcPts val="2400"/>
+                <a:spcPts val="1700"/>
               </a:lnSpc>
               <a:spcBef>
                 <a:spcPts val="0"/>
@@ -33618,14 +33618,14 @@
               <a:buSzPct val="100000"/>
               <a:buFont typeface="Menlo"/>
               <a:buChar char="•"/>
-              <a:defRPr b="0" sz="900">
-                <a:solidFill>
-                  <a:srgbClr val="3F6E74"/>
-                </a:solidFill>
-                <a:latin typeface="Menlo"/>
-                <a:ea typeface="Menlo"/>
-                <a:cs typeface="Menlo"/>
-                <a:sym typeface="Menlo"/>
+              <a:defRPr b="0" sz="1100">
+                <a:solidFill>
+                  <a:srgbClr val="5C2699"/>
+                </a:solidFill>
+                <a:latin typeface="Arial"/>
+                <a:ea typeface="Arial"/>
+                <a:cs typeface="Arial"/>
+                <a:sym typeface="Arial"/>
               </a:defRPr>
             </a:pPr>
             <a:r>
@@ -33702,9 +33702,9 @@
             </a:endParaRPr>
           </a:p>
           <a:p>
-            <a:pPr marL="457200" indent="-317500" defTabSz="457200">
+            <a:pPr marL="527755" indent="-388055" defTabSz="457200">
               <a:lnSpc>
-                <a:spcPts val="2400"/>
+                <a:spcPts val="1700"/>
               </a:lnSpc>
               <a:spcBef>
                 <a:spcPts val="0"/>
@@ -33715,14 +33715,14 @@
               <a:buSzPct val="100000"/>
               <a:buFont typeface="Menlo"/>
               <a:buChar char="•"/>
-              <a:defRPr b="0" sz="900">
-                <a:solidFill>
-                  <a:srgbClr val="C41A16"/>
-                </a:solidFill>
-                <a:latin typeface="Menlo"/>
-                <a:ea typeface="Menlo"/>
-                <a:cs typeface="Menlo"/>
-                <a:sym typeface="Menlo"/>
+              <a:defRPr b="0" sz="1100">
+                <a:solidFill>
+                  <a:srgbClr val="5C2699"/>
+                </a:solidFill>
+                <a:latin typeface="Arial"/>
+                <a:ea typeface="Arial"/>
+                <a:cs typeface="Arial"/>
+                <a:sym typeface="Arial"/>
               </a:defRPr>
             </a:pPr>
             <a:r>
@@ -33767,9 +33767,9 @@
             </a:endParaRPr>
           </a:p>
           <a:p>
-            <a:pPr marL="457200" indent="-317500" defTabSz="457200">
+            <a:pPr marL="527755" indent="-388055" defTabSz="457200">
               <a:lnSpc>
-                <a:spcPts val="2400"/>
+                <a:spcPts val="1700"/>
               </a:lnSpc>
               <a:spcBef>
                 <a:spcPts val="0"/>
@@ -33780,49 +33780,19 @@
               <a:buSzPct val="100000"/>
               <a:buFont typeface="Menlo"/>
               <a:buChar char="•"/>
-              <a:defRPr b="0" sz="900">
-                <a:solidFill>
-                  <a:srgbClr val="333333"/>
-                </a:solidFill>
-                <a:latin typeface="Menlo"/>
-                <a:ea typeface="Menlo"/>
-                <a:cs typeface="Menlo"/>
-                <a:sym typeface="Menlo"/>
+              <a:defRPr b="0" sz="1100">
+                <a:solidFill>
+                  <a:srgbClr val="5C2699"/>
+                </a:solidFill>
+                <a:latin typeface="Arial"/>
+                <a:ea typeface="Arial"/>
+                <a:cs typeface="Arial"/>
+                <a:sym typeface="Arial"/>
               </a:defRPr>
             </a:pPr>
             <a:r>
               <a:t>}</a:t>
             </a:r>
-          </a:p>
-          <a:p>
-            <a:pPr marL="457200" indent="-317500" defTabSz="457200">
-              <a:lnSpc>
-                <a:spcPts val="2400"/>
-              </a:lnSpc>
-              <a:spcBef>
-                <a:spcPts val="0"/>
-              </a:spcBef>
-              <a:buClr>
-                <a:srgbClr val="007400"/>
-              </a:buClr>
-              <a:buSzPct val="100000"/>
-              <a:buFont typeface="Menlo"/>
-              <a:buChar char="•"/>
-              <a:defRPr b="0" sz="900">
-                <a:solidFill>
-                  <a:srgbClr val="007400"/>
-                </a:solidFill>
-                <a:latin typeface="Menlo"/>
-                <a:ea typeface="Menlo"/>
-                <a:cs typeface="Menlo"/>
-                <a:sym typeface="Menlo"/>
-              </a:defRPr>
-            </a:pPr>
-            <a:endParaRPr>
-              <a:solidFill>
-                <a:srgbClr val="333333"/>
-              </a:solidFill>
-            </a:endParaRPr>
           </a:p>
         </p:txBody>
       </p:sp>
@@ -33966,7 +33936,7 @@
         <p:spPr>
           <a:xfrm>
             <a:off x="497440" y="1090134"/>
-            <a:ext cx="3726804" cy="1704341"/>
+            <a:ext cx="3107070" cy="2236865"/>
           </a:xfrm>
           <a:prstGeom prst="rect">
             <a:avLst/>
@@ -33986,9 +33956,9 @@
           </a:bodyPr>
           <a:lstStyle/>
           <a:p>
-            <a:pPr marL="457200" indent="-317500" defTabSz="457200">
+            <a:pPr marL="527755" indent="-388055" defTabSz="457200">
               <a:lnSpc>
-                <a:spcPts val="2300"/>
+                <a:spcPts val="1700"/>
               </a:lnSpc>
               <a:spcBef>
                 <a:spcPts val="0"/>
@@ -33999,14 +33969,14 @@
               <a:buSzPct val="100000"/>
               <a:buFont typeface="Menlo"/>
               <a:buChar char="•"/>
-              <a:defRPr b="0" sz="900">
-                <a:solidFill>
-                  <a:srgbClr val="3F6E74"/>
-                </a:solidFill>
-                <a:latin typeface="Menlo"/>
-                <a:ea typeface="Menlo"/>
-                <a:cs typeface="Menlo"/>
-                <a:sym typeface="Menlo"/>
+              <a:defRPr b="0" sz="1100">
+                <a:solidFill>
+                  <a:srgbClr val="5C2699"/>
+                </a:solidFill>
+                <a:latin typeface="Arial"/>
+                <a:ea typeface="Arial"/>
+                <a:cs typeface="Arial"/>
+                <a:sym typeface="Arial"/>
               </a:defRPr>
             </a:pPr>
             <a:r>
@@ -34037,11 +34007,6 @@
               <a:t>: </a:t>
             </a:r>
             <a:r>
-              <a:rPr>
-                <a:solidFill>
-                  <a:srgbClr val="5C2699"/>
-                </a:solidFill>
-              </a:rPr>
               <a:t>Character</a:t>
             </a:r>
             <a:r>
@@ -34067,9 +34032,9 @@
             </a:endParaRPr>
           </a:p>
           <a:p>
-            <a:pPr marL="457200" indent="-317500" defTabSz="457200">
+            <a:pPr marL="527755" indent="-388055" defTabSz="457200">
               <a:lnSpc>
-                <a:spcPts val="2300"/>
+                <a:spcPts val="1700"/>
               </a:lnSpc>
               <a:spcBef>
                 <a:spcPts val="0"/>
@@ -34080,14 +34045,14 @@
               <a:buSzPct val="100000"/>
               <a:buFont typeface="Menlo"/>
               <a:buChar char="•"/>
-              <a:defRPr b="0" sz="900">
-                <a:solidFill>
-                  <a:srgbClr val="3F6E74"/>
-                </a:solidFill>
-                <a:latin typeface="Menlo"/>
-                <a:ea typeface="Menlo"/>
-                <a:cs typeface="Menlo"/>
-                <a:sym typeface="Menlo"/>
+              <a:defRPr b="0" sz="1100">
+                <a:solidFill>
+                  <a:srgbClr val="5C2699"/>
+                </a:solidFill>
+                <a:latin typeface="Arial"/>
+                <a:ea typeface="Arial"/>
+                <a:cs typeface="Arial"/>
+                <a:sym typeface="Arial"/>
               </a:defRPr>
             </a:pPr>
             <a:r>
@@ -34124,9 +34089,9 @@
             </a:endParaRPr>
           </a:p>
           <a:p>
-            <a:pPr marL="457200" indent="-317500" defTabSz="457200">
+            <a:pPr marL="527755" indent="-388055" defTabSz="457200">
               <a:lnSpc>
-                <a:spcPts val="2300"/>
+                <a:spcPts val="1700"/>
               </a:lnSpc>
               <a:spcBef>
                 <a:spcPts val="0"/>
@@ -34137,14 +34102,14 @@
               <a:buSzPct val="100000"/>
               <a:buFont typeface="Menlo"/>
               <a:buChar char="•"/>
-              <a:defRPr b="0" sz="900">
-                <a:solidFill>
-                  <a:srgbClr val="AA0D91"/>
-                </a:solidFill>
-                <a:latin typeface="Menlo"/>
-                <a:ea typeface="Menlo"/>
-                <a:cs typeface="Menlo"/>
-                <a:sym typeface="Menlo"/>
+              <a:defRPr b="0" sz="1100">
+                <a:solidFill>
+                  <a:srgbClr val="5C2699"/>
+                </a:solidFill>
+                <a:latin typeface="Arial"/>
+                <a:ea typeface="Arial"/>
+                <a:cs typeface="Arial"/>
+                <a:sym typeface="Arial"/>
               </a:defRPr>
             </a:pPr>
             <a:r>
@@ -34181,9 +34146,9 @@
             </a:endParaRPr>
           </a:p>
           <a:p>
-            <a:pPr marL="457200" indent="-317500" defTabSz="457200">
+            <a:pPr marL="527755" indent="-388055" defTabSz="457200">
               <a:lnSpc>
-                <a:spcPts val="2300"/>
+                <a:spcPts val="1700"/>
               </a:lnSpc>
               <a:spcBef>
                 <a:spcPts val="0"/>
@@ -34194,14 +34159,14 @@
               <a:buSzPct val="100000"/>
               <a:buFont typeface="Menlo"/>
               <a:buChar char="•"/>
-              <a:defRPr b="0" sz="900">
-                <a:solidFill>
-                  <a:srgbClr val="C41A16"/>
-                </a:solidFill>
-                <a:latin typeface="Menlo"/>
-                <a:ea typeface="Menlo"/>
-                <a:cs typeface="Menlo"/>
-                <a:sym typeface="Menlo"/>
+              <a:defRPr b="0" sz="1100">
+                <a:solidFill>
+                  <a:srgbClr val="5C2699"/>
+                </a:solidFill>
+                <a:latin typeface="Arial"/>
+                <a:ea typeface="Arial"/>
+                <a:cs typeface="Arial"/>
+                <a:sym typeface="Arial"/>
               </a:defRPr>
             </a:pPr>
             <a:r>
@@ -34246,9 +34211,9 @@
             </a:endParaRPr>
           </a:p>
           <a:p>
-            <a:pPr marL="457200" indent="-317500" defTabSz="457200">
+            <a:pPr marL="527755" indent="-388055" defTabSz="457200">
               <a:lnSpc>
-                <a:spcPts val="2300"/>
+                <a:spcPts val="1700"/>
               </a:lnSpc>
               <a:spcBef>
                 <a:spcPts val="0"/>
@@ -34259,14 +34224,14 @@
               <a:buSzPct val="100000"/>
               <a:buFont typeface="Menlo"/>
               <a:buChar char="•"/>
-              <a:defRPr b="0" sz="900">
-                <a:solidFill>
-                  <a:srgbClr val="AA0D91"/>
-                </a:solidFill>
-                <a:latin typeface="Menlo"/>
-                <a:ea typeface="Menlo"/>
-                <a:cs typeface="Menlo"/>
-                <a:sym typeface="Menlo"/>
+              <a:defRPr b="0" sz="1100">
+                <a:solidFill>
+                  <a:srgbClr val="5C2699"/>
+                </a:solidFill>
+                <a:latin typeface="Arial"/>
+                <a:ea typeface="Arial"/>
+                <a:cs typeface="Arial"/>
+                <a:sym typeface="Arial"/>
               </a:defRPr>
             </a:pPr>
             <a:r>
@@ -34303,9 +34268,9 @@
             </a:endParaRPr>
           </a:p>
           <a:p>
-            <a:pPr marL="457200" indent="-317500" defTabSz="457200">
+            <a:pPr marL="527755" indent="-388055" defTabSz="457200">
               <a:lnSpc>
-                <a:spcPts val="2300"/>
+                <a:spcPts val="1700"/>
               </a:lnSpc>
               <a:spcBef>
                 <a:spcPts val="0"/>
@@ -34316,14 +34281,14 @@
               <a:buSzPct val="100000"/>
               <a:buFont typeface="Menlo"/>
               <a:buChar char="•"/>
-              <a:defRPr b="0" sz="900">
-                <a:solidFill>
-                  <a:srgbClr val="C41A16"/>
-                </a:solidFill>
-                <a:latin typeface="Menlo"/>
-                <a:ea typeface="Menlo"/>
-                <a:cs typeface="Menlo"/>
-                <a:sym typeface="Menlo"/>
+              <a:defRPr b="0" sz="1100">
+                <a:solidFill>
+                  <a:srgbClr val="5C2699"/>
+                </a:solidFill>
+                <a:latin typeface="Arial"/>
+                <a:ea typeface="Arial"/>
+                <a:cs typeface="Arial"/>
+                <a:sym typeface="Arial"/>
               </a:defRPr>
             </a:pPr>
             <a:r>
@@ -34368,9 +34333,9 @@
             </a:endParaRPr>
           </a:p>
           <a:p>
-            <a:pPr marL="457200" indent="-317500" defTabSz="457200">
+            <a:pPr marL="527755" indent="-388055" defTabSz="457200">
               <a:lnSpc>
-                <a:spcPts val="2300"/>
+                <a:spcPts val="1700"/>
               </a:lnSpc>
               <a:spcBef>
                 <a:spcPts val="0"/>
@@ -34381,14 +34346,14 @@
               <a:buSzPct val="100000"/>
               <a:buFont typeface="Menlo"/>
               <a:buChar char="•"/>
-              <a:defRPr b="0" sz="900">
-                <a:solidFill>
-                  <a:srgbClr val="AA0D91"/>
-                </a:solidFill>
-                <a:latin typeface="Menlo"/>
-                <a:ea typeface="Menlo"/>
-                <a:cs typeface="Menlo"/>
-                <a:sym typeface="Menlo"/>
+              <a:defRPr b="0" sz="1100">
+                <a:solidFill>
+                  <a:srgbClr val="5C2699"/>
+                </a:solidFill>
+                <a:latin typeface="Arial"/>
+                <a:ea typeface="Arial"/>
+                <a:cs typeface="Arial"/>
+                <a:sym typeface="Arial"/>
               </a:defRPr>
             </a:pPr>
             <a:r>
@@ -34409,9 +34374,9 @@
             </a:endParaRPr>
           </a:p>
           <a:p>
-            <a:pPr marL="457200" indent="-317500" defTabSz="457200">
+            <a:pPr marL="527755" indent="-388055" defTabSz="457200">
               <a:lnSpc>
-                <a:spcPts val="2300"/>
+                <a:spcPts val="1700"/>
               </a:lnSpc>
               <a:spcBef>
                 <a:spcPts val="0"/>
@@ -34422,14 +34387,14 @@
               <a:buSzPct val="100000"/>
               <a:buFont typeface="Menlo"/>
               <a:buChar char="•"/>
-              <a:defRPr b="0" sz="900">
-                <a:solidFill>
-                  <a:srgbClr val="C41A16"/>
-                </a:solidFill>
-                <a:latin typeface="Menlo"/>
-                <a:ea typeface="Menlo"/>
-                <a:cs typeface="Menlo"/>
-                <a:sym typeface="Menlo"/>
+              <a:defRPr b="0" sz="1100">
+                <a:solidFill>
+                  <a:srgbClr val="5C2699"/>
+                </a:solidFill>
+                <a:latin typeface="Arial"/>
+                <a:ea typeface="Arial"/>
+                <a:cs typeface="Arial"/>
+                <a:sym typeface="Arial"/>
               </a:defRPr>
             </a:pPr>
             <a:r>
@@ -34474,9 +34439,9 @@
             </a:endParaRPr>
           </a:p>
           <a:p>
-            <a:pPr marL="457200" indent="-317500" defTabSz="457200">
+            <a:pPr marL="527755" indent="-388055" defTabSz="457200">
               <a:lnSpc>
-                <a:spcPts val="2300"/>
+                <a:spcPts val="1700"/>
               </a:lnSpc>
               <a:spcBef>
                 <a:spcPts val="0"/>
@@ -34487,14 +34452,14 @@
               <a:buSzPct val="100000"/>
               <a:buFont typeface="Menlo"/>
               <a:buChar char="•"/>
-              <a:defRPr b="0" sz="900">
-                <a:solidFill>
-                  <a:srgbClr val="333333"/>
-                </a:solidFill>
-                <a:latin typeface="Menlo"/>
-                <a:ea typeface="Menlo"/>
-                <a:cs typeface="Menlo"/>
-                <a:sym typeface="Menlo"/>
+              <a:defRPr b="0" sz="1100">
+                <a:solidFill>
+                  <a:srgbClr val="5C2699"/>
+                </a:solidFill>
+                <a:latin typeface="Arial"/>
+                <a:ea typeface="Arial"/>
+                <a:cs typeface="Arial"/>
+                <a:sym typeface="Arial"/>
               </a:defRPr>
             </a:pPr>
             <a:r>
@@ -34502,9 +34467,9 @@
             </a:r>
           </a:p>
           <a:p>
-            <a:pPr marL="457200" indent="-317500" defTabSz="457200">
+            <a:pPr marL="527755" indent="-388055" defTabSz="457200">
               <a:lnSpc>
-                <a:spcPts val="2300"/>
+                <a:spcPts val="1700"/>
               </a:lnSpc>
               <a:spcBef>
                 <a:spcPts val="0"/>
@@ -34515,14 +34480,14 @@
               <a:buSzPct val="100000"/>
               <a:buFont typeface="Menlo"/>
               <a:buChar char="•"/>
-              <a:defRPr b="0" sz="900">
-                <a:solidFill>
-                  <a:srgbClr val="007400"/>
-                </a:solidFill>
-                <a:latin typeface="Menlo"/>
-                <a:ea typeface="Menlo"/>
-                <a:cs typeface="Menlo"/>
-                <a:sym typeface="Menlo"/>
+              <a:defRPr b="0" sz="1100">
+                <a:solidFill>
+                  <a:srgbClr val="5C2699"/>
+                </a:solidFill>
+                <a:latin typeface="Arial"/>
+                <a:ea typeface="Arial"/>
+                <a:cs typeface="Arial"/>
+                <a:sym typeface="Arial"/>
               </a:defRPr>
             </a:pPr>
             <a:r>
@@ -34667,7 +34632,7 @@
         <p:spPr>
           <a:xfrm>
             <a:off x="572276" y="1604630"/>
-            <a:ext cx="3933247" cy="1704341"/>
+            <a:ext cx="3604341" cy="2236865"/>
           </a:xfrm>
           <a:prstGeom prst="rect">
             <a:avLst/>
@@ -34687,9 +34652,9 @@
           </a:bodyPr>
           <a:lstStyle/>
           <a:p>
-            <a:pPr marL="457200" indent="-317500" defTabSz="457200">
+            <a:pPr marL="527755" indent="-388055" defTabSz="457200">
               <a:lnSpc>
-                <a:spcPts val="2300"/>
+                <a:spcPts val="1700"/>
               </a:lnSpc>
               <a:spcBef>
                 <a:spcPts val="0"/>
@@ -34700,14 +34665,14 @@
               <a:buSzPct val="100000"/>
               <a:buFont typeface="Menlo"/>
               <a:buChar char="•"/>
-              <a:defRPr b="0" sz="900">
-                <a:solidFill>
-                  <a:srgbClr val="3F6E74"/>
-                </a:solidFill>
-                <a:latin typeface="Menlo"/>
-                <a:ea typeface="Menlo"/>
-                <a:cs typeface="Menlo"/>
-                <a:sym typeface="Menlo"/>
+              <a:defRPr b="0" sz="1100">
+                <a:solidFill>
+                  <a:srgbClr val="5C2699"/>
+                </a:solidFill>
+                <a:latin typeface="Arial"/>
+                <a:ea typeface="Arial"/>
+                <a:cs typeface="Arial"/>
+                <a:sym typeface="Arial"/>
               </a:defRPr>
             </a:pPr>
             <a:r>
@@ -34738,11 +34703,6 @@
               <a:t>: </a:t>
             </a:r>
             <a:r>
-              <a:rPr>
-                <a:solidFill>
-                  <a:srgbClr val="5C2699"/>
-                </a:solidFill>
-              </a:rPr>
               <a:t>Character</a:t>
             </a:r>
             <a:r>
@@ -34768,9 +34728,9 @@
             </a:endParaRPr>
           </a:p>
           <a:p>
-            <a:pPr marL="457200" indent="-317500" defTabSz="457200">
+            <a:pPr marL="527755" indent="-388055" defTabSz="457200">
               <a:lnSpc>
-                <a:spcPts val="2300"/>
+                <a:spcPts val="1700"/>
               </a:lnSpc>
               <a:spcBef>
                 <a:spcPts val="0"/>
@@ -34781,14 +34741,14 @@
               <a:buSzPct val="100000"/>
               <a:buFont typeface="Menlo"/>
               <a:buChar char="•"/>
-              <a:defRPr b="0" sz="900">
-                <a:solidFill>
-                  <a:srgbClr val="3F6E74"/>
-                </a:solidFill>
-                <a:latin typeface="Menlo"/>
-                <a:ea typeface="Menlo"/>
-                <a:cs typeface="Menlo"/>
-                <a:sym typeface="Menlo"/>
+              <a:defRPr b="0" sz="1100">
+                <a:solidFill>
+                  <a:srgbClr val="5C2699"/>
+                </a:solidFill>
+                <a:latin typeface="Arial"/>
+                <a:ea typeface="Arial"/>
+                <a:cs typeface="Arial"/>
+                <a:sym typeface="Arial"/>
               </a:defRPr>
             </a:pPr>
             <a:r>
@@ -34825,9 +34785,9 @@
             </a:endParaRPr>
           </a:p>
           <a:p>
-            <a:pPr marL="457200" indent="-317500" defTabSz="457200">
+            <a:pPr marL="527755" indent="-388055" defTabSz="457200">
               <a:lnSpc>
-                <a:spcPts val="2300"/>
+                <a:spcPts val="1700"/>
               </a:lnSpc>
               <a:spcBef>
                 <a:spcPts val="0"/>
@@ -34838,14 +34798,14 @@
               <a:buSzPct val="100000"/>
               <a:buFont typeface="Menlo"/>
               <a:buChar char="•"/>
-              <a:defRPr b="0" sz="900">
-                <a:solidFill>
-                  <a:srgbClr val="007400"/>
-                </a:solidFill>
-                <a:latin typeface="Menlo"/>
-                <a:ea typeface="Menlo"/>
-                <a:cs typeface="Menlo"/>
-                <a:sym typeface="Menlo"/>
+              <a:defRPr b="0" sz="1100">
+                <a:solidFill>
+                  <a:srgbClr val="5C2699"/>
+                </a:solidFill>
+                <a:latin typeface="Arial"/>
+                <a:ea typeface="Arial"/>
+                <a:cs typeface="Arial"/>
+                <a:sym typeface="Arial"/>
               </a:defRPr>
             </a:pPr>
             <a:r>
@@ -34890,9 +34850,9 @@
             </a:endParaRPr>
           </a:p>
           <a:p>
-            <a:pPr marL="457200" indent="-317500" defTabSz="457200">
+            <a:pPr marL="527755" indent="-388055" defTabSz="457200">
               <a:lnSpc>
-                <a:spcPts val="2300"/>
+                <a:spcPts val="1700"/>
               </a:lnSpc>
               <a:spcBef>
                 <a:spcPts val="0"/>
@@ -34903,14 +34863,14 @@
               <a:buSzPct val="100000"/>
               <a:buFont typeface="Menlo"/>
               <a:buChar char="•"/>
-              <a:defRPr b="0" sz="900">
-                <a:solidFill>
-                  <a:srgbClr val="AA0D91"/>
-                </a:solidFill>
-                <a:latin typeface="Menlo"/>
-                <a:ea typeface="Menlo"/>
-                <a:cs typeface="Menlo"/>
-                <a:sym typeface="Menlo"/>
+              <a:defRPr b="0" sz="1100">
+                <a:solidFill>
+                  <a:srgbClr val="5C2699"/>
+                </a:solidFill>
+                <a:latin typeface="Arial"/>
+                <a:ea typeface="Arial"/>
+                <a:cs typeface="Arial"/>
+                <a:sym typeface="Arial"/>
               </a:defRPr>
             </a:pPr>
             <a:r>
@@ -34947,9 +34907,9 @@
             </a:endParaRPr>
           </a:p>
           <a:p>
-            <a:pPr marL="457200" indent="-317500" defTabSz="457200">
+            <a:pPr marL="527755" indent="-388055" defTabSz="457200">
               <a:lnSpc>
-                <a:spcPts val="2300"/>
+                <a:spcPts val="1700"/>
               </a:lnSpc>
               <a:spcBef>
                 <a:spcPts val="0"/>
@@ -34960,14 +34920,14 @@
               <a:buSzPct val="100000"/>
               <a:buFont typeface="Menlo"/>
               <a:buChar char="•"/>
-              <a:defRPr b="0" sz="900">
-                <a:solidFill>
-                  <a:srgbClr val="C41A16"/>
-                </a:solidFill>
-                <a:latin typeface="Menlo"/>
-                <a:ea typeface="Menlo"/>
-                <a:cs typeface="Menlo"/>
-                <a:sym typeface="Menlo"/>
+              <a:defRPr b="0" sz="1100">
+                <a:solidFill>
+                  <a:srgbClr val="5C2699"/>
+                </a:solidFill>
+                <a:latin typeface="Arial"/>
+                <a:ea typeface="Arial"/>
+                <a:cs typeface="Arial"/>
+                <a:sym typeface="Arial"/>
               </a:defRPr>
             </a:pPr>
             <a:r>
@@ -35012,9 +34972,9 @@
             </a:endParaRPr>
           </a:p>
           <a:p>
-            <a:pPr marL="457200" indent="-317500" defTabSz="457200">
+            <a:pPr marL="527755" indent="-388055" defTabSz="457200">
               <a:lnSpc>
-                <a:spcPts val="2300"/>
+                <a:spcPts val="1700"/>
               </a:lnSpc>
               <a:spcBef>
                 <a:spcPts val="0"/>
@@ -35025,14 +34985,14 @@
               <a:buSzPct val="100000"/>
               <a:buFont typeface="Menlo"/>
               <a:buChar char="•"/>
-              <a:defRPr b="0" sz="900">
-                <a:solidFill>
-                  <a:srgbClr val="AA0D91"/>
-                </a:solidFill>
-                <a:latin typeface="Menlo"/>
-                <a:ea typeface="Menlo"/>
-                <a:cs typeface="Menlo"/>
-                <a:sym typeface="Menlo"/>
+              <a:defRPr b="0" sz="1100">
+                <a:solidFill>
+                  <a:srgbClr val="5C2699"/>
+                </a:solidFill>
+                <a:latin typeface="Arial"/>
+                <a:ea typeface="Arial"/>
+                <a:cs typeface="Arial"/>
+                <a:sym typeface="Arial"/>
               </a:defRPr>
             </a:pPr>
             <a:r>
@@ -35053,9 +35013,9 @@
             </a:endParaRPr>
           </a:p>
           <a:p>
-            <a:pPr marL="457200" indent="-317500" defTabSz="457200">
+            <a:pPr marL="527755" indent="-388055" defTabSz="457200">
               <a:lnSpc>
-                <a:spcPts val="2300"/>
+                <a:spcPts val="1700"/>
               </a:lnSpc>
               <a:spcBef>
                 <a:spcPts val="0"/>
@@ -35066,14 +35026,14 @@
               <a:buSzPct val="100000"/>
               <a:buFont typeface="Menlo"/>
               <a:buChar char="•"/>
-              <a:defRPr b="0" sz="900">
-                <a:solidFill>
-                  <a:srgbClr val="C41A16"/>
-                </a:solidFill>
-                <a:latin typeface="Menlo"/>
-                <a:ea typeface="Menlo"/>
-                <a:cs typeface="Menlo"/>
-                <a:sym typeface="Menlo"/>
+              <a:defRPr b="0" sz="1100">
+                <a:solidFill>
+                  <a:srgbClr val="5C2699"/>
+                </a:solidFill>
+                <a:latin typeface="Arial"/>
+                <a:ea typeface="Arial"/>
+                <a:cs typeface="Arial"/>
+                <a:sym typeface="Arial"/>
               </a:defRPr>
             </a:pPr>
             <a:r>
@@ -35118,9 +35078,9 @@
             </a:endParaRPr>
           </a:p>
           <a:p>
-            <a:pPr marL="457200" indent="-317500" defTabSz="457200">
+            <a:pPr marL="527755" indent="-388055" defTabSz="457200">
               <a:lnSpc>
-                <a:spcPts val="2300"/>
+                <a:spcPts val="1700"/>
               </a:lnSpc>
               <a:spcBef>
                 <a:spcPts val="0"/>
@@ -35131,14 +35091,14 @@
               <a:buSzPct val="100000"/>
               <a:buFont typeface="Menlo"/>
               <a:buChar char="•"/>
-              <a:defRPr b="0" sz="900">
-                <a:solidFill>
-                  <a:srgbClr val="333333"/>
-                </a:solidFill>
-                <a:latin typeface="Menlo"/>
-                <a:ea typeface="Menlo"/>
-                <a:cs typeface="Menlo"/>
-                <a:sym typeface="Menlo"/>
+              <a:defRPr b="0" sz="1100">
+                <a:solidFill>
+                  <a:srgbClr val="5C2699"/>
+                </a:solidFill>
+                <a:latin typeface="Arial"/>
+                <a:ea typeface="Arial"/>
+                <a:cs typeface="Arial"/>
+                <a:sym typeface="Arial"/>
               </a:defRPr>
             </a:pPr>
             <a:r>
@@ -35146,9 +35106,9 @@
             </a:r>
           </a:p>
           <a:p>
-            <a:pPr marL="457200" indent="-317500" defTabSz="457200">
+            <a:pPr marL="527755" indent="-388055" defTabSz="457200">
               <a:lnSpc>
-                <a:spcPts val="2300"/>
+                <a:spcPts val="1700"/>
               </a:lnSpc>
               <a:spcBef>
                 <a:spcPts val="0"/>
@@ -35159,14 +35119,14 @@
               <a:buSzPct val="100000"/>
               <a:buFont typeface="Menlo"/>
               <a:buChar char="•"/>
-              <a:defRPr b="0" sz="900">
-                <a:solidFill>
-                  <a:srgbClr val="007400"/>
-                </a:solidFill>
-                <a:latin typeface="Menlo"/>
-                <a:ea typeface="Menlo"/>
-                <a:cs typeface="Menlo"/>
-                <a:sym typeface="Menlo"/>
+              <a:defRPr b="0" sz="1100">
+                <a:solidFill>
+                  <a:srgbClr val="5C2699"/>
+                </a:solidFill>
+                <a:latin typeface="Arial"/>
+                <a:ea typeface="Arial"/>
+                <a:cs typeface="Arial"/>
+                <a:sym typeface="Arial"/>
               </a:defRPr>
             </a:pPr>
             <a:r>
@@ -35230,7 +35190,7 @@
         <p:spPr>
           <a:xfrm>
             <a:off x="4968880" y="1579262"/>
-            <a:ext cx="3176288" cy="1539241"/>
+            <a:ext cx="2971325" cy="2020966"/>
           </a:xfrm>
           <a:prstGeom prst="rect">
             <a:avLst/>
@@ -35250,9 +35210,9 @@
           </a:bodyPr>
           <a:lstStyle/>
           <a:p>
-            <a:pPr marL="457200" indent="-317500" defTabSz="457200">
+            <a:pPr marL="527755" indent="-388055" defTabSz="457200">
               <a:lnSpc>
-                <a:spcPts val="2300"/>
+                <a:spcPts val="1700"/>
               </a:lnSpc>
               <a:spcBef>
                 <a:spcPts val="0"/>
@@ -35263,14 +35223,14 @@
               <a:buSzPct val="100000"/>
               <a:buFont typeface="Menlo"/>
               <a:buChar char="•"/>
-              <a:defRPr b="0" sz="900">
-                <a:solidFill>
-                  <a:srgbClr val="3F6E74"/>
-                </a:solidFill>
-                <a:latin typeface="Menlo"/>
-                <a:ea typeface="Menlo"/>
-                <a:cs typeface="Menlo"/>
-                <a:sym typeface="Menlo"/>
+              <a:defRPr b="0" sz="1100">
+                <a:solidFill>
+                  <a:srgbClr val="5C2699"/>
+                </a:solidFill>
+                <a:latin typeface="Arial"/>
+                <a:ea typeface="Arial"/>
+                <a:cs typeface="Arial"/>
+                <a:sym typeface="Arial"/>
               </a:defRPr>
             </a:pPr>
             <a:r>
@@ -35301,11 +35261,6 @@
               <a:t>: </a:t>
             </a:r>
             <a:r>
-              <a:rPr>
-                <a:solidFill>
-                  <a:srgbClr val="5C2699"/>
-                </a:solidFill>
-              </a:rPr>
               <a:t>Character</a:t>
             </a:r>
             <a:r>
@@ -35331,9 +35286,9 @@
             </a:endParaRPr>
           </a:p>
           <a:p>
-            <a:pPr marL="457200" indent="-317500" defTabSz="457200">
+            <a:pPr marL="527755" indent="-388055" defTabSz="457200">
               <a:lnSpc>
-                <a:spcPts val="2300"/>
+                <a:spcPts val="1700"/>
               </a:lnSpc>
               <a:spcBef>
                 <a:spcPts val="0"/>
@@ -35344,14 +35299,14 @@
               <a:buSzPct val="100000"/>
               <a:buFont typeface="Menlo"/>
               <a:buChar char="•"/>
-              <a:defRPr b="0" sz="900">
-                <a:solidFill>
-                  <a:srgbClr val="3F6E74"/>
-                </a:solidFill>
-                <a:latin typeface="Menlo"/>
-                <a:ea typeface="Menlo"/>
-                <a:cs typeface="Menlo"/>
-                <a:sym typeface="Menlo"/>
+              <a:defRPr b="0" sz="1100">
+                <a:solidFill>
+                  <a:srgbClr val="5C2699"/>
+                </a:solidFill>
+                <a:latin typeface="Arial"/>
+                <a:ea typeface="Arial"/>
+                <a:cs typeface="Arial"/>
+                <a:sym typeface="Arial"/>
               </a:defRPr>
             </a:pPr>
             <a:r>
@@ -35388,9 +35343,9 @@
             </a:endParaRPr>
           </a:p>
           <a:p>
-            <a:pPr marL="457200" indent="-317500" defTabSz="457200">
+            <a:pPr marL="527755" indent="-388055" defTabSz="457200">
               <a:lnSpc>
-                <a:spcPts val="2300"/>
+                <a:spcPts val="1700"/>
               </a:lnSpc>
               <a:spcBef>
                 <a:spcPts val="0"/>
@@ -35401,14 +35356,14 @@
               <a:buSzPct val="100000"/>
               <a:buFont typeface="Menlo"/>
               <a:buChar char="•"/>
-              <a:defRPr b="0" sz="900">
-                <a:solidFill>
-                  <a:srgbClr val="AA0D91"/>
-                </a:solidFill>
-                <a:latin typeface="Menlo"/>
-                <a:ea typeface="Menlo"/>
-                <a:cs typeface="Menlo"/>
-                <a:sym typeface="Menlo"/>
+              <a:defRPr b="0" sz="1100">
+                <a:solidFill>
+                  <a:srgbClr val="5C2699"/>
+                </a:solidFill>
+                <a:latin typeface="Arial"/>
+                <a:ea typeface="Arial"/>
+                <a:cs typeface="Arial"/>
+                <a:sym typeface="Arial"/>
               </a:defRPr>
             </a:pPr>
             <a:r>
@@ -35461,9 +35416,9 @@
             </a:endParaRPr>
           </a:p>
           <a:p>
-            <a:pPr marL="457200" indent="-317500" defTabSz="457200">
+            <a:pPr marL="527755" indent="-388055" defTabSz="457200">
               <a:lnSpc>
-                <a:spcPts val="2300"/>
+                <a:spcPts val="1700"/>
               </a:lnSpc>
               <a:spcBef>
                 <a:spcPts val="0"/>
@@ -35474,14 +35429,14 @@
               <a:buSzPct val="100000"/>
               <a:buFont typeface="Menlo"/>
               <a:buChar char="•"/>
-              <a:defRPr b="0" sz="900">
-                <a:solidFill>
-                  <a:srgbClr val="C41A16"/>
-                </a:solidFill>
-                <a:latin typeface="Menlo"/>
-                <a:ea typeface="Menlo"/>
-                <a:cs typeface="Menlo"/>
-                <a:sym typeface="Menlo"/>
+              <a:defRPr b="0" sz="1100">
+                <a:solidFill>
+                  <a:srgbClr val="5C2699"/>
+                </a:solidFill>
+                <a:latin typeface="Arial"/>
+                <a:ea typeface="Arial"/>
+                <a:cs typeface="Arial"/>
+                <a:sym typeface="Arial"/>
               </a:defRPr>
             </a:pPr>
             <a:r>
@@ -35526,9 +35481,9 @@
             </a:endParaRPr>
           </a:p>
           <a:p>
-            <a:pPr marL="457200" indent="-317500" defTabSz="457200">
+            <a:pPr marL="527755" indent="-388055" defTabSz="457200">
               <a:lnSpc>
-                <a:spcPts val="2300"/>
+                <a:spcPts val="1700"/>
               </a:lnSpc>
               <a:spcBef>
                 <a:spcPts val="0"/>
@@ -35539,14 +35494,14 @@
               <a:buSzPct val="100000"/>
               <a:buFont typeface="Menlo"/>
               <a:buChar char="•"/>
-              <a:defRPr b="0" sz="900">
-                <a:solidFill>
-                  <a:srgbClr val="AA0D91"/>
-                </a:solidFill>
-                <a:latin typeface="Menlo"/>
-                <a:ea typeface="Menlo"/>
-                <a:cs typeface="Menlo"/>
-                <a:sym typeface="Menlo"/>
+              <a:defRPr b="0" sz="1100">
+                <a:solidFill>
+                  <a:srgbClr val="5C2699"/>
+                </a:solidFill>
+                <a:latin typeface="Arial"/>
+                <a:ea typeface="Arial"/>
+                <a:cs typeface="Arial"/>
+                <a:sym typeface="Arial"/>
               </a:defRPr>
             </a:pPr>
             <a:r>
@@ -35567,9 +35522,9 @@
             </a:endParaRPr>
           </a:p>
           <a:p>
-            <a:pPr marL="457200" indent="-317500" defTabSz="457200">
+            <a:pPr marL="527755" indent="-388055" defTabSz="457200">
               <a:lnSpc>
-                <a:spcPts val="2300"/>
+                <a:spcPts val="1700"/>
               </a:lnSpc>
               <a:spcBef>
                 <a:spcPts val="0"/>
@@ -35580,14 +35535,14 @@
               <a:buSzPct val="100000"/>
               <a:buFont typeface="Menlo"/>
               <a:buChar char="•"/>
-              <a:defRPr b="0" sz="900">
-                <a:solidFill>
-                  <a:srgbClr val="C41A16"/>
-                </a:solidFill>
-                <a:latin typeface="Menlo"/>
-                <a:ea typeface="Menlo"/>
-                <a:cs typeface="Menlo"/>
-                <a:sym typeface="Menlo"/>
+              <a:defRPr b="0" sz="1100">
+                <a:solidFill>
+                  <a:srgbClr val="5C2699"/>
+                </a:solidFill>
+                <a:latin typeface="Arial"/>
+                <a:ea typeface="Arial"/>
+                <a:cs typeface="Arial"/>
+                <a:sym typeface="Arial"/>
               </a:defRPr>
             </a:pPr>
             <a:r>
@@ -35632,9 +35587,9 @@
             </a:endParaRPr>
           </a:p>
           <a:p>
-            <a:pPr marL="457200" indent="-317500" defTabSz="457200">
+            <a:pPr marL="527755" indent="-388055" defTabSz="457200">
               <a:lnSpc>
-                <a:spcPts val="2300"/>
+                <a:spcPts val="1700"/>
               </a:lnSpc>
               <a:spcBef>
                 <a:spcPts val="0"/>
@@ -35645,14 +35600,14 @@
               <a:buSzPct val="100000"/>
               <a:buFont typeface="Menlo"/>
               <a:buChar char="•"/>
-              <a:defRPr b="0" sz="900">
-                <a:solidFill>
-                  <a:srgbClr val="333333"/>
-                </a:solidFill>
-                <a:latin typeface="Menlo"/>
-                <a:ea typeface="Menlo"/>
-                <a:cs typeface="Menlo"/>
-                <a:sym typeface="Menlo"/>
+              <a:defRPr b="0" sz="1100">
+                <a:solidFill>
+                  <a:srgbClr val="5C2699"/>
+                </a:solidFill>
+                <a:latin typeface="Arial"/>
+                <a:ea typeface="Arial"/>
+                <a:cs typeface="Arial"/>
+                <a:sym typeface="Arial"/>
               </a:defRPr>
             </a:pPr>
             <a:r>
@@ -35660,9 +35615,9 @@
             </a:r>
           </a:p>
           <a:p>
-            <a:pPr marL="457200" indent="-317500" defTabSz="457200">
+            <a:pPr marL="527755" indent="-388055" defTabSz="457200">
               <a:lnSpc>
-                <a:spcPts val="2300"/>
+                <a:spcPts val="1700"/>
               </a:lnSpc>
               <a:spcBef>
                 <a:spcPts val="0"/>
@@ -35673,14 +35628,14 @@
               <a:buSzPct val="100000"/>
               <a:buFont typeface="Menlo"/>
               <a:buChar char="•"/>
-              <a:defRPr b="0" sz="900">
-                <a:solidFill>
-                  <a:srgbClr val="007400"/>
-                </a:solidFill>
-                <a:latin typeface="Menlo"/>
-                <a:ea typeface="Menlo"/>
-                <a:cs typeface="Menlo"/>
-                <a:sym typeface="Menlo"/>
+              <a:defRPr b="0" sz="1100">
+                <a:solidFill>
+                  <a:srgbClr val="5C2699"/>
+                </a:solidFill>
+                <a:latin typeface="Arial"/>
+                <a:ea typeface="Arial"/>
+                <a:cs typeface="Arial"/>
+                <a:sym typeface="Arial"/>
               </a:defRPr>
             </a:pPr>
             <a:r>
@@ -35829,8 +35784,8 @@
         </p:nvSpPr>
         <p:spPr>
           <a:xfrm>
-            <a:off x="586308" y="1489995"/>
-            <a:ext cx="4346133" cy="3355341"/>
+            <a:off x="586308" y="1429191"/>
+            <a:ext cx="3637480" cy="3460994"/>
           </a:xfrm>
           <a:prstGeom prst="rect">
             <a:avLst/>
@@ -35850,9 +35805,9 @@
           </a:bodyPr>
           <a:lstStyle/>
           <a:p>
-            <a:pPr marL="457200" indent="-317500" defTabSz="457200">
+            <a:pPr marL="527755" indent="-388055" defTabSz="457200">
               <a:lnSpc>
-                <a:spcPts val="2300"/>
+                <a:spcPts val="1400"/>
               </a:lnSpc>
               <a:spcBef>
                 <a:spcPts val="0"/>
@@ -35863,14 +35818,14 @@
               <a:buSzPct val="100000"/>
               <a:buFont typeface="Menlo"/>
               <a:buChar char="•"/>
-              <a:defRPr b="0" sz="900">
-                <a:solidFill>
-                  <a:srgbClr val="3F6E74"/>
-                </a:solidFill>
-                <a:latin typeface="Menlo"/>
-                <a:ea typeface="Menlo"/>
-                <a:cs typeface="Menlo"/>
-                <a:sym typeface="Menlo"/>
+              <a:defRPr b="0" sz="1000">
+                <a:solidFill>
+                  <a:srgbClr val="5C2699"/>
+                </a:solidFill>
+                <a:latin typeface="Arial"/>
+                <a:ea typeface="Arial"/>
+                <a:cs typeface="Arial"/>
+                <a:sym typeface="Arial"/>
               </a:defRPr>
             </a:pPr>
             <a:r>
@@ -35915,9 +35870,9 @@
             </a:endParaRPr>
           </a:p>
           <a:p>
-            <a:pPr marL="457200" indent="-317500" defTabSz="457200">
+            <a:pPr marL="527755" indent="-388055" defTabSz="457200">
               <a:lnSpc>
-                <a:spcPts val="2300"/>
+                <a:spcPts val="1400"/>
               </a:lnSpc>
               <a:spcBef>
                 <a:spcPts val="0"/>
@@ -35928,14 +35883,14 @@
               <a:buSzPct val="100000"/>
               <a:buFont typeface="Menlo"/>
               <a:buChar char="•"/>
-              <a:defRPr b="0" sz="900">
-                <a:solidFill>
-                  <a:srgbClr val="C41A16"/>
-                </a:solidFill>
-                <a:latin typeface="Menlo"/>
-                <a:ea typeface="Menlo"/>
-                <a:cs typeface="Menlo"/>
-                <a:sym typeface="Menlo"/>
+              <a:defRPr b="0" sz="1000">
+                <a:solidFill>
+                  <a:srgbClr val="5C2699"/>
+                </a:solidFill>
+                <a:latin typeface="Arial"/>
+                <a:ea typeface="Arial"/>
+                <a:cs typeface="Arial"/>
+                <a:sym typeface="Arial"/>
               </a:defRPr>
             </a:pPr>
             <a:r>
@@ -35980,9 +35935,9 @@
             </a:endParaRPr>
           </a:p>
           <a:p>
-            <a:pPr marL="457200" indent="-317500" defTabSz="457200">
+            <a:pPr marL="527755" indent="-388055" defTabSz="457200">
               <a:lnSpc>
-                <a:spcPts val="2300"/>
+                <a:spcPts val="1400"/>
               </a:lnSpc>
               <a:spcBef>
                 <a:spcPts val="0"/>
@@ -35993,14 +35948,14 @@
               <a:buSzPct val="100000"/>
               <a:buFont typeface="Menlo"/>
               <a:buChar char="•"/>
-              <a:defRPr b="0" sz="900">
-                <a:solidFill>
-                  <a:srgbClr val="3F6E74"/>
-                </a:solidFill>
-                <a:latin typeface="Menlo"/>
-                <a:ea typeface="Menlo"/>
-                <a:cs typeface="Menlo"/>
-                <a:sym typeface="Menlo"/>
+              <a:defRPr b="0" sz="1000">
+                <a:solidFill>
+                  <a:srgbClr val="5C2699"/>
+                </a:solidFill>
+                <a:latin typeface="Arial"/>
+                <a:ea typeface="Arial"/>
+                <a:cs typeface="Arial"/>
+                <a:sym typeface="Arial"/>
               </a:defRPr>
             </a:pPr>
             <a:r>
@@ -36031,11 +35986,6 @@
               <a:t>: </a:t>
             </a:r>
             <a:r>
-              <a:rPr>
-                <a:solidFill>
-                  <a:srgbClr val="5C2699"/>
-                </a:solidFill>
-              </a:rPr>
               <a:t>String</a:t>
             </a:r>
             <a:endParaRPr>
@@ -36045,9 +35995,9 @@
             </a:endParaRPr>
           </a:p>
           <a:p>
-            <a:pPr marL="457200" indent="-317500" defTabSz="457200">
+            <a:pPr marL="527755" indent="-388055" defTabSz="457200">
               <a:lnSpc>
-                <a:spcPts val="2300"/>
+                <a:spcPts val="1400"/>
               </a:lnSpc>
               <a:spcBef>
                 <a:spcPts val="0"/>
@@ -36058,14 +36008,14 @@
               <a:buSzPct val="100000"/>
               <a:buFont typeface="Menlo"/>
               <a:buChar char="•"/>
-              <a:defRPr b="0" sz="900">
-                <a:solidFill>
-                  <a:srgbClr val="3F6E74"/>
-                </a:solidFill>
-                <a:latin typeface="Menlo"/>
-                <a:ea typeface="Menlo"/>
-                <a:cs typeface="Menlo"/>
-                <a:sym typeface="Menlo"/>
+              <a:defRPr b="0" sz="1000">
+                <a:solidFill>
+                  <a:srgbClr val="5C2699"/>
+                </a:solidFill>
+                <a:latin typeface="Arial"/>
+                <a:ea typeface="Arial"/>
+                <a:cs typeface="Arial"/>
+                <a:sym typeface="Arial"/>
               </a:defRPr>
             </a:pPr>
             <a:r>
@@ -36102,9 +36052,9 @@
             </a:endParaRPr>
           </a:p>
           <a:p>
-            <a:pPr marL="457200" indent="-317500" defTabSz="457200">
+            <a:pPr marL="527755" indent="-388055" defTabSz="457200">
               <a:lnSpc>
-                <a:spcPts val="2300"/>
+                <a:spcPts val="1400"/>
               </a:lnSpc>
               <a:spcBef>
                 <a:spcPts val="0"/>
@@ -36115,14 +36065,14 @@
               <a:buSzPct val="100000"/>
               <a:buFont typeface="Menlo"/>
               <a:buChar char="•"/>
-              <a:defRPr b="0" sz="900">
-                <a:solidFill>
-                  <a:srgbClr val="AA0D91"/>
-                </a:solidFill>
-                <a:latin typeface="Menlo"/>
-                <a:ea typeface="Menlo"/>
-                <a:cs typeface="Menlo"/>
-                <a:sym typeface="Menlo"/>
+              <a:defRPr b="0" sz="1000">
+                <a:solidFill>
+                  <a:srgbClr val="5C2699"/>
+                </a:solidFill>
+                <a:latin typeface="Arial"/>
+                <a:ea typeface="Arial"/>
+                <a:cs typeface="Arial"/>
+                <a:sym typeface="Arial"/>
               </a:defRPr>
             </a:pPr>
             <a:r>
@@ -36159,9 +36109,9 @@
             </a:endParaRPr>
           </a:p>
           <a:p>
-            <a:pPr marL="457200" indent="-317500" defTabSz="457200">
+            <a:pPr marL="527755" indent="-388055" defTabSz="457200">
               <a:lnSpc>
-                <a:spcPts val="2300"/>
+                <a:spcPts val="1400"/>
               </a:lnSpc>
               <a:spcBef>
                 <a:spcPts val="0"/>
@@ -36172,14 +36122,14 @@
               <a:buSzPct val="100000"/>
               <a:buFont typeface="Menlo"/>
               <a:buChar char="•"/>
-              <a:defRPr b="0" sz="900">
-                <a:solidFill>
-                  <a:srgbClr val="3F6E74"/>
-                </a:solidFill>
-                <a:latin typeface="Menlo"/>
-                <a:ea typeface="Menlo"/>
-                <a:cs typeface="Menlo"/>
-                <a:sym typeface="Menlo"/>
+              <a:defRPr b="0" sz="1000">
+                <a:solidFill>
+                  <a:srgbClr val="5C2699"/>
+                </a:solidFill>
+                <a:latin typeface="Arial"/>
+                <a:ea typeface="Arial"/>
+                <a:cs typeface="Arial"/>
+                <a:sym typeface="Arial"/>
               </a:defRPr>
             </a:pPr>
             <a:r>
@@ -36216,9 +36166,9 @@
             </a:endParaRPr>
           </a:p>
           <a:p>
-            <a:pPr marL="457200" indent="-317500" defTabSz="457200">
+            <a:pPr marL="527755" indent="-388055" defTabSz="457200">
               <a:lnSpc>
-                <a:spcPts val="2300"/>
+                <a:spcPts val="1400"/>
               </a:lnSpc>
               <a:spcBef>
                 <a:spcPts val="0"/>
@@ -36229,14 +36179,14 @@
               <a:buSzPct val="100000"/>
               <a:buFont typeface="Menlo"/>
               <a:buChar char="•"/>
-              <a:defRPr b="0" sz="900">
-                <a:solidFill>
-                  <a:srgbClr val="AA0D91"/>
-                </a:solidFill>
-                <a:latin typeface="Menlo"/>
-                <a:ea typeface="Menlo"/>
-                <a:cs typeface="Menlo"/>
-                <a:sym typeface="Menlo"/>
+              <a:defRPr b="0" sz="1000">
+                <a:solidFill>
+                  <a:srgbClr val="5C2699"/>
+                </a:solidFill>
+                <a:latin typeface="Arial"/>
+                <a:ea typeface="Arial"/>
+                <a:cs typeface="Arial"/>
+                <a:sym typeface="Arial"/>
               </a:defRPr>
             </a:pPr>
             <a:r>
@@ -36289,9 +36239,9 @@
             </a:endParaRPr>
           </a:p>
           <a:p>
-            <a:pPr marL="457200" indent="-317500" defTabSz="457200">
+            <a:pPr marL="527755" indent="-388055" defTabSz="457200">
               <a:lnSpc>
-                <a:spcPts val="2300"/>
+                <a:spcPts val="1400"/>
               </a:lnSpc>
               <a:spcBef>
                 <a:spcPts val="0"/>
@@ -36302,14 +36252,14 @@
               <a:buSzPct val="100000"/>
               <a:buFont typeface="Menlo"/>
               <a:buChar char="•"/>
-              <a:defRPr b="0" sz="900">
-                <a:solidFill>
-                  <a:srgbClr val="3F6E74"/>
-                </a:solidFill>
-                <a:latin typeface="Menlo"/>
-                <a:ea typeface="Menlo"/>
-                <a:cs typeface="Menlo"/>
-                <a:sym typeface="Menlo"/>
+              <a:defRPr b="0" sz="1000">
+                <a:solidFill>
+                  <a:srgbClr val="5C2699"/>
+                </a:solidFill>
+                <a:latin typeface="Arial"/>
+                <a:ea typeface="Arial"/>
+                <a:cs typeface="Arial"/>
+                <a:sym typeface="Arial"/>
               </a:defRPr>
             </a:pPr>
             <a:r>
@@ -36346,9 +36296,9 @@
             </a:endParaRPr>
           </a:p>
           <a:p>
-            <a:pPr marL="457200" indent="-317500" defTabSz="457200">
+            <a:pPr marL="527755" indent="-388055" defTabSz="457200">
               <a:lnSpc>
-                <a:spcPts val="2300"/>
+                <a:spcPts val="1400"/>
               </a:lnSpc>
               <a:spcBef>
                 <a:spcPts val="0"/>
@@ -36359,14 +36309,14 @@
               <a:buSzPct val="100000"/>
               <a:buFont typeface="Menlo"/>
               <a:buChar char="•"/>
-              <a:defRPr b="0" sz="900">
-                <a:solidFill>
-                  <a:srgbClr val="AA0D91"/>
-                </a:solidFill>
-                <a:latin typeface="Menlo"/>
-                <a:ea typeface="Menlo"/>
-                <a:cs typeface="Menlo"/>
-                <a:sym typeface="Menlo"/>
+              <a:defRPr b="0" sz="1000">
+                <a:solidFill>
+                  <a:srgbClr val="5C2699"/>
+                </a:solidFill>
+                <a:latin typeface="Arial"/>
+                <a:ea typeface="Arial"/>
+                <a:cs typeface="Arial"/>
+                <a:sym typeface="Arial"/>
               </a:defRPr>
             </a:pPr>
             <a:r>
@@ -36419,9 +36369,9 @@
             </a:endParaRPr>
           </a:p>
           <a:p>
-            <a:pPr marL="457200" indent="-317500" defTabSz="457200">
+            <a:pPr marL="527755" indent="-388055" defTabSz="457200">
               <a:lnSpc>
-                <a:spcPts val="2300"/>
+                <a:spcPts val="1400"/>
               </a:lnSpc>
               <a:spcBef>
                 <a:spcPts val="0"/>
@@ -36432,14 +36382,14 @@
               <a:buSzPct val="100000"/>
               <a:buFont typeface="Menlo"/>
               <a:buChar char="•"/>
-              <a:defRPr b="0" sz="900">
-                <a:solidFill>
-                  <a:srgbClr val="3F6E74"/>
-                </a:solidFill>
-                <a:latin typeface="Menlo"/>
-                <a:ea typeface="Menlo"/>
-                <a:cs typeface="Menlo"/>
-                <a:sym typeface="Menlo"/>
+              <a:defRPr b="0" sz="1000">
+                <a:solidFill>
+                  <a:srgbClr val="5C2699"/>
+                </a:solidFill>
+                <a:latin typeface="Arial"/>
+                <a:ea typeface="Arial"/>
+                <a:cs typeface="Arial"/>
+                <a:sym typeface="Arial"/>
               </a:defRPr>
             </a:pPr>
             <a:r>
@@ -36476,9 +36426,9 @@
             </a:endParaRPr>
           </a:p>
           <a:p>
-            <a:pPr marL="457200" indent="-317500" defTabSz="457200">
+            <a:pPr marL="527755" indent="-388055" defTabSz="457200">
               <a:lnSpc>
-                <a:spcPts val="2300"/>
+                <a:spcPts val="1400"/>
               </a:lnSpc>
               <a:spcBef>
                 <a:spcPts val="0"/>
@@ -36489,14 +36439,14 @@
               <a:buSzPct val="100000"/>
               <a:buFont typeface="Menlo"/>
               <a:buChar char="•"/>
-              <a:defRPr b="0" sz="900">
-                <a:solidFill>
-                  <a:srgbClr val="AA0D91"/>
-                </a:solidFill>
-                <a:latin typeface="Menlo"/>
-                <a:ea typeface="Menlo"/>
-                <a:cs typeface="Menlo"/>
-                <a:sym typeface="Menlo"/>
+              <a:defRPr b="0" sz="1000">
+                <a:solidFill>
+                  <a:srgbClr val="5C2699"/>
+                </a:solidFill>
+                <a:latin typeface="Arial"/>
+                <a:ea typeface="Arial"/>
+                <a:cs typeface="Arial"/>
+                <a:sym typeface="Arial"/>
               </a:defRPr>
             </a:pPr>
             <a:r>
@@ -36549,9 +36499,9 @@
             </a:endParaRPr>
           </a:p>
           <a:p>
-            <a:pPr marL="457200" indent="-317500" defTabSz="457200">
+            <a:pPr marL="527755" indent="-388055" defTabSz="457200">
               <a:lnSpc>
-                <a:spcPts val="2300"/>
+                <a:spcPts val="1400"/>
               </a:lnSpc>
               <a:spcBef>
                 <a:spcPts val="0"/>
@@ -36562,14 +36512,14 @@
               <a:buSzPct val="100000"/>
               <a:buFont typeface="Menlo"/>
               <a:buChar char="•"/>
-              <a:defRPr b="0" sz="900">
-                <a:solidFill>
-                  <a:srgbClr val="3F6E74"/>
-                </a:solidFill>
-                <a:latin typeface="Menlo"/>
-                <a:ea typeface="Menlo"/>
-                <a:cs typeface="Menlo"/>
-                <a:sym typeface="Menlo"/>
+              <a:defRPr b="0" sz="1000">
+                <a:solidFill>
+                  <a:srgbClr val="5C2699"/>
+                </a:solidFill>
+                <a:latin typeface="Arial"/>
+                <a:ea typeface="Arial"/>
+                <a:cs typeface="Arial"/>
+                <a:sym typeface="Arial"/>
               </a:defRPr>
             </a:pPr>
             <a:r>
@@ -36606,9 +36556,9 @@
             </a:endParaRPr>
           </a:p>
           <a:p>
-            <a:pPr marL="457200" indent="-317500" defTabSz="457200">
+            <a:pPr marL="527755" indent="-388055" defTabSz="457200">
               <a:lnSpc>
-                <a:spcPts val="2300"/>
+                <a:spcPts val="1400"/>
               </a:lnSpc>
               <a:spcBef>
                 <a:spcPts val="0"/>
@@ -36619,14 +36569,14 @@
               <a:buSzPct val="100000"/>
               <a:buFont typeface="Menlo"/>
               <a:buChar char="•"/>
-              <a:defRPr b="0" sz="900">
-                <a:solidFill>
-                  <a:srgbClr val="AA0D91"/>
-                </a:solidFill>
-                <a:latin typeface="Menlo"/>
-                <a:ea typeface="Menlo"/>
-                <a:cs typeface="Menlo"/>
-                <a:sym typeface="Menlo"/>
+              <a:defRPr b="0" sz="1000">
+                <a:solidFill>
+                  <a:srgbClr val="5C2699"/>
+                </a:solidFill>
+                <a:latin typeface="Arial"/>
+                <a:ea typeface="Arial"/>
+                <a:cs typeface="Arial"/>
+                <a:sym typeface="Arial"/>
               </a:defRPr>
             </a:pPr>
             <a:r>
@@ -36679,9 +36629,9 @@
             </a:endParaRPr>
           </a:p>
           <a:p>
-            <a:pPr marL="457200" indent="-317500" defTabSz="457200">
+            <a:pPr marL="527755" indent="-388055" defTabSz="457200">
               <a:lnSpc>
-                <a:spcPts val="2300"/>
+                <a:spcPts val="1400"/>
               </a:lnSpc>
               <a:spcBef>
                 <a:spcPts val="0"/>
@@ -36692,14 +36642,14 @@
               <a:buSzPct val="100000"/>
               <a:buFont typeface="Menlo"/>
               <a:buChar char="•"/>
-              <a:defRPr b="0" sz="900">
-                <a:solidFill>
-                  <a:srgbClr val="C41A16"/>
-                </a:solidFill>
-                <a:latin typeface="Menlo"/>
-                <a:ea typeface="Menlo"/>
-                <a:cs typeface="Menlo"/>
-                <a:sym typeface="Menlo"/>
+              <a:defRPr b="0" sz="1000">
+                <a:solidFill>
+                  <a:srgbClr val="5C2699"/>
+                </a:solidFill>
+                <a:latin typeface="Arial"/>
+                <a:ea typeface="Arial"/>
+                <a:cs typeface="Arial"/>
+                <a:sym typeface="Arial"/>
               </a:defRPr>
             </a:pPr>
             <a:r>
@@ -36736,9 +36686,9 @@
             </a:endParaRPr>
           </a:p>
           <a:p>
-            <a:pPr marL="457200" indent="-317500" defTabSz="457200">
+            <a:pPr marL="527755" indent="-388055" defTabSz="457200">
               <a:lnSpc>
-                <a:spcPts val="2300"/>
+                <a:spcPts val="1400"/>
               </a:lnSpc>
               <a:spcBef>
                 <a:spcPts val="0"/>
@@ -36749,14 +36699,14 @@
               <a:buSzPct val="100000"/>
               <a:buFont typeface="Menlo"/>
               <a:buChar char="•"/>
-              <a:defRPr b="0" sz="900">
-                <a:solidFill>
-                  <a:srgbClr val="AA0D91"/>
-                </a:solidFill>
-                <a:latin typeface="Menlo"/>
-                <a:ea typeface="Menlo"/>
-                <a:cs typeface="Menlo"/>
-                <a:sym typeface="Menlo"/>
+              <a:defRPr b="0" sz="1000">
+                <a:solidFill>
+                  <a:srgbClr val="5C2699"/>
+                </a:solidFill>
+                <a:latin typeface="Arial"/>
+                <a:ea typeface="Arial"/>
+                <a:cs typeface="Arial"/>
+                <a:sym typeface="Arial"/>
               </a:defRPr>
             </a:pPr>
             <a:r>
@@ -36777,9 +36727,9 @@
             </a:endParaRPr>
           </a:p>
           <a:p>
-            <a:pPr marL="457200" indent="-317500" defTabSz="457200">
+            <a:pPr marL="527755" indent="-388055" defTabSz="457200">
               <a:lnSpc>
-                <a:spcPts val="2300"/>
+                <a:spcPts val="1400"/>
               </a:lnSpc>
               <a:spcBef>
                 <a:spcPts val="0"/>
@@ -36790,14 +36740,14 @@
               <a:buSzPct val="100000"/>
               <a:buFont typeface="Menlo"/>
               <a:buChar char="•"/>
-              <a:defRPr b="0" sz="900">
-                <a:solidFill>
-                  <a:srgbClr val="3F6E74"/>
-                </a:solidFill>
-                <a:latin typeface="Menlo"/>
-                <a:ea typeface="Menlo"/>
-                <a:cs typeface="Menlo"/>
-                <a:sym typeface="Menlo"/>
+              <a:defRPr b="0" sz="1000">
+                <a:solidFill>
+                  <a:srgbClr val="5C2699"/>
+                </a:solidFill>
+                <a:latin typeface="Arial"/>
+                <a:ea typeface="Arial"/>
+                <a:cs typeface="Arial"/>
+                <a:sym typeface="Arial"/>
               </a:defRPr>
             </a:pPr>
             <a:r>
@@ -36834,9 +36784,9 @@
             </a:endParaRPr>
           </a:p>
           <a:p>
-            <a:pPr marL="457200" indent="-317500" defTabSz="457200">
+            <a:pPr marL="527755" indent="-388055" defTabSz="457200">
               <a:lnSpc>
-                <a:spcPts val="2300"/>
+                <a:spcPts val="1400"/>
               </a:lnSpc>
               <a:spcBef>
                 <a:spcPts val="0"/>
@@ -36847,14 +36797,14 @@
               <a:buSzPct val="100000"/>
               <a:buFont typeface="Menlo"/>
               <a:buChar char="•"/>
-              <a:defRPr b="0" sz="900">
-                <a:solidFill>
-                  <a:srgbClr val="333333"/>
-                </a:solidFill>
-                <a:latin typeface="Menlo"/>
-                <a:ea typeface="Menlo"/>
-                <a:cs typeface="Menlo"/>
-                <a:sym typeface="Menlo"/>
+              <a:defRPr b="0" sz="1000">
+                <a:solidFill>
+                  <a:srgbClr val="5C2699"/>
+                </a:solidFill>
+                <a:latin typeface="Arial"/>
+                <a:ea typeface="Arial"/>
+                <a:cs typeface="Arial"/>
+                <a:sym typeface="Arial"/>
               </a:defRPr>
             </a:pPr>
             <a:r>
@@ -36862,9 +36812,9 @@
             </a:r>
           </a:p>
           <a:p>
-            <a:pPr marL="457200" indent="-317500" defTabSz="457200">
+            <a:pPr marL="527755" indent="-388055" defTabSz="457200">
               <a:lnSpc>
-                <a:spcPts val="2300"/>
+                <a:spcPts val="1400"/>
               </a:lnSpc>
               <a:spcBef>
                 <a:spcPts val="0"/>
@@ -36875,14 +36825,14 @@
               <a:buSzPct val="100000"/>
               <a:buFont typeface="Menlo"/>
               <a:buChar char="•"/>
-              <a:defRPr b="0" sz="900">
-                <a:solidFill>
-                  <a:srgbClr val="3F6E74"/>
-                </a:solidFill>
-                <a:latin typeface="Menlo"/>
-                <a:ea typeface="Menlo"/>
-                <a:cs typeface="Menlo"/>
-                <a:sym typeface="Menlo"/>
+              <a:defRPr b="0" sz="1000">
+                <a:solidFill>
+                  <a:srgbClr val="5C2699"/>
+                </a:solidFill>
+                <a:latin typeface="Arial"/>
+                <a:ea typeface="Arial"/>
+                <a:cs typeface="Arial"/>
+                <a:sym typeface="Arial"/>
               </a:defRPr>
             </a:pPr>
             <a:r>
@@ -36973,9 +36923,9 @@
             </a:endParaRPr>
           </a:p>
           <a:p>
-            <a:pPr marL="457200" indent="-317500" defTabSz="457200">
+            <a:pPr marL="527755" indent="-388055" defTabSz="457200">
               <a:lnSpc>
-                <a:spcPts val="2300"/>
+                <a:spcPts val="1400"/>
               </a:lnSpc>
               <a:spcBef>
                 <a:spcPts val="0"/>
@@ -36986,24 +36936,19 @@
               <a:buSzPct val="100000"/>
               <a:buFont typeface="Menlo"/>
               <a:buChar char="•"/>
-              <a:defRPr b="0" sz="900">
-                <a:solidFill>
-                  <a:srgbClr val="007400"/>
-                </a:solidFill>
-                <a:latin typeface="Menlo"/>
-                <a:ea typeface="Menlo"/>
-                <a:cs typeface="Menlo"/>
-                <a:sym typeface="Menlo"/>
+              <a:defRPr b="0" sz="1000">
+                <a:solidFill>
+                  <a:srgbClr val="5C2699"/>
+                </a:solidFill>
+                <a:latin typeface="Arial"/>
+                <a:ea typeface="Arial"/>
+                <a:cs typeface="Arial"/>
+                <a:sym typeface="Arial"/>
               </a:defRPr>
             </a:pPr>
             <a:r>
               <a:t>// Prints "There are dozens of moons orbiting Saturn."</a:t>
             </a:r>
-            <a:endParaRPr>
-              <a:solidFill>
-                <a:srgbClr val="333333"/>
-              </a:solidFill>
-            </a:endParaRPr>
           </a:p>
         </p:txBody>
       </p:sp>
@@ -37184,7 +37129,7 @@
         <p:spPr>
           <a:xfrm>
             <a:off x="586308" y="1489995"/>
-            <a:ext cx="3864432" cy="2529841"/>
+            <a:ext cx="3363208" cy="3316366"/>
           </a:xfrm>
           <a:prstGeom prst="rect">
             <a:avLst/>
@@ -37204,9 +37149,9 @@
           </a:bodyPr>
           <a:lstStyle/>
           <a:p>
-            <a:pPr marL="457200" indent="-317500" defTabSz="457200">
+            <a:pPr marL="527755" indent="-388055" defTabSz="457200">
               <a:lnSpc>
-                <a:spcPts val="2300"/>
+                <a:spcPts val="1700"/>
               </a:lnSpc>
               <a:spcBef>
                 <a:spcPts val="0"/>
@@ -37217,14 +37162,14 @@
               <a:buSzPct val="100000"/>
               <a:buFont typeface="Menlo"/>
               <a:buChar char="•"/>
-              <a:defRPr b="0" sz="900">
-                <a:solidFill>
-                  <a:srgbClr val="3F6E74"/>
-                </a:solidFill>
-                <a:latin typeface="Menlo"/>
-                <a:ea typeface="Menlo"/>
-                <a:cs typeface="Menlo"/>
-                <a:sym typeface="Menlo"/>
+              <a:defRPr b="0" sz="1100">
+                <a:solidFill>
+                  <a:srgbClr val="5C2699"/>
+                </a:solidFill>
+                <a:latin typeface="Arial"/>
+                <a:ea typeface="Arial"/>
+                <a:cs typeface="Arial"/>
+                <a:sym typeface="Arial"/>
               </a:defRPr>
             </a:pPr>
             <a:r>
@@ -37293,9 +37238,9 @@
             </a:endParaRPr>
           </a:p>
           <a:p>
-            <a:pPr marL="457200" indent="-317500" defTabSz="457200">
+            <a:pPr marL="527755" indent="-388055" defTabSz="457200">
               <a:lnSpc>
-                <a:spcPts val="2300"/>
+                <a:spcPts val="1700"/>
               </a:lnSpc>
               <a:spcBef>
                 <a:spcPts val="0"/>
@@ -37306,14 +37251,14 @@
               <a:buSzPct val="100000"/>
               <a:buFont typeface="Menlo"/>
               <a:buChar char="•"/>
-              <a:defRPr b="0" sz="900">
-                <a:solidFill>
-                  <a:srgbClr val="AA0D91"/>
-                </a:solidFill>
-                <a:latin typeface="Menlo"/>
-                <a:ea typeface="Menlo"/>
-                <a:cs typeface="Menlo"/>
-                <a:sym typeface="Menlo"/>
+              <a:defRPr b="0" sz="1100">
+                <a:solidFill>
+                  <a:srgbClr val="5C2699"/>
+                </a:solidFill>
+                <a:latin typeface="Arial"/>
+                <a:ea typeface="Arial"/>
+                <a:cs typeface="Arial"/>
+                <a:sym typeface="Arial"/>
               </a:defRPr>
             </a:pPr>
             <a:r>
@@ -37350,9 +37295,9 @@
             </a:endParaRPr>
           </a:p>
           <a:p>
-            <a:pPr marL="457200" indent="-317500" defTabSz="457200">
+            <a:pPr marL="527755" indent="-388055" defTabSz="457200">
               <a:lnSpc>
-                <a:spcPts val="2300"/>
+                <a:spcPts val="1700"/>
               </a:lnSpc>
               <a:spcBef>
                 <a:spcPts val="0"/>
@@ -37363,14 +37308,14 @@
               <a:buSzPct val="100000"/>
               <a:buFont typeface="Menlo"/>
               <a:buChar char="•"/>
-              <a:defRPr b="0" sz="900">
-                <a:solidFill>
-                  <a:srgbClr val="AA0D91"/>
-                </a:solidFill>
-                <a:latin typeface="Menlo"/>
-                <a:ea typeface="Menlo"/>
-                <a:cs typeface="Menlo"/>
-                <a:sym typeface="Menlo"/>
+              <a:defRPr b="0" sz="1100">
+                <a:solidFill>
+                  <a:srgbClr val="5C2699"/>
+                </a:solidFill>
+                <a:latin typeface="Arial"/>
+                <a:ea typeface="Arial"/>
+                <a:cs typeface="Arial"/>
+                <a:sym typeface="Arial"/>
               </a:defRPr>
             </a:pPr>
             <a:r>
@@ -37423,9 +37368,9 @@
             </a:endParaRPr>
           </a:p>
           <a:p>
-            <a:pPr marL="457200" indent="-317500" defTabSz="457200">
+            <a:pPr marL="527755" indent="-388055" defTabSz="457200">
               <a:lnSpc>
-                <a:spcPts val="2300"/>
+                <a:spcPts val="1700"/>
               </a:lnSpc>
               <a:spcBef>
                 <a:spcPts val="0"/>
@@ -37436,14 +37381,14 @@
               <a:buSzPct val="100000"/>
               <a:buFont typeface="Menlo"/>
               <a:buChar char="•"/>
-              <a:defRPr b="0" sz="900">
-                <a:solidFill>
-                  <a:srgbClr val="C41A16"/>
-                </a:solidFill>
-                <a:latin typeface="Menlo"/>
-                <a:ea typeface="Menlo"/>
-                <a:cs typeface="Menlo"/>
-                <a:sym typeface="Menlo"/>
+              <a:defRPr b="0" sz="1100">
+                <a:solidFill>
+                  <a:srgbClr val="5C2699"/>
+                </a:solidFill>
+                <a:latin typeface="Arial"/>
+                <a:ea typeface="Arial"/>
+                <a:cs typeface="Arial"/>
+                <a:sym typeface="Arial"/>
               </a:defRPr>
             </a:pPr>
             <a:r>
@@ -37515,9 +37460,9 @@
             </a:endParaRPr>
           </a:p>
           <a:p>
-            <a:pPr marL="457200" indent="-317500" defTabSz="457200">
+            <a:pPr marL="527755" indent="-388055" defTabSz="457200">
               <a:lnSpc>
-                <a:spcPts val="2300"/>
+                <a:spcPts val="1700"/>
               </a:lnSpc>
               <a:spcBef>
                 <a:spcPts val="0"/>
@@ -37528,14 +37473,14 @@
               <a:buSzPct val="100000"/>
               <a:buFont typeface="Menlo"/>
               <a:buChar char="•"/>
-              <a:defRPr b="0" sz="900">
-                <a:solidFill>
-                  <a:srgbClr val="AA0D91"/>
-                </a:solidFill>
-                <a:latin typeface="Menlo"/>
-                <a:ea typeface="Menlo"/>
-                <a:cs typeface="Menlo"/>
-                <a:sym typeface="Menlo"/>
+              <a:defRPr b="0" sz="1100">
+                <a:solidFill>
+                  <a:srgbClr val="5C2699"/>
+                </a:solidFill>
+                <a:latin typeface="Arial"/>
+                <a:ea typeface="Arial"/>
+                <a:cs typeface="Arial"/>
+                <a:sym typeface="Arial"/>
               </a:defRPr>
             </a:pPr>
             <a:r>
@@ -37583,9 +37528,9 @@
             </a:endParaRPr>
           </a:p>
           <a:p>
-            <a:pPr marL="457200" indent="-317500" defTabSz="457200">
+            <a:pPr marL="527755" indent="-388055" defTabSz="457200">
               <a:lnSpc>
-                <a:spcPts val="2300"/>
+                <a:spcPts val="1700"/>
               </a:lnSpc>
               <a:spcBef>
                 <a:spcPts val="0"/>
@@ -37596,14 +37541,14 @@
               <a:buSzPct val="100000"/>
               <a:buFont typeface="Menlo"/>
               <a:buChar char="•"/>
-              <a:defRPr b="0" sz="900">
-                <a:solidFill>
-                  <a:srgbClr val="C41A16"/>
-                </a:solidFill>
-                <a:latin typeface="Menlo"/>
-                <a:ea typeface="Menlo"/>
-                <a:cs typeface="Menlo"/>
-                <a:sym typeface="Menlo"/>
+              <a:defRPr b="0" sz="1100">
+                <a:solidFill>
+                  <a:srgbClr val="5C2699"/>
+                </a:solidFill>
+                <a:latin typeface="Arial"/>
+                <a:ea typeface="Arial"/>
+                <a:cs typeface="Arial"/>
+                <a:sym typeface="Arial"/>
               </a:defRPr>
             </a:pPr>
             <a:r>
@@ -37675,9 +37620,9 @@
             </a:endParaRPr>
           </a:p>
           <a:p>
-            <a:pPr marL="457200" indent="-317500" defTabSz="457200">
+            <a:pPr marL="527755" indent="-388055" defTabSz="457200">
               <a:lnSpc>
-                <a:spcPts val="2300"/>
+                <a:spcPts val="1700"/>
               </a:lnSpc>
               <a:spcBef>
                 <a:spcPts val="0"/>
@@ -37688,14 +37633,14 @@
               <a:buSzPct val="100000"/>
               <a:buFont typeface="Menlo"/>
               <a:buChar char="•"/>
-              <a:defRPr b="0" sz="900">
-                <a:solidFill>
-                  <a:srgbClr val="AA0D91"/>
-                </a:solidFill>
-                <a:latin typeface="Menlo"/>
-                <a:ea typeface="Menlo"/>
-                <a:cs typeface="Menlo"/>
-                <a:sym typeface="Menlo"/>
+              <a:defRPr b="0" sz="1100">
+                <a:solidFill>
+                  <a:srgbClr val="5C2699"/>
+                </a:solidFill>
+                <a:latin typeface="Arial"/>
+                <a:ea typeface="Arial"/>
+                <a:cs typeface="Arial"/>
+                <a:sym typeface="Arial"/>
               </a:defRPr>
             </a:pPr>
             <a:r>
@@ -37743,9 +37688,9 @@
             </a:endParaRPr>
           </a:p>
           <a:p>
-            <a:pPr marL="457200" indent="-317500" defTabSz="457200">
+            <a:pPr marL="527755" indent="-388055" defTabSz="457200">
               <a:lnSpc>
-                <a:spcPts val="2300"/>
+                <a:spcPts val="1700"/>
               </a:lnSpc>
               <a:spcBef>
                 <a:spcPts val="0"/>
@@ -37756,14 +37701,14 @@
               <a:buSzPct val="100000"/>
               <a:buFont typeface="Menlo"/>
               <a:buChar char="•"/>
-              <a:defRPr b="0" sz="900">
-                <a:solidFill>
-                  <a:srgbClr val="C41A16"/>
-                </a:solidFill>
-                <a:latin typeface="Menlo"/>
-                <a:ea typeface="Menlo"/>
-                <a:cs typeface="Menlo"/>
-                <a:sym typeface="Menlo"/>
+              <a:defRPr b="0" sz="1100">
+                <a:solidFill>
+                  <a:srgbClr val="5C2699"/>
+                </a:solidFill>
+                <a:latin typeface="Arial"/>
+                <a:ea typeface="Arial"/>
+                <a:cs typeface="Arial"/>
+                <a:sym typeface="Arial"/>
               </a:defRPr>
             </a:pPr>
             <a:r>
@@ -37835,9 +37780,9 @@
             </a:endParaRPr>
           </a:p>
           <a:p>
-            <a:pPr marL="457200" indent="-317500" defTabSz="457200">
+            <a:pPr marL="527755" indent="-388055" defTabSz="457200">
               <a:lnSpc>
-                <a:spcPts val="2300"/>
+                <a:spcPts val="1700"/>
               </a:lnSpc>
               <a:spcBef>
                 <a:spcPts val="0"/>
@@ -37848,14 +37793,14 @@
               <a:buSzPct val="100000"/>
               <a:buFont typeface="Menlo"/>
               <a:buChar char="•"/>
-              <a:defRPr b="0" sz="900">
-                <a:solidFill>
-                  <a:srgbClr val="AA0D91"/>
-                </a:solidFill>
-                <a:latin typeface="Menlo"/>
-                <a:ea typeface="Menlo"/>
-                <a:cs typeface="Menlo"/>
-                <a:sym typeface="Menlo"/>
+              <a:defRPr b="0" sz="1100">
+                <a:solidFill>
+                  <a:srgbClr val="5C2699"/>
+                </a:solidFill>
+                <a:latin typeface="Arial"/>
+                <a:ea typeface="Arial"/>
+                <a:cs typeface="Arial"/>
+                <a:sym typeface="Arial"/>
               </a:defRPr>
             </a:pPr>
             <a:r>
@@ -37940,9 +37885,9 @@
             </a:endParaRPr>
           </a:p>
           <a:p>
-            <a:pPr marL="457200" indent="-317500" defTabSz="457200">
+            <a:pPr marL="527755" indent="-388055" defTabSz="457200">
               <a:lnSpc>
-                <a:spcPts val="2300"/>
+                <a:spcPts val="1700"/>
               </a:lnSpc>
               <a:spcBef>
                 <a:spcPts val="0"/>
@@ -37953,14 +37898,14 @@
               <a:buSzPct val="100000"/>
               <a:buFont typeface="Menlo"/>
               <a:buChar char="•"/>
-              <a:defRPr b="0" sz="900">
-                <a:solidFill>
-                  <a:srgbClr val="C41A16"/>
-                </a:solidFill>
-                <a:latin typeface="Menlo"/>
-                <a:ea typeface="Menlo"/>
-                <a:cs typeface="Menlo"/>
-                <a:sym typeface="Menlo"/>
+              <a:defRPr b="0" sz="1100">
+                <a:solidFill>
+                  <a:srgbClr val="5C2699"/>
+                </a:solidFill>
+                <a:latin typeface="Arial"/>
+                <a:ea typeface="Arial"/>
+                <a:cs typeface="Arial"/>
+                <a:sym typeface="Arial"/>
               </a:defRPr>
             </a:pPr>
             <a:r>
@@ -38032,9 +37977,9 @@
             </a:endParaRPr>
           </a:p>
           <a:p>
-            <a:pPr marL="457200" indent="-317500" defTabSz="457200">
+            <a:pPr marL="527755" indent="-388055" defTabSz="457200">
               <a:lnSpc>
-                <a:spcPts val="2300"/>
+                <a:spcPts val="1700"/>
               </a:lnSpc>
               <a:spcBef>
                 <a:spcPts val="0"/>
@@ -38045,14 +37990,14 @@
               <a:buSzPct val="100000"/>
               <a:buFont typeface="Menlo"/>
               <a:buChar char="•"/>
-              <a:defRPr b="0" sz="900">
-                <a:solidFill>
-                  <a:srgbClr val="AA0D91"/>
-                </a:solidFill>
-                <a:latin typeface="Menlo"/>
-                <a:ea typeface="Menlo"/>
-                <a:cs typeface="Menlo"/>
-                <a:sym typeface="Menlo"/>
+              <a:defRPr b="0" sz="1100">
+                <a:solidFill>
+                  <a:srgbClr val="5C2699"/>
+                </a:solidFill>
+                <a:latin typeface="Arial"/>
+                <a:ea typeface="Arial"/>
+                <a:cs typeface="Arial"/>
+                <a:sym typeface="Arial"/>
               </a:defRPr>
             </a:pPr>
             <a:r>
@@ -38073,9 +38018,9 @@
             </a:endParaRPr>
           </a:p>
           <a:p>
-            <a:pPr marL="457200" indent="-317500" defTabSz="457200">
+            <a:pPr marL="527755" indent="-388055" defTabSz="457200">
               <a:lnSpc>
-                <a:spcPts val="2300"/>
+                <a:spcPts val="1700"/>
               </a:lnSpc>
               <a:spcBef>
                 <a:spcPts val="0"/>
@@ -38086,14 +38031,14 @@
               <a:buSzPct val="100000"/>
               <a:buFont typeface="Menlo"/>
               <a:buChar char="•"/>
-              <a:defRPr b="0" sz="900">
-                <a:solidFill>
-                  <a:srgbClr val="C41A16"/>
-                </a:solidFill>
-                <a:latin typeface="Menlo"/>
-                <a:ea typeface="Menlo"/>
-                <a:cs typeface="Menlo"/>
-                <a:sym typeface="Menlo"/>
+              <a:defRPr b="0" sz="1100">
+                <a:solidFill>
+                  <a:srgbClr val="5C2699"/>
+                </a:solidFill>
+                <a:latin typeface="Arial"/>
+                <a:ea typeface="Arial"/>
+                <a:cs typeface="Arial"/>
+                <a:sym typeface="Arial"/>
               </a:defRPr>
             </a:pPr>
             <a:r>
@@ -38165,9 +38110,9 @@
             </a:endParaRPr>
           </a:p>
           <a:p>
-            <a:pPr marL="457200" indent="-317500" defTabSz="457200">
+            <a:pPr marL="527755" indent="-388055" defTabSz="457200">
               <a:lnSpc>
-                <a:spcPts val="2300"/>
+                <a:spcPts val="1700"/>
               </a:lnSpc>
               <a:spcBef>
                 <a:spcPts val="0"/>
@@ -38178,14 +38123,14 @@
               <a:buSzPct val="100000"/>
               <a:buFont typeface="Menlo"/>
               <a:buChar char="•"/>
-              <a:defRPr b="0" sz="900">
-                <a:solidFill>
-                  <a:srgbClr val="333333"/>
-                </a:solidFill>
-                <a:latin typeface="Menlo"/>
-                <a:ea typeface="Menlo"/>
-                <a:cs typeface="Menlo"/>
-                <a:sym typeface="Menlo"/>
+              <a:defRPr b="0" sz="1100">
+                <a:solidFill>
+                  <a:srgbClr val="5C2699"/>
+                </a:solidFill>
+                <a:latin typeface="Arial"/>
+                <a:ea typeface="Arial"/>
+                <a:cs typeface="Arial"/>
+                <a:sym typeface="Arial"/>
               </a:defRPr>
             </a:pPr>
             <a:r>
@@ -38193,9 +38138,9 @@
             </a:r>
           </a:p>
           <a:p>
-            <a:pPr marL="457200" indent="-317500" defTabSz="457200">
+            <a:pPr marL="527755" indent="-388055" defTabSz="457200">
               <a:lnSpc>
-                <a:spcPts val="2300"/>
+                <a:spcPts val="1700"/>
               </a:lnSpc>
               <a:spcBef>
                 <a:spcPts val="0"/>
@@ -38206,14 +38151,14 @@
               <a:buSzPct val="100000"/>
               <a:buFont typeface="Menlo"/>
               <a:buChar char="•"/>
-              <a:defRPr b="0" sz="900">
-                <a:solidFill>
-                  <a:srgbClr val="007400"/>
-                </a:solidFill>
-                <a:latin typeface="Menlo"/>
-                <a:ea typeface="Menlo"/>
-                <a:cs typeface="Menlo"/>
-                <a:sym typeface="Menlo"/>
+              <a:defRPr b="0" sz="1100">
+                <a:solidFill>
+                  <a:srgbClr val="5C2699"/>
+                </a:solidFill>
+                <a:latin typeface="Arial"/>
+                <a:ea typeface="Arial"/>
+                <a:cs typeface="Arial"/>
+                <a:sym typeface="Arial"/>
               </a:defRPr>
             </a:pPr>
             <a:r>
@@ -38433,7 +38378,7 @@
         <p:spPr>
           <a:xfrm>
             <a:off x="586308" y="1451895"/>
-            <a:ext cx="4070875" cy="1869441"/>
+            <a:ext cx="3440698" cy="2452766"/>
           </a:xfrm>
           <a:prstGeom prst="rect">
             <a:avLst/>
@@ -38453,9 +38398,9 @@
           </a:bodyPr>
           <a:lstStyle/>
           <a:p>
-            <a:pPr marL="457200" indent="-317500" defTabSz="457200">
+            <a:pPr marL="527755" indent="-388055" defTabSz="457200">
               <a:lnSpc>
-                <a:spcPts val="2300"/>
+                <a:spcPts val="1700"/>
               </a:lnSpc>
               <a:spcBef>
                 <a:spcPts val="0"/>
@@ -38466,14 +38411,14 @@
               <a:buSzPct val="100000"/>
               <a:buFont typeface="Menlo"/>
               <a:buChar char="•"/>
-              <a:defRPr b="0" sz="900">
-                <a:solidFill>
-                  <a:srgbClr val="3F6E74"/>
-                </a:solidFill>
-                <a:latin typeface="Menlo"/>
-                <a:ea typeface="Menlo"/>
-                <a:cs typeface="Menlo"/>
-                <a:sym typeface="Menlo"/>
+              <a:defRPr b="0" sz="1100">
+                <a:solidFill>
+                  <a:srgbClr val="5C2699"/>
+                </a:solidFill>
+                <a:latin typeface="Arial"/>
+                <a:ea typeface="Arial"/>
+                <a:cs typeface="Arial"/>
+                <a:sym typeface="Arial"/>
               </a:defRPr>
             </a:pPr>
             <a:r>
@@ -38542,9 +38487,9 @@
             </a:endParaRPr>
           </a:p>
           <a:p>
-            <a:pPr marL="457200" indent="-317500" defTabSz="457200">
+            <a:pPr marL="527755" indent="-388055" defTabSz="457200">
               <a:lnSpc>
-                <a:spcPts val="2300"/>
+                <a:spcPts val="1700"/>
               </a:lnSpc>
               <a:spcBef>
                 <a:spcPts val="0"/>
@@ -38555,14 +38500,14 @@
               <a:buSzPct val="100000"/>
               <a:buFont typeface="Menlo"/>
               <a:buChar char="•"/>
-              <a:defRPr b="0" sz="900">
-                <a:solidFill>
-                  <a:srgbClr val="3F6E74"/>
-                </a:solidFill>
-                <a:latin typeface="Menlo"/>
-                <a:ea typeface="Menlo"/>
-                <a:cs typeface="Menlo"/>
-                <a:sym typeface="Menlo"/>
+              <a:defRPr b="0" sz="1100">
+                <a:solidFill>
+                  <a:srgbClr val="5C2699"/>
+                </a:solidFill>
+                <a:latin typeface="Arial"/>
+                <a:ea typeface="Arial"/>
+                <a:cs typeface="Arial"/>
+                <a:sym typeface="Arial"/>
               </a:defRPr>
             </a:pPr>
             <a:r>
@@ -38599,9 +38544,9 @@
             </a:endParaRPr>
           </a:p>
           <a:p>
-            <a:pPr marL="457200" indent="-317500" defTabSz="457200">
+            <a:pPr marL="527755" indent="-388055" defTabSz="457200">
               <a:lnSpc>
-                <a:spcPts val="2300"/>
+                <a:spcPts val="1700"/>
               </a:lnSpc>
               <a:spcBef>
                 <a:spcPts val="0"/>
@@ -38612,14 +38557,14 @@
               <a:buSzPct val="100000"/>
               <a:buFont typeface="Menlo"/>
               <a:buChar char="•"/>
-              <a:defRPr b="0" sz="900">
-                <a:solidFill>
-                  <a:srgbClr val="AA0D91"/>
-                </a:solidFill>
-                <a:latin typeface="Menlo"/>
-                <a:ea typeface="Menlo"/>
-                <a:cs typeface="Menlo"/>
-                <a:sym typeface="Menlo"/>
+              <a:defRPr b="0" sz="1100">
+                <a:solidFill>
+                  <a:srgbClr val="5C2699"/>
+                </a:solidFill>
+                <a:latin typeface="Arial"/>
+                <a:ea typeface="Arial"/>
+                <a:cs typeface="Arial"/>
+                <a:sym typeface="Arial"/>
               </a:defRPr>
             </a:pPr>
             <a:r>
@@ -38683,9 +38628,9 @@
             </a:endParaRPr>
           </a:p>
           <a:p>
-            <a:pPr marL="457200" indent="-317500" defTabSz="457200">
+            <a:pPr marL="527755" indent="-388055" defTabSz="457200">
               <a:lnSpc>
-                <a:spcPts val="2300"/>
+                <a:spcPts val="1700"/>
               </a:lnSpc>
               <a:spcBef>
                 <a:spcPts val="0"/>
@@ -38696,14 +38641,14 @@
               <a:buSzPct val="100000"/>
               <a:buFont typeface="Menlo"/>
               <a:buChar char="•"/>
-              <a:defRPr b="0" sz="900">
-                <a:solidFill>
-                  <a:srgbClr val="C41A16"/>
-                </a:solidFill>
-                <a:latin typeface="Menlo"/>
-                <a:ea typeface="Menlo"/>
-                <a:cs typeface="Menlo"/>
-                <a:sym typeface="Menlo"/>
+              <a:defRPr b="0" sz="1100">
+                <a:solidFill>
+                  <a:srgbClr val="5C2699"/>
+                </a:solidFill>
+                <a:latin typeface="Arial"/>
+                <a:ea typeface="Arial"/>
+                <a:cs typeface="Arial"/>
+                <a:sym typeface="Arial"/>
               </a:defRPr>
             </a:pPr>
             <a:r>
@@ -38775,9 +38720,9 @@
             </a:endParaRPr>
           </a:p>
           <a:p>
-            <a:pPr marL="457200" indent="-317500" defTabSz="457200">
+            <a:pPr marL="527755" indent="-388055" defTabSz="457200">
               <a:lnSpc>
-                <a:spcPts val="2300"/>
+                <a:spcPts val="1700"/>
               </a:lnSpc>
               <a:spcBef>
                 <a:spcPts val="0"/>
@@ -38788,14 +38733,14 @@
               <a:buSzPct val="100000"/>
               <a:buFont typeface="Menlo"/>
               <a:buChar char="•"/>
-              <a:defRPr b="0" sz="900">
-                <a:solidFill>
-                  <a:srgbClr val="AA0D91"/>
-                </a:solidFill>
-                <a:latin typeface="Menlo"/>
-                <a:ea typeface="Menlo"/>
-                <a:cs typeface="Menlo"/>
-                <a:sym typeface="Menlo"/>
+              <a:defRPr b="0" sz="1100">
+                <a:solidFill>
+                  <a:srgbClr val="5C2699"/>
+                </a:solidFill>
+                <a:latin typeface="Arial"/>
+                <a:ea typeface="Arial"/>
+                <a:cs typeface="Arial"/>
+                <a:sym typeface="Arial"/>
               </a:defRPr>
             </a:pPr>
             <a:r>
@@ -38859,9 +38804,9 @@
             </a:endParaRPr>
           </a:p>
           <a:p>
-            <a:pPr marL="457200" indent="-317500" defTabSz="457200">
+            <a:pPr marL="527755" indent="-388055" defTabSz="457200">
               <a:lnSpc>
-                <a:spcPts val="2300"/>
+                <a:spcPts val="1700"/>
               </a:lnSpc>
               <a:spcBef>
                 <a:spcPts val="0"/>
@@ -38872,14 +38817,14 @@
               <a:buSzPct val="100000"/>
               <a:buFont typeface="Menlo"/>
               <a:buChar char="•"/>
-              <a:defRPr b="0" sz="900">
-                <a:solidFill>
-                  <a:srgbClr val="C41A16"/>
-                </a:solidFill>
-                <a:latin typeface="Menlo"/>
-                <a:ea typeface="Menlo"/>
-                <a:cs typeface="Menlo"/>
-                <a:sym typeface="Menlo"/>
+              <a:defRPr b="0" sz="1100">
+                <a:solidFill>
+                  <a:srgbClr val="5C2699"/>
+                </a:solidFill>
+                <a:latin typeface="Arial"/>
+                <a:ea typeface="Arial"/>
+                <a:cs typeface="Arial"/>
+                <a:sym typeface="Arial"/>
               </a:defRPr>
             </a:pPr>
             <a:r>
@@ -38951,9 +38896,9 @@
             </a:endParaRPr>
           </a:p>
           <a:p>
-            <a:pPr marL="457200" indent="-317500" defTabSz="457200">
+            <a:pPr marL="527755" indent="-388055" defTabSz="457200">
               <a:lnSpc>
-                <a:spcPts val="2300"/>
+                <a:spcPts val="1700"/>
               </a:lnSpc>
               <a:spcBef>
                 <a:spcPts val="0"/>
@@ -38964,14 +38909,14 @@
               <a:buSzPct val="100000"/>
               <a:buFont typeface="Menlo"/>
               <a:buChar char="•"/>
-              <a:defRPr b="0" sz="900">
-                <a:solidFill>
-                  <a:srgbClr val="AA0D91"/>
-                </a:solidFill>
-                <a:latin typeface="Menlo"/>
-                <a:ea typeface="Menlo"/>
-                <a:cs typeface="Menlo"/>
-                <a:sym typeface="Menlo"/>
+              <a:defRPr b="0" sz="1100">
+                <a:solidFill>
+                  <a:srgbClr val="5C2699"/>
+                </a:solidFill>
+                <a:latin typeface="Arial"/>
+                <a:ea typeface="Arial"/>
+                <a:cs typeface="Arial"/>
+                <a:sym typeface="Arial"/>
               </a:defRPr>
             </a:pPr>
             <a:r>
@@ -39035,9 +38980,9 @@
             </a:endParaRPr>
           </a:p>
           <a:p>
-            <a:pPr marL="457200" indent="-317500" defTabSz="457200">
+            <a:pPr marL="527755" indent="-388055" defTabSz="457200">
               <a:lnSpc>
-                <a:spcPts val="2300"/>
+                <a:spcPts val="1700"/>
               </a:lnSpc>
               <a:spcBef>
                 <a:spcPts val="0"/>
@@ -39048,14 +38993,14 @@
               <a:buSzPct val="100000"/>
               <a:buFont typeface="Menlo"/>
               <a:buChar char="•"/>
-              <a:defRPr b="0" sz="900">
-                <a:solidFill>
-                  <a:srgbClr val="C41A16"/>
-                </a:solidFill>
-                <a:latin typeface="Menlo"/>
-                <a:ea typeface="Menlo"/>
-                <a:cs typeface="Menlo"/>
-                <a:sym typeface="Menlo"/>
+              <a:defRPr b="0" sz="1100">
+                <a:solidFill>
+                  <a:srgbClr val="5C2699"/>
+                </a:solidFill>
+                <a:latin typeface="Arial"/>
+                <a:ea typeface="Arial"/>
+                <a:cs typeface="Arial"/>
+                <a:sym typeface="Arial"/>
               </a:defRPr>
             </a:pPr>
             <a:r>
@@ -39154,9 +39099,9 @@
             </a:endParaRPr>
           </a:p>
           <a:p>
-            <a:pPr marL="457200" indent="-317500" defTabSz="457200">
+            <a:pPr marL="527755" indent="-388055" defTabSz="457200">
               <a:lnSpc>
-                <a:spcPts val="2300"/>
+                <a:spcPts val="1700"/>
               </a:lnSpc>
               <a:spcBef>
                 <a:spcPts val="0"/>
@@ -39167,14 +39112,14 @@
               <a:buSzPct val="100000"/>
               <a:buFont typeface="Menlo"/>
               <a:buChar char="•"/>
-              <a:defRPr b="0" sz="900">
-                <a:solidFill>
-                  <a:srgbClr val="333333"/>
-                </a:solidFill>
-                <a:latin typeface="Menlo"/>
-                <a:ea typeface="Menlo"/>
-                <a:cs typeface="Menlo"/>
-                <a:sym typeface="Menlo"/>
+              <a:defRPr b="0" sz="1100">
+                <a:solidFill>
+                  <a:srgbClr val="5C2699"/>
+                </a:solidFill>
+                <a:latin typeface="Arial"/>
+                <a:ea typeface="Arial"/>
+                <a:cs typeface="Arial"/>
+                <a:sym typeface="Arial"/>
               </a:defRPr>
             </a:pPr>
             <a:r>
@@ -39182,9 +39127,9 @@
             </a:r>
           </a:p>
           <a:p>
-            <a:pPr marL="457200" indent="-317500" defTabSz="457200">
+            <a:pPr marL="527755" indent="-388055" defTabSz="457200">
               <a:lnSpc>
-                <a:spcPts val="2300"/>
+                <a:spcPts val="1700"/>
               </a:lnSpc>
               <a:spcBef>
                 <a:spcPts val="0"/>
@@ -39195,14 +39140,14 @@
               <a:buSzPct val="100000"/>
               <a:buFont typeface="Menlo"/>
               <a:buChar char="•"/>
-              <a:defRPr b="0" sz="900">
-                <a:solidFill>
-                  <a:srgbClr val="007400"/>
-                </a:solidFill>
-                <a:latin typeface="Menlo"/>
-                <a:ea typeface="Menlo"/>
-                <a:cs typeface="Menlo"/>
-                <a:sym typeface="Menlo"/>
+              <a:defRPr b="0" sz="1100">
+                <a:solidFill>
+                  <a:srgbClr val="5C2699"/>
+                </a:solidFill>
+                <a:latin typeface="Arial"/>
+                <a:ea typeface="Arial"/>
+                <a:cs typeface="Arial"/>
+                <a:sym typeface="Arial"/>
               </a:defRPr>
             </a:pPr>
             <a:r>
@@ -39422,7 +39367,7 @@
         <p:spPr>
           <a:xfrm>
             <a:off x="586308" y="1451895"/>
-            <a:ext cx="4346133" cy="1869441"/>
+            <a:ext cx="3533263" cy="2452766"/>
           </a:xfrm>
           <a:prstGeom prst="rect">
             <a:avLst/>
@@ -39442,9 +39387,9 @@
           </a:bodyPr>
           <a:lstStyle/>
           <a:p>
-            <a:pPr marL="457200" indent="-317500" defTabSz="457200">
+            <a:pPr marL="527755" indent="-388055" defTabSz="457200">
               <a:lnSpc>
-                <a:spcPts val="2300"/>
+                <a:spcPts val="1700"/>
               </a:lnSpc>
               <a:spcBef>
                 <a:spcPts val="0"/>
@@ -39455,14 +39400,14 @@
               <a:buSzPct val="100000"/>
               <a:buFont typeface="Menlo"/>
               <a:buChar char="•"/>
-              <a:defRPr b="0" sz="900">
-                <a:solidFill>
-                  <a:srgbClr val="3F6E74"/>
-                </a:solidFill>
-                <a:latin typeface="Menlo"/>
-                <a:ea typeface="Menlo"/>
-                <a:cs typeface="Menlo"/>
-                <a:sym typeface="Menlo"/>
+              <a:defRPr b="0" sz="1100">
+                <a:solidFill>
+                  <a:srgbClr val="5C2699"/>
+                </a:solidFill>
+                <a:latin typeface="Arial"/>
+                <a:ea typeface="Arial"/>
+                <a:cs typeface="Arial"/>
+                <a:sym typeface="Arial"/>
               </a:defRPr>
             </a:pPr>
             <a:r>
@@ -39531,9 +39476,9 @@
             </a:endParaRPr>
           </a:p>
           <a:p>
-            <a:pPr marL="457200" indent="-317500" defTabSz="457200">
+            <a:pPr marL="527755" indent="-388055" defTabSz="457200">
               <a:lnSpc>
-                <a:spcPts val="2300"/>
+                <a:spcPts val="1700"/>
               </a:lnSpc>
               <a:spcBef>
                 <a:spcPts val="0"/>
@@ -39544,14 +39489,14 @@
               <a:buSzPct val="100000"/>
               <a:buFont typeface="Menlo"/>
               <a:buChar char="•"/>
-              <a:defRPr b="0" sz="900">
-                <a:solidFill>
-                  <a:srgbClr val="3F6E74"/>
-                </a:solidFill>
-                <a:latin typeface="Menlo"/>
-                <a:ea typeface="Menlo"/>
-                <a:cs typeface="Menlo"/>
-                <a:sym typeface="Menlo"/>
+              <a:defRPr b="0" sz="1100">
+                <a:solidFill>
+                  <a:srgbClr val="5C2699"/>
+                </a:solidFill>
+                <a:latin typeface="Arial"/>
+                <a:ea typeface="Arial"/>
+                <a:cs typeface="Arial"/>
+                <a:sym typeface="Arial"/>
               </a:defRPr>
             </a:pPr>
             <a:r>
@@ -39588,9 +39533,9 @@
             </a:endParaRPr>
           </a:p>
           <a:p>
-            <a:pPr marL="457200" indent="-317500" defTabSz="457200">
+            <a:pPr marL="527755" indent="-388055" defTabSz="457200">
               <a:lnSpc>
-                <a:spcPts val="2300"/>
+                <a:spcPts val="1700"/>
               </a:lnSpc>
               <a:spcBef>
                 <a:spcPts val="0"/>
@@ -39601,14 +39546,14 @@
               <a:buSzPct val="100000"/>
               <a:buFont typeface="Menlo"/>
               <a:buChar char="•"/>
-              <a:defRPr b="0" sz="900">
-                <a:solidFill>
-                  <a:srgbClr val="AA0D91"/>
-                </a:solidFill>
-                <a:latin typeface="Menlo"/>
-                <a:ea typeface="Menlo"/>
-                <a:cs typeface="Menlo"/>
-                <a:sym typeface="Menlo"/>
+              <a:defRPr b="0" sz="1100">
+                <a:solidFill>
+                  <a:srgbClr val="5C2699"/>
+                </a:solidFill>
+                <a:latin typeface="Arial"/>
+                <a:ea typeface="Arial"/>
+                <a:cs typeface="Arial"/>
+                <a:sym typeface="Arial"/>
               </a:defRPr>
             </a:pPr>
             <a:r>
@@ -39715,9 +39660,9 @@
             </a:endParaRPr>
           </a:p>
           <a:p>
-            <a:pPr marL="457200" indent="-317500" defTabSz="457200">
+            <a:pPr marL="527755" indent="-388055" defTabSz="457200">
               <a:lnSpc>
-                <a:spcPts val="2300"/>
+                <a:spcPts val="1700"/>
               </a:lnSpc>
               <a:spcBef>
                 <a:spcPts val="0"/>
@@ -39728,14 +39673,14 @@
               <a:buSzPct val="100000"/>
               <a:buFont typeface="Menlo"/>
               <a:buChar char="•"/>
-              <a:defRPr b="0" sz="900">
-                <a:solidFill>
-                  <a:srgbClr val="C41A16"/>
-                </a:solidFill>
-                <a:latin typeface="Menlo"/>
-                <a:ea typeface="Menlo"/>
-                <a:cs typeface="Menlo"/>
-                <a:sym typeface="Menlo"/>
+              <a:defRPr b="0" sz="1100">
+                <a:solidFill>
+                  <a:srgbClr val="5C2699"/>
+                </a:solidFill>
+                <a:latin typeface="Arial"/>
+                <a:ea typeface="Arial"/>
+                <a:cs typeface="Arial"/>
+                <a:sym typeface="Arial"/>
               </a:defRPr>
             </a:pPr>
             <a:r>
@@ -39834,9 +39779,9 @@
             </a:endParaRPr>
           </a:p>
           <a:p>
-            <a:pPr marL="457200" indent="-317500" defTabSz="457200">
+            <a:pPr marL="527755" indent="-388055" defTabSz="457200">
               <a:lnSpc>
-                <a:spcPts val="2300"/>
+                <a:spcPts val="1700"/>
               </a:lnSpc>
               <a:spcBef>
                 <a:spcPts val="0"/>
@@ -39847,14 +39792,14 @@
               <a:buSzPct val="100000"/>
               <a:buFont typeface="Menlo"/>
               <a:buChar char="•"/>
-              <a:defRPr b="0" sz="900">
-                <a:solidFill>
-                  <a:srgbClr val="AA0D91"/>
-                </a:solidFill>
-                <a:latin typeface="Menlo"/>
-                <a:ea typeface="Menlo"/>
-                <a:cs typeface="Menlo"/>
-                <a:sym typeface="Menlo"/>
+              <a:defRPr b="0" sz="1100">
+                <a:solidFill>
+                  <a:srgbClr val="5C2699"/>
+                </a:solidFill>
+                <a:latin typeface="Arial"/>
+                <a:ea typeface="Arial"/>
+                <a:cs typeface="Arial"/>
+                <a:sym typeface="Arial"/>
               </a:defRPr>
             </a:pPr>
             <a:r>
@@ -39961,9 +39906,9 @@
             </a:endParaRPr>
           </a:p>
           <a:p>
-            <a:pPr marL="457200" indent="-317500" defTabSz="457200">
+            <a:pPr marL="527755" indent="-388055" defTabSz="457200">
               <a:lnSpc>
-                <a:spcPts val="2300"/>
+                <a:spcPts val="1700"/>
               </a:lnSpc>
               <a:spcBef>
                 <a:spcPts val="0"/>
@@ -39974,14 +39919,14 @@
               <a:buSzPct val="100000"/>
               <a:buFont typeface="Menlo"/>
               <a:buChar char="•"/>
-              <a:defRPr b="0" sz="900">
-                <a:solidFill>
-                  <a:srgbClr val="C41A16"/>
-                </a:solidFill>
-                <a:latin typeface="Menlo"/>
-                <a:ea typeface="Menlo"/>
-                <a:cs typeface="Menlo"/>
-                <a:sym typeface="Menlo"/>
+              <a:defRPr b="0" sz="1100">
+                <a:solidFill>
+                  <a:srgbClr val="5C2699"/>
+                </a:solidFill>
+                <a:latin typeface="Arial"/>
+                <a:ea typeface="Arial"/>
+                <a:cs typeface="Arial"/>
+                <a:sym typeface="Arial"/>
               </a:defRPr>
             </a:pPr>
             <a:r>
@@ -40080,9 +40025,9 @@
             </a:endParaRPr>
           </a:p>
           <a:p>
-            <a:pPr marL="457200" indent="-317500" defTabSz="457200">
+            <a:pPr marL="527755" indent="-388055" defTabSz="457200">
               <a:lnSpc>
-                <a:spcPts val="2300"/>
+                <a:spcPts val="1700"/>
               </a:lnSpc>
               <a:spcBef>
                 <a:spcPts val="0"/>
@@ -40093,14 +40038,14 @@
               <a:buSzPct val="100000"/>
               <a:buFont typeface="Menlo"/>
               <a:buChar char="•"/>
-              <a:defRPr b="0" sz="900">
-                <a:solidFill>
-                  <a:srgbClr val="AA0D91"/>
-                </a:solidFill>
-                <a:latin typeface="Menlo"/>
-                <a:ea typeface="Menlo"/>
-                <a:cs typeface="Menlo"/>
-                <a:sym typeface="Menlo"/>
+              <a:defRPr b="0" sz="1100">
+                <a:solidFill>
+                  <a:srgbClr val="5C2699"/>
+                </a:solidFill>
+                <a:latin typeface="Arial"/>
+                <a:ea typeface="Arial"/>
+                <a:cs typeface="Arial"/>
+                <a:sym typeface="Arial"/>
               </a:defRPr>
             </a:pPr>
             <a:r>
@@ -40164,9 +40109,9 @@
             </a:endParaRPr>
           </a:p>
           <a:p>
-            <a:pPr marL="457200" indent="-317500" defTabSz="457200">
+            <a:pPr marL="527755" indent="-388055" defTabSz="457200">
               <a:lnSpc>
-                <a:spcPts val="2300"/>
+                <a:spcPts val="1700"/>
               </a:lnSpc>
               <a:spcBef>
                 <a:spcPts val="0"/>
@@ -40177,14 +40122,14 @@
               <a:buSzPct val="100000"/>
               <a:buFont typeface="Menlo"/>
               <a:buChar char="•"/>
-              <a:defRPr b="0" sz="900">
-                <a:solidFill>
-                  <a:srgbClr val="C41A16"/>
-                </a:solidFill>
-                <a:latin typeface="Menlo"/>
-                <a:ea typeface="Menlo"/>
-                <a:cs typeface="Menlo"/>
-                <a:sym typeface="Menlo"/>
+              <a:defRPr b="0" sz="1100">
+                <a:solidFill>
+                  <a:srgbClr val="5C2699"/>
+                </a:solidFill>
+                <a:latin typeface="Arial"/>
+                <a:ea typeface="Arial"/>
+                <a:cs typeface="Arial"/>
+                <a:sym typeface="Arial"/>
               </a:defRPr>
             </a:pPr>
             <a:r>
@@ -40283,9 +40228,9 @@
             </a:endParaRPr>
           </a:p>
           <a:p>
-            <a:pPr marL="457200" indent="-317500" defTabSz="457200">
+            <a:pPr marL="527755" indent="-388055" defTabSz="457200">
               <a:lnSpc>
-                <a:spcPts val="2300"/>
+                <a:spcPts val="1700"/>
               </a:lnSpc>
               <a:spcBef>
                 <a:spcPts val="0"/>
@@ -40296,14 +40241,14 @@
               <a:buSzPct val="100000"/>
               <a:buFont typeface="Menlo"/>
               <a:buChar char="•"/>
-              <a:defRPr b="0" sz="900">
-                <a:solidFill>
-                  <a:srgbClr val="333333"/>
-                </a:solidFill>
-                <a:latin typeface="Menlo"/>
-                <a:ea typeface="Menlo"/>
-                <a:cs typeface="Menlo"/>
-                <a:sym typeface="Menlo"/>
+              <a:defRPr b="0" sz="1100">
+                <a:solidFill>
+                  <a:srgbClr val="5C2699"/>
+                </a:solidFill>
+                <a:latin typeface="Arial"/>
+                <a:ea typeface="Arial"/>
+                <a:cs typeface="Arial"/>
+                <a:sym typeface="Arial"/>
               </a:defRPr>
             </a:pPr>
             <a:r>
@@ -40311,9 +40256,9 @@
             </a:r>
           </a:p>
           <a:p>
-            <a:pPr marL="457200" indent="-317500" defTabSz="457200">
+            <a:pPr marL="527755" indent="-388055" defTabSz="457200">
               <a:lnSpc>
-                <a:spcPts val="2300"/>
+                <a:spcPts val="1700"/>
               </a:lnSpc>
               <a:spcBef>
                 <a:spcPts val="0"/>
@@ -40324,14 +40269,14 @@
               <a:buSzPct val="100000"/>
               <a:buFont typeface="Menlo"/>
               <a:buChar char="•"/>
-              <a:defRPr b="0" sz="900">
-                <a:solidFill>
-                  <a:srgbClr val="007400"/>
-                </a:solidFill>
-                <a:latin typeface="Menlo"/>
-                <a:ea typeface="Menlo"/>
-                <a:cs typeface="Menlo"/>
-                <a:sym typeface="Menlo"/>
+              <a:defRPr b="0" sz="1100">
+                <a:solidFill>
+                  <a:srgbClr val="5C2699"/>
+                </a:solidFill>
+                <a:latin typeface="Arial"/>
+                <a:ea typeface="Arial"/>
+                <a:cs typeface="Arial"/>
+                <a:sym typeface="Arial"/>
               </a:defRPr>
             </a:pPr>
             <a:r>
@@ -40564,7 +40509,7 @@
         <p:spPr>
           <a:xfrm>
             <a:off x="586308" y="1451895"/>
-            <a:ext cx="4690205" cy="2034541"/>
+            <a:ext cx="4225010" cy="2668666"/>
           </a:xfrm>
           <a:prstGeom prst="rect">
             <a:avLst/>
@@ -40584,9 +40529,9 @@
           </a:bodyPr>
           <a:lstStyle/>
           <a:p>
-            <a:pPr marL="457200" indent="-317500" defTabSz="457200">
+            <a:pPr marL="527755" indent="-388055" defTabSz="457200">
               <a:lnSpc>
-                <a:spcPts val="2300"/>
+                <a:spcPts val="1700"/>
               </a:lnSpc>
               <a:spcBef>
                 <a:spcPts val="0"/>
@@ -40597,14 +40542,14 @@
               <a:buSzPct val="100000"/>
               <a:buFont typeface="Menlo"/>
               <a:buChar char="•"/>
-              <a:defRPr b="0" sz="900">
-                <a:solidFill>
-                  <a:srgbClr val="3F6E74"/>
-                </a:solidFill>
-                <a:latin typeface="Menlo"/>
-                <a:ea typeface="Menlo"/>
-                <a:cs typeface="Menlo"/>
-                <a:sym typeface="Menlo"/>
+              <a:defRPr b="0" sz="1100">
+                <a:solidFill>
+                  <a:srgbClr val="5C2699"/>
+                </a:solidFill>
+                <a:latin typeface="Arial"/>
+                <a:ea typeface="Arial"/>
+                <a:cs typeface="Arial"/>
+                <a:sym typeface="Arial"/>
               </a:defRPr>
             </a:pPr>
             <a:r>
@@ -40635,11 +40580,6 @@
               <a:t>: </a:t>
             </a:r>
             <a:r>
-              <a:rPr>
-                <a:solidFill>
-                  <a:srgbClr val="5C2699"/>
-                </a:solidFill>
-              </a:rPr>
               <a:t>Character</a:t>
             </a:r>
             <a:r>
@@ -40665,9 +40605,9 @@
             </a:endParaRPr>
           </a:p>
           <a:p>
-            <a:pPr marL="457200" indent="-317500" defTabSz="457200">
+            <a:pPr marL="527755" indent="-388055" defTabSz="457200">
               <a:lnSpc>
-                <a:spcPts val="2300"/>
+                <a:spcPts val="1700"/>
               </a:lnSpc>
               <a:spcBef>
                 <a:spcPts val="0"/>
@@ -40678,14 +40618,14 @@
               <a:buSzPct val="100000"/>
               <a:buFont typeface="Menlo"/>
               <a:buChar char="•"/>
-              <a:defRPr b="0" sz="900">
-                <a:solidFill>
-                  <a:srgbClr val="3F6E74"/>
-                </a:solidFill>
-                <a:latin typeface="Menlo"/>
-                <a:ea typeface="Menlo"/>
-                <a:cs typeface="Menlo"/>
-                <a:sym typeface="Menlo"/>
+              <a:defRPr b="0" sz="1100">
+                <a:solidFill>
+                  <a:srgbClr val="5C2699"/>
+                </a:solidFill>
+                <a:latin typeface="Arial"/>
+                <a:ea typeface="Arial"/>
+                <a:cs typeface="Arial"/>
+                <a:sym typeface="Arial"/>
               </a:defRPr>
             </a:pPr>
             <a:r>
@@ -40722,9 +40662,9 @@
             </a:endParaRPr>
           </a:p>
           <a:p>
-            <a:pPr marL="457200" indent="-317500" defTabSz="457200">
+            <a:pPr marL="527755" indent="-388055" defTabSz="457200">
               <a:lnSpc>
-                <a:spcPts val="2300"/>
+                <a:spcPts val="1700"/>
               </a:lnSpc>
               <a:spcBef>
                 <a:spcPts val="0"/>
@@ -40735,14 +40675,14 @@
               <a:buSzPct val="100000"/>
               <a:buFont typeface="Menlo"/>
               <a:buChar char="•"/>
-              <a:defRPr b="0" sz="900">
-                <a:solidFill>
-                  <a:srgbClr val="AA0D91"/>
-                </a:solidFill>
-                <a:latin typeface="Menlo"/>
-                <a:ea typeface="Menlo"/>
-                <a:cs typeface="Menlo"/>
-                <a:sym typeface="Menlo"/>
+              <a:defRPr b="0" sz="1100">
+                <a:solidFill>
+                  <a:srgbClr val="5C2699"/>
+                </a:solidFill>
+                <a:latin typeface="Arial"/>
+                <a:ea typeface="Arial"/>
+                <a:cs typeface="Arial"/>
+                <a:sym typeface="Arial"/>
               </a:defRPr>
             </a:pPr>
             <a:r>
@@ -40843,9 +40783,9 @@
             </a:endParaRPr>
           </a:p>
           <a:p>
-            <a:pPr marL="457200" indent="-317500" defTabSz="457200">
+            <a:pPr marL="527755" indent="-388055" defTabSz="457200">
               <a:lnSpc>
-                <a:spcPts val="2300"/>
+                <a:spcPts val="1700"/>
               </a:lnSpc>
               <a:spcBef>
                 <a:spcPts val="0"/>
@@ -40856,14 +40796,14 @@
               <a:buSzPct val="100000"/>
               <a:buFont typeface="Menlo"/>
               <a:buChar char="•"/>
-              <a:defRPr b="0" sz="900">
-                <a:solidFill>
-                  <a:srgbClr val="3F6E74"/>
-                </a:solidFill>
-                <a:latin typeface="Menlo"/>
-                <a:ea typeface="Menlo"/>
-                <a:cs typeface="Menlo"/>
-                <a:sym typeface="Menlo"/>
+              <a:defRPr b="0" sz="1100">
+                <a:solidFill>
+                  <a:srgbClr val="5C2699"/>
+                </a:solidFill>
+                <a:latin typeface="Arial"/>
+                <a:ea typeface="Arial"/>
+                <a:cs typeface="Arial"/>
+                <a:sym typeface="Arial"/>
               </a:defRPr>
             </a:pPr>
             <a:r>
@@ -40935,9 +40875,9 @@
             </a:endParaRPr>
           </a:p>
           <a:p>
-            <a:pPr marL="457200" indent="-317500" defTabSz="457200">
+            <a:pPr marL="527755" indent="-388055" defTabSz="457200">
               <a:lnSpc>
-                <a:spcPts val="2300"/>
+                <a:spcPts val="1700"/>
               </a:lnSpc>
               <a:spcBef>
                 <a:spcPts val="0"/>
@@ -40948,14 +40888,14 @@
               <a:buSzPct val="100000"/>
               <a:buFont typeface="Menlo"/>
               <a:buChar char="•"/>
-              <a:defRPr b="0" sz="900">
-                <a:solidFill>
-                  <a:srgbClr val="AA0D91"/>
-                </a:solidFill>
-                <a:latin typeface="Menlo"/>
-                <a:ea typeface="Menlo"/>
-                <a:cs typeface="Menlo"/>
-                <a:sym typeface="Menlo"/>
+              <a:defRPr b="0" sz="1100">
+                <a:solidFill>
+                  <a:srgbClr val="5C2699"/>
+                </a:solidFill>
+                <a:latin typeface="Arial"/>
+                <a:ea typeface="Arial"/>
+                <a:cs typeface="Arial"/>
+                <a:sym typeface="Arial"/>
               </a:defRPr>
             </a:pPr>
             <a:r>
@@ -41136,9 +41076,9 @@
             </a:endParaRPr>
           </a:p>
           <a:p>
-            <a:pPr marL="457200" indent="-317500" defTabSz="457200">
+            <a:pPr marL="527755" indent="-388055" defTabSz="457200">
               <a:lnSpc>
-                <a:spcPts val="2300"/>
+                <a:spcPts val="1700"/>
               </a:lnSpc>
               <a:spcBef>
                 <a:spcPts val="0"/>
@@ -41149,14 +41089,14 @@
               <a:buSzPct val="100000"/>
               <a:buFont typeface="Menlo"/>
               <a:buChar char="•"/>
-              <a:defRPr b="0" sz="900">
-                <a:solidFill>
-                  <a:srgbClr val="333333"/>
-                </a:solidFill>
-                <a:latin typeface="Menlo"/>
-                <a:ea typeface="Menlo"/>
-                <a:cs typeface="Menlo"/>
-                <a:sym typeface="Menlo"/>
+              <a:defRPr b="0" sz="1100">
+                <a:solidFill>
+                  <a:srgbClr val="5C2699"/>
+                </a:solidFill>
+                <a:latin typeface="Arial"/>
+                <a:ea typeface="Arial"/>
+                <a:cs typeface="Arial"/>
+                <a:sym typeface="Arial"/>
               </a:defRPr>
             </a:pPr>
             <a:r>
@@ -41285,9 +41225,9 @@
             </a:r>
           </a:p>
           <a:p>
-            <a:pPr marL="457200" indent="-317500" defTabSz="457200">
+            <a:pPr marL="527755" indent="-388055" defTabSz="457200">
               <a:lnSpc>
-                <a:spcPts val="2300"/>
+                <a:spcPts val="1700"/>
               </a:lnSpc>
               <a:spcBef>
                 <a:spcPts val="0"/>
@@ -41298,14 +41238,14 @@
               <a:buSzPct val="100000"/>
               <a:buFont typeface="Menlo"/>
               <a:buChar char="•"/>
-              <a:defRPr b="0" sz="900">
-                <a:solidFill>
-                  <a:srgbClr val="C41A16"/>
-                </a:solidFill>
-                <a:latin typeface="Menlo"/>
-                <a:ea typeface="Menlo"/>
-                <a:cs typeface="Menlo"/>
-                <a:sym typeface="Menlo"/>
+              <a:defRPr b="0" sz="1100">
+                <a:solidFill>
+                  <a:srgbClr val="5C2699"/>
+                </a:solidFill>
+                <a:latin typeface="Arial"/>
+                <a:ea typeface="Arial"/>
+                <a:cs typeface="Arial"/>
+                <a:sym typeface="Arial"/>
               </a:defRPr>
             </a:pPr>
             <a:r>
@@ -41377,9 +41317,9 @@
             </a:endParaRPr>
           </a:p>
           <a:p>
-            <a:pPr marL="457200" indent="-317500" defTabSz="457200">
+            <a:pPr marL="527755" indent="-388055" defTabSz="457200">
               <a:lnSpc>
-                <a:spcPts val="2300"/>
+                <a:spcPts val="1700"/>
               </a:lnSpc>
               <a:spcBef>
                 <a:spcPts val="0"/>
@@ -41390,14 +41330,14 @@
               <a:buSzPct val="100000"/>
               <a:buFont typeface="Menlo"/>
               <a:buChar char="•"/>
-              <a:defRPr b="0" sz="900">
-                <a:solidFill>
-                  <a:srgbClr val="AA0D91"/>
-                </a:solidFill>
-                <a:latin typeface="Menlo"/>
-                <a:ea typeface="Menlo"/>
-                <a:cs typeface="Menlo"/>
-                <a:sym typeface="Menlo"/>
+              <a:defRPr b="0" sz="1100">
+                <a:solidFill>
+                  <a:srgbClr val="5C2699"/>
+                </a:solidFill>
+                <a:latin typeface="Arial"/>
+                <a:ea typeface="Arial"/>
+                <a:cs typeface="Arial"/>
+                <a:sym typeface="Arial"/>
               </a:defRPr>
             </a:pPr>
             <a:r>
@@ -41418,9 +41358,9 @@
             </a:endParaRPr>
           </a:p>
           <a:p>
-            <a:pPr marL="457200" indent="-317500" defTabSz="457200">
+            <a:pPr marL="527755" indent="-388055" defTabSz="457200">
               <a:lnSpc>
-                <a:spcPts val="2300"/>
+                <a:spcPts val="1700"/>
               </a:lnSpc>
               <a:spcBef>
                 <a:spcPts val="0"/>
@@ -41431,14 +41371,14 @@
               <a:buSzPct val="100000"/>
               <a:buFont typeface="Menlo"/>
               <a:buChar char="•"/>
-              <a:defRPr b="0" sz="900">
-                <a:solidFill>
-                  <a:srgbClr val="C41A16"/>
-                </a:solidFill>
-                <a:latin typeface="Menlo"/>
-                <a:ea typeface="Menlo"/>
-                <a:cs typeface="Menlo"/>
-                <a:sym typeface="Menlo"/>
+              <a:defRPr b="0" sz="1100">
+                <a:solidFill>
+                  <a:srgbClr val="5C2699"/>
+                </a:solidFill>
+                <a:latin typeface="Arial"/>
+                <a:ea typeface="Arial"/>
+                <a:cs typeface="Arial"/>
+                <a:sym typeface="Arial"/>
               </a:defRPr>
             </a:pPr>
             <a:r>
@@ -41510,9 +41450,9 @@
             </a:endParaRPr>
           </a:p>
           <a:p>
-            <a:pPr marL="457200" indent="-317500" defTabSz="457200">
+            <a:pPr marL="527755" indent="-388055" defTabSz="457200">
               <a:lnSpc>
-                <a:spcPts val="2300"/>
+                <a:spcPts val="1700"/>
               </a:lnSpc>
               <a:spcBef>
                 <a:spcPts val="0"/>
@@ -41523,14 +41463,14 @@
               <a:buSzPct val="100000"/>
               <a:buFont typeface="Menlo"/>
               <a:buChar char="•"/>
-              <a:defRPr b="0" sz="900">
-                <a:solidFill>
-                  <a:srgbClr val="333333"/>
-                </a:solidFill>
-                <a:latin typeface="Menlo"/>
-                <a:ea typeface="Menlo"/>
-                <a:cs typeface="Menlo"/>
-                <a:sym typeface="Menlo"/>
+              <a:defRPr b="0" sz="1100">
+                <a:solidFill>
+                  <a:srgbClr val="5C2699"/>
+                </a:solidFill>
+                <a:latin typeface="Arial"/>
+                <a:ea typeface="Arial"/>
+                <a:cs typeface="Arial"/>
+                <a:sym typeface="Arial"/>
               </a:defRPr>
             </a:pPr>
             <a:r>
@@ -41538,9 +41478,9 @@
             </a:r>
           </a:p>
           <a:p>
-            <a:pPr marL="457200" indent="-317500" defTabSz="457200">
+            <a:pPr marL="527755" indent="-388055" defTabSz="457200">
               <a:lnSpc>
-                <a:spcPts val="2300"/>
+                <a:spcPts val="1700"/>
               </a:lnSpc>
               <a:spcBef>
                 <a:spcPts val="0"/>
@@ -41551,14 +41491,14 @@
               <a:buSzPct val="100000"/>
               <a:buFont typeface="Menlo"/>
               <a:buChar char="•"/>
-              <a:defRPr b="0" sz="900">
-                <a:solidFill>
-                  <a:srgbClr val="007400"/>
-                </a:solidFill>
-                <a:latin typeface="Menlo"/>
-                <a:ea typeface="Menlo"/>
-                <a:cs typeface="Menlo"/>
-                <a:sym typeface="Menlo"/>
+              <a:defRPr b="0" sz="1100">
+                <a:solidFill>
+                  <a:srgbClr val="5C2699"/>
+                </a:solidFill>
+                <a:latin typeface="Arial"/>
+                <a:ea typeface="Arial"/>
+                <a:cs typeface="Arial"/>
+                <a:sym typeface="Arial"/>
               </a:defRPr>
             </a:pPr>
             <a:r>
@@ -41791,7 +41731,7 @@
         <p:spPr>
           <a:xfrm>
             <a:off x="598290" y="1477295"/>
-            <a:ext cx="5309535" cy="1869441"/>
+            <a:ext cx="4546293" cy="2452765"/>
           </a:xfrm>
           <a:prstGeom prst="rect">
             <a:avLst/>
@@ -41811,9 +41751,9 @@
           </a:bodyPr>
           <a:lstStyle/>
           <a:p>
-            <a:pPr marL="457200" indent="-317500" defTabSz="457200">
+            <a:pPr marL="527755" indent="-388055" defTabSz="457200">
               <a:lnSpc>
-                <a:spcPts val="2300"/>
+                <a:spcPts val="1700"/>
               </a:lnSpc>
               <a:spcBef>
                 <a:spcPts val="0"/>
@@ -41824,14 +41764,14 @@
               <a:buSzPct val="100000"/>
               <a:buFont typeface="Menlo"/>
               <a:buChar char="•"/>
-              <a:defRPr b="0" sz="900">
-                <a:solidFill>
-                  <a:srgbClr val="C41A16"/>
-                </a:solidFill>
-                <a:latin typeface="Menlo"/>
-                <a:ea typeface="Menlo"/>
-                <a:cs typeface="Menlo"/>
-                <a:sym typeface="Menlo"/>
+              <a:defRPr b="0" sz="1100">
+                <a:solidFill>
+                  <a:srgbClr val="5C2699"/>
+                </a:solidFill>
+                <a:latin typeface="Arial"/>
+                <a:ea typeface="Arial"/>
+                <a:cs typeface="Arial"/>
+                <a:sym typeface="Arial"/>
               </a:defRPr>
             </a:pPr>
             <a:r>
@@ -41876,9 +41816,9 @@
             </a:endParaRPr>
           </a:p>
           <a:p>
-            <a:pPr marL="457200" indent="-317500" defTabSz="457200">
+            <a:pPr marL="527755" indent="-388055" defTabSz="457200">
               <a:lnSpc>
-                <a:spcPts val="2300"/>
+                <a:spcPts val="1700"/>
               </a:lnSpc>
               <a:spcBef>
                 <a:spcPts val="0"/>
@@ -41889,14 +41829,14 @@
               <a:buSzPct val="100000"/>
               <a:buFont typeface="Menlo"/>
               <a:buChar char="•"/>
-              <a:defRPr b="0" sz="900">
-                <a:solidFill>
-                  <a:srgbClr val="3F6E74"/>
-                </a:solidFill>
-                <a:latin typeface="Menlo"/>
-                <a:ea typeface="Menlo"/>
-                <a:cs typeface="Menlo"/>
-                <a:sym typeface="Menlo"/>
+              <a:defRPr b="0" sz="1100">
+                <a:solidFill>
+                  <a:srgbClr val="5C2699"/>
+                </a:solidFill>
+                <a:latin typeface="Arial"/>
+                <a:ea typeface="Arial"/>
+                <a:cs typeface="Arial"/>
+                <a:sym typeface="Arial"/>
               </a:defRPr>
             </a:pPr>
             <a:r>
@@ -41941,9 +41881,9 @@
             </a:endParaRPr>
           </a:p>
           <a:p>
-            <a:pPr marL="457200" indent="-317500" defTabSz="457200">
+            <a:pPr marL="527755" indent="-388055" defTabSz="457200">
               <a:lnSpc>
-                <a:spcPts val="2300"/>
+                <a:spcPts val="1700"/>
               </a:lnSpc>
               <a:spcBef>
                 <a:spcPts val="0"/>
@@ -41954,14 +41894,14 @@
               <a:buSzPct val="100000"/>
               <a:buFont typeface="Menlo"/>
               <a:buChar char="•"/>
-              <a:defRPr b="0" sz="900">
-                <a:solidFill>
-                  <a:srgbClr val="3F6E74"/>
-                </a:solidFill>
-                <a:latin typeface="Menlo"/>
-                <a:ea typeface="Menlo"/>
-                <a:cs typeface="Menlo"/>
-                <a:sym typeface="Menlo"/>
+              <a:defRPr b="0" sz="1100">
+                <a:solidFill>
+                  <a:srgbClr val="5C2699"/>
+                </a:solidFill>
+                <a:latin typeface="Arial"/>
+                <a:ea typeface="Arial"/>
+                <a:cs typeface="Arial"/>
+                <a:sym typeface="Arial"/>
               </a:defRPr>
             </a:pPr>
             <a:r>
@@ -41992,11 +41932,6 @@
               <a:t>: [</a:t>
             </a:r>
             <a:r>
-              <a:rPr>
-                <a:solidFill>
-                  <a:srgbClr val="5C2699"/>
-                </a:solidFill>
-              </a:rPr>
               <a:t>Character</a:t>
             </a:r>
             <a:r>
@@ -42110,9 +42045,9 @@
             </a:endParaRPr>
           </a:p>
           <a:p>
-            <a:pPr marL="457200" indent="-317500" defTabSz="457200">
+            <a:pPr marL="527755" indent="-388055" defTabSz="457200">
               <a:lnSpc>
-                <a:spcPts val="2300"/>
+                <a:spcPts val="1700"/>
               </a:lnSpc>
               <a:spcBef>
                 <a:spcPts val="0"/>
@@ -42123,14 +42058,14 @@
               <a:buSzPct val="100000"/>
               <a:buFont typeface="Menlo"/>
               <a:buChar char="•"/>
-              <a:defRPr b="0" sz="900">
-                <a:solidFill>
-                  <a:srgbClr val="3F6E74"/>
-                </a:solidFill>
-                <a:latin typeface="Menlo"/>
-                <a:ea typeface="Menlo"/>
-                <a:cs typeface="Menlo"/>
-                <a:sym typeface="Menlo"/>
+              <a:defRPr b="0" sz="1100">
+                <a:solidFill>
+                  <a:srgbClr val="5C2699"/>
+                </a:solidFill>
+                <a:latin typeface="Arial"/>
+                <a:ea typeface="Arial"/>
+                <a:cs typeface="Arial"/>
+                <a:sym typeface="Arial"/>
               </a:defRPr>
             </a:pPr>
             <a:r>
@@ -42194,9 +42129,9 @@
             </a:endParaRPr>
           </a:p>
           <a:p>
-            <a:pPr marL="457200" indent="-317500" defTabSz="457200">
+            <a:pPr marL="527755" indent="-388055" defTabSz="457200">
               <a:lnSpc>
-                <a:spcPts val="2300"/>
+                <a:spcPts val="1700"/>
               </a:lnSpc>
               <a:spcBef>
                 <a:spcPts val="0"/>
@@ -42207,14 +42142,14 @@
               <a:buSzPct val="100000"/>
               <a:buFont typeface="Menlo"/>
               <a:buChar char="•"/>
-              <a:defRPr b="0" sz="900">
-                <a:solidFill>
-                  <a:srgbClr val="3F6E74"/>
-                </a:solidFill>
-                <a:latin typeface="Menlo"/>
-                <a:ea typeface="Menlo"/>
-                <a:cs typeface="Menlo"/>
-                <a:sym typeface="Menlo"/>
+              <a:defRPr b="0" sz="1100">
+                <a:solidFill>
+                  <a:srgbClr val="5C2699"/>
+                </a:solidFill>
+                <a:latin typeface="Arial"/>
+                <a:ea typeface="Arial"/>
+                <a:cs typeface="Arial"/>
+                <a:sym typeface="Arial"/>
               </a:defRPr>
             </a:pPr>
             <a:r>
@@ -42281,9 +42216,9 @@
             </a:endParaRPr>
           </a:p>
           <a:p>
-            <a:pPr marL="457200" indent="-317500" defTabSz="457200">
+            <a:pPr marL="527755" indent="-388055" defTabSz="457200">
               <a:lnSpc>
-                <a:spcPts val="2300"/>
+                <a:spcPts val="1700"/>
               </a:lnSpc>
               <a:spcBef>
                 <a:spcPts val="0"/>
@@ -42294,14 +42229,14 @@
               <a:buSzPct val="100000"/>
               <a:buFont typeface="Menlo"/>
               <a:buChar char="•"/>
-              <a:defRPr b="0" sz="900">
-                <a:solidFill>
-                  <a:srgbClr val="333333"/>
-                </a:solidFill>
-                <a:latin typeface="Menlo"/>
-                <a:ea typeface="Menlo"/>
-                <a:cs typeface="Menlo"/>
-                <a:sym typeface="Menlo"/>
+              <a:defRPr b="0" sz="1100">
+                <a:solidFill>
+                  <a:srgbClr val="5C2699"/>
+                </a:solidFill>
+                <a:latin typeface="Arial"/>
+                <a:ea typeface="Arial"/>
+                <a:cs typeface="Arial"/>
+                <a:sym typeface="Arial"/>
               </a:defRPr>
             </a:pPr>
             <a:r>
@@ -42317,9 +42252,9 @@
             </a:r>
           </a:p>
           <a:p>
-            <a:pPr marL="457200" indent="-317500" defTabSz="457200">
+            <a:pPr marL="527755" indent="-388055" defTabSz="457200">
               <a:lnSpc>
-                <a:spcPts val="2300"/>
+                <a:spcPts val="1700"/>
               </a:lnSpc>
               <a:spcBef>
                 <a:spcPts val="0"/>
@@ -42330,14 +42265,14 @@
               <a:buSzPct val="100000"/>
               <a:buFont typeface="Menlo"/>
               <a:buChar char="•"/>
-              <a:defRPr b="0" sz="900">
-                <a:solidFill>
-                  <a:srgbClr val="333333"/>
-                </a:solidFill>
-                <a:latin typeface="Menlo"/>
-                <a:ea typeface="Menlo"/>
-                <a:cs typeface="Menlo"/>
-                <a:sym typeface="Menlo"/>
+              <a:defRPr b="0" sz="1100">
+                <a:solidFill>
+                  <a:srgbClr val="5C2699"/>
+                </a:solidFill>
+                <a:latin typeface="Arial"/>
+                <a:ea typeface="Arial"/>
+                <a:cs typeface="Arial"/>
+                <a:sym typeface="Arial"/>
               </a:defRPr>
             </a:pPr>
             <a:r>
@@ -42345,9 +42280,9 @@
             </a:r>
           </a:p>
           <a:p>
-            <a:pPr marL="457200" indent="-317500" defTabSz="457200">
+            <a:pPr marL="527755" indent="-388055" defTabSz="457200">
               <a:lnSpc>
-                <a:spcPts val="2300"/>
+                <a:spcPts val="1700"/>
               </a:lnSpc>
               <a:spcBef>
                 <a:spcPts val="0"/>
@@ -42358,14 +42293,14 @@
               <a:buSzPct val="100000"/>
               <a:buFont typeface="Menlo"/>
               <a:buChar char="•"/>
-              <a:defRPr b="0" sz="900">
-                <a:solidFill>
-                  <a:srgbClr val="3F6E74"/>
-                </a:solidFill>
-                <a:latin typeface="Menlo"/>
-                <a:ea typeface="Menlo"/>
-                <a:cs typeface="Menlo"/>
-                <a:sym typeface="Menlo"/>
+              <a:defRPr b="0" sz="1100">
+                <a:solidFill>
+                  <a:srgbClr val="5C2699"/>
+                </a:solidFill>
+                <a:latin typeface="Arial"/>
+                <a:ea typeface="Arial"/>
+                <a:cs typeface="Arial"/>
+                <a:sym typeface="Arial"/>
               </a:defRPr>
             </a:pPr>
             <a:r>
@@ -42416,9 +42351,9 @@
             </a:endParaRPr>
           </a:p>
           <a:p>
-            <a:pPr marL="457200" indent="-317500" defTabSz="457200">
+            <a:pPr marL="527755" indent="-388055" defTabSz="457200">
               <a:lnSpc>
-                <a:spcPts val="2300"/>
+                <a:spcPts val="1700"/>
               </a:lnSpc>
               <a:spcBef>
                 <a:spcPts val="0"/>
@@ -42429,14 +42364,14 @@
               <a:buSzPct val="100000"/>
               <a:buFont typeface="Menlo"/>
               <a:buChar char="•"/>
-              <a:defRPr b="0" sz="900">
-                <a:solidFill>
-                  <a:srgbClr val="333333"/>
-                </a:solidFill>
-                <a:latin typeface="Menlo"/>
-                <a:ea typeface="Menlo"/>
-                <a:cs typeface="Menlo"/>
-                <a:sym typeface="Menlo"/>
+              <a:defRPr b="0" sz="1100">
+                <a:solidFill>
+                  <a:srgbClr val="5C2699"/>
+                </a:solidFill>
+                <a:latin typeface="Arial"/>
+                <a:ea typeface="Arial"/>
+                <a:cs typeface="Arial"/>
+                <a:sym typeface="Arial"/>
               </a:defRPr>
             </a:pPr>
             <a:r>
@@ -42444,9 +42379,9 @@
             </a:r>
           </a:p>
           <a:p>
-            <a:pPr marL="457200" indent="-317500" defTabSz="457200">
+            <a:pPr marL="527755" indent="-388055" defTabSz="457200">
               <a:lnSpc>
-                <a:spcPts val="2300"/>
+                <a:spcPts val="1700"/>
               </a:lnSpc>
               <a:spcBef>
                 <a:spcPts val="0"/>
@@ -42457,14 +42392,14 @@
               <a:buSzPct val="100000"/>
               <a:buFont typeface="Menlo"/>
               <a:buChar char="•"/>
-              <a:defRPr b="0" sz="900">
-                <a:solidFill>
-                  <a:srgbClr val="3F6E74"/>
-                </a:solidFill>
-                <a:latin typeface="Menlo"/>
-                <a:ea typeface="Menlo"/>
-                <a:cs typeface="Menlo"/>
-                <a:sym typeface="Menlo"/>
+              <a:defRPr b="0" sz="1100">
+                <a:solidFill>
+                  <a:srgbClr val="5C2699"/>
+                </a:solidFill>
+                <a:latin typeface="Arial"/>
+                <a:ea typeface="Arial"/>
+                <a:cs typeface="Arial"/>
+                <a:sym typeface="Arial"/>
               </a:defRPr>
             </a:pPr>
             <a:r>
@@ -42496,9 +42431,9 @@
             </a:endParaRPr>
           </a:p>
           <a:p>
-            <a:pPr marL="457200" indent="-317500" defTabSz="457200">
+            <a:pPr marL="527755" indent="-388055" defTabSz="457200">
               <a:lnSpc>
-                <a:spcPts val="2300"/>
+                <a:spcPts val="1700"/>
               </a:lnSpc>
               <a:spcBef>
                 <a:spcPts val="0"/>
@@ -42509,14 +42444,14 @@
               <a:buSzPct val="100000"/>
               <a:buFont typeface="Menlo"/>
               <a:buChar char="•"/>
-              <a:defRPr b="0" sz="900">
-                <a:solidFill>
-                  <a:srgbClr val="007400"/>
-                </a:solidFill>
-                <a:latin typeface="Menlo"/>
-                <a:ea typeface="Menlo"/>
-                <a:cs typeface="Menlo"/>
-                <a:sym typeface="Menlo"/>
+              <a:defRPr b="0" sz="1100">
+                <a:solidFill>
+                  <a:srgbClr val="5C2699"/>
+                </a:solidFill>
+                <a:latin typeface="Arial"/>
+                <a:ea typeface="Arial"/>
+                <a:cs typeface="Arial"/>
+                <a:sym typeface="Arial"/>
               </a:defRPr>
             </a:pPr>
             <a:r>
@@ -42714,8 +42649,8 @@
         </p:nvSpPr>
         <p:spPr>
           <a:xfrm>
-            <a:off x="2330119" y="1549500"/>
-            <a:ext cx="4483762" cy="3152141"/>
+            <a:off x="2437695" y="1105162"/>
+            <a:ext cx="3415281" cy="3991703"/>
           </a:xfrm>
           <a:prstGeom prst="rect">
             <a:avLst/>
@@ -42735,9 +42670,9 @@
           </a:bodyPr>
           <a:lstStyle/>
           <a:p>
-            <a:pPr marL="457200" indent="-317500" defTabSz="457200">
+            <a:pPr marL="527755" indent="-388055" defTabSz="457200">
               <a:lnSpc>
-                <a:spcPts val="2100"/>
+                <a:spcPts val="1400"/>
               </a:lnSpc>
               <a:spcBef>
                 <a:spcPts val="0"/>
@@ -42750,12 +42685,12 @@
               <a:buChar char="•"/>
               <a:defRPr b="0" sz="900">
                 <a:solidFill>
-                  <a:srgbClr val="AA0D91"/>
-                </a:solidFill>
-                <a:latin typeface="Menlo"/>
-                <a:ea typeface="Menlo"/>
-                <a:cs typeface="Menlo"/>
-                <a:sym typeface="Menlo"/>
+                  <a:srgbClr val="5C2699"/>
+                </a:solidFill>
+                <a:latin typeface="Arial"/>
+                <a:ea typeface="Arial"/>
+                <a:cs typeface="Arial"/>
+                <a:sym typeface="Arial"/>
               </a:defRPr>
             </a:pPr>
             <a:r>
@@ -42802,11 +42737,6 @@
               <a:t>: [</a:t>
             </a:r>
             <a:r>
-              <a:rPr>
-                <a:solidFill>
-                  <a:srgbClr val="5C2699"/>
-                </a:solidFill>
-              </a:rPr>
               <a:t>String</a:t>
             </a:r>
             <a:r>
@@ -42818,11 +42748,6 @@
               <a:t>: </a:t>
             </a:r>
             <a:r>
-              <a:rPr>
-                <a:solidFill>
-                  <a:srgbClr val="5C2699"/>
-                </a:solidFill>
-              </a:rPr>
               <a:t>String</a:t>
             </a:r>
             <a:r>
@@ -42840,9 +42765,9 @@
             </a:endParaRPr>
           </a:p>
           <a:p>
-            <a:pPr marL="457200" indent="-317500" defTabSz="457200">
+            <a:pPr marL="527755" indent="-388055" defTabSz="457200">
               <a:lnSpc>
-                <a:spcPts val="2100"/>
+                <a:spcPts val="1400"/>
               </a:lnSpc>
               <a:spcBef>
                 <a:spcPts val="0"/>
@@ -42855,12 +42780,12 @@
               <a:buChar char="•"/>
               <a:defRPr b="0" sz="900">
                 <a:solidFill>
-                  <a:srgbClr val="333333"/>
-                </a:solidFill>
-                <a:latin typeface="Menlo"/>
-                <a:ea typeface="Menlo"/>
-                <a:cs typeface="Menlo"/>
-                <a:sym typeface="Menlo"/>
+                  <a:srgbClr val="5C2699"/>
+                </a:solidFill>
+                <a:latin typeface="Arial"/>
+                <a:ea typeface="Arial"/>
+                <a:cs typeface="Arial"/>
+                <a:sym typeface="Arial"/>
               </a:defRPr>
             </a:pPr>
             <a:r>
@@ -42934,9 +42859,9 @@
             </a:r>
           </a:p>
           <a:p>
-            <a:pPr marL="457200" indent="-317500" defTabSz="457200">
+            <a:pPr marL="527755" indent="-388055" defTabSz="457200">
               <a:lnSpc>
-                <a:spcPts val="2100"/>
+                <a:spcPts val="1400"/>
               </a:lnSpc>
               <a:spcBef>
                 <a:spcPts val="0"/>
@@ -42949,12 +42874,12 @@
               <a:buChar char="•"/>
               <a:defRPr b="0" sz="900">
                 <a:solidFill>
-                  <a:srgbClr val="333333"/>
-                </a:solidFill>
-                <a:latin typeface="Menlo"/>
-                <a:ea typeface="Menlo"/>
-                <a:cs typeface="Menlo"/>
-                <a:sym typeface="Menlo"/>
+                  <a:srgbClr val="5C2699"/>
+                </a:solidFill>
+                <a:latin typeface="Arial"/>
+                <a:ea typeface="Arial"/>
+                <a:cs typeface="Arial"/>
+                <a:sym typeface="Arial"/>
               </a:defRPr>
             </a:pPr>
             <a:r>
@@ -42970,9 +42895,9 @@
             </a:r>
           </a:p>
           <a:p>
-            <a:pPr marL="457200" indent="-317500" defTabSz="457200">
+            <a:pPr marL="527755" indent="-388055" defTabSz="457200">
               <a:lnSpc>
-                <a:spcPts val="2100"/>
+                <a:spcPts val="1400"/>
               </a:lnSpc>
               <a:spcBef>
                 <a:spcPts val="0"/>
@@ -42985,12 +42910,12 @@
               <a:buChar char="•"/>
               <a:defRPr b="0" sz="900">
                 <a:solidFill>
-                  <a:srgbClr val="333333"/>
-                </a:solidFill>
-                <a:latin typeface="Menlo"/>
-                <a:ea typeface="Menlo"/>
-                <a:cs typeface="Menlo"/>
-                <a:sym typeface="Menlo"/>
+                  <a:srgbClr val="5C2699"/>
+                </a:solidFill>
+                <a:latin typeface="Arial"/>
+                <a:ea typeface="Arial"/>
+                <a:cs typeface="Arial"/>
+                <a:sym typeface="Arial"/>
               </a:defRPr>
             </a:pPr>
             <a:r>
@@ -42998,9 +42923,9 @@
             </a:r>
           </a:p>
           <a:p>
-            <a:pPr marL="457200" indent="-317500" defTabSz="457200">
+            <a:pPr marL="527755" indent="-388055" defTabSz="457200">
               <a:lnSpc>
-                <a:spcPts val="2100"/>
+                <a:spcPts val="1400"/>
               </a:lnSpc>
               <a:spcBef>
                 <a:spcPts val="0"/>
@@ -43013,19 +42938,19 @@
               <a:buChar char="•"/>
               <a:defRPr b="0" sz="900">
                 <a:solidFill>
-                  <a:srgbClr val="333333"/>
-                </a:solidFill>
-                <a:latin typeface="Menlo"/>
-                <a:ea typeface="Menlo"/>
-                <a:cs typeface="Menlo"/>
-                <a:sym typeface="Menlo"/>
+                  <a:srgbClr val="5C2699"/>
+                </a:solidFill>
+                <a:latin typeface="Arial"/>
+                <a:ea typeface="Arial"/>
+                <a:cs typeface="Arial"/>
+                <a:sym typeface="Arial"/>
               </a:defRPr>
             </a:pPr>
           </a:p>
           <a:p>
-            <a:pPr marL="457200" indent="-317500" defTabSz="457200">
+            <a:pPr marL="527755" indent="-388055" defTabSz="457200">
               <a:lnSpc>
-                <a:spcPts val="2100"/>
+                <a:spcPts val="1400"/>
               </a:lnSpc>
               <a:spcBef>
                 <a:spcPts val="0"/>
@@ -43038,12 +42963,12 @@
               <a:buChar char="•"/>
               <a:defRPr b="0" sz="900">
                 <a:solidFill>
-                  <a:srgbClr val="333333"/>
-                </a:solidFill>
-                <a:latin typeface="Menlo"/>
-                <a:ea typeface="Menlo"/>
-                <a:cs typeface="Menlo"/>
-                <a:sym typeface="Menlo"/>
+                  <a:srgbClr val="5C2699"/>
+                </a:solidFill>
+                <a:latin typeface="Arial"/>
+                <a:ea typeface="Arial"/>
+                <a:cs typeface="Arial"/>
+                <a:sym typeface="Arial"/>
               </a:defRPr>
             </a:pPr>
             <a:r>
@@ -43095,9 +43020,9 @@
             </a:r>
           </a:p>
           <a:p>
-            <a:pPr marL="457200" indent="-317500" defTabSz="457200">
+            <a:pPr marL="527755" indent="-388055" defTabSz="457200">
               <a:lnSpc>
-                <a:spcPts val="2100"/>
+                <a:spcPts val="1400"/>
               </a:lnSpc>
               <a:spcBef>
                 <a:spcPts val="0"/>
@@ -43110,19 +43035,19 @@
               <a:buChar char="•"/>
               <a:defRPr b="0" sz="900">
                 <a:solidFill>
-                  <a:srgbClr val="333333"/>
-                </a:solidFill>
-                <a:latin typeface="Menlo"/>
-                <a:ea typeface="Menlo"/>
-                <a:cs typeface="Menlo"/>
-                <a:sym typeface="Menlo"/>
+                  <a:srgbClr val="5C2699"/>
+                </a:solidFill>
+                <a:latin typeface="Arial"/>
+                <a:ea typeface="Arial"/>
+                <a:cs typeface="Arial"/>
+                <a:sym typeface="Arial"/>
               </a:defRPr>
             </a:pPr>
           </a:p>
           <a:p>
-            <a:pPr marL="457200" indent="-317500" defTabSz="457200">
+            <a:pPr marL="527755" indent="-388055" defTabSz="457200">
               <a:lnSpc>
-                <a:spcPts val="2100"/>
+                <a:spcPts val="1400"/>
               </a:lnSpc>
               <a:spcBef>
                 <a:spcPts val="0"/>
@@ -43135,12 +43060,12 @@
               <a:buChar char="•"/>
               <a:defRPr b="0" sz="900">
                 <a:solidFill>
-                  <a:srgbClr val="C41A16"/>
-                </a:solidFill>
-                <a:latin typeface="Menlo"/>
-                <a:ea typeface="Menlo"/>
-                <a:cs typeface="Menlo"/>
-                <a:sym typeface="Menlo"/>
+                  <a:srgbClr val="5C2699"/>
+                </a:solidFill>
+                <a:latin typeface="Arial"/>
+                <a:ea typeface="Arial"/>
+                <a:cs typeface="Arial"/>
+                <a:sym typeface="Arial"/>
               </a:defRPr>
             </a:pPr>
             <a:r>
@@ -43249,9 +43174,9 @@
             </a:endParaRPr>
           </a:p>
           <a:p>
-            <a:pPr marL="457200" indent="-317500" defTabSz="457200">
+            <a:pPr marL="527755" indent="-388055" defTabSz="457200">
               <a:lnSpc>
-                <a:spcPts val="2100"/>
+                <a:spcPts val="1400"/>
               </a:lnSpc>
               <a:spcBef>
                 <a:spcPts val="0"/>
@@ -43264,12 +43189,12 @@
               <a:buChar char="•"/>
               <a:defRPr b="0" sz="900">
                 <a:solidFill>
-                  <a:srgbClr val="C41A16"/>
-                </a:solidFill>
-                <a:latin typeface="Menlo"/>
-                <a:ea typeface="Menlo"/>
-                <a:cs typeface="Menlo"/>
-                <a:sym typeface="Menlo"/>
+                  <a:srgbClr val="5C2699"/>
+                </a:solidFill>
+                <a:latin typeface="Arial"/>
+                <a:ea typeface="Arial"/>
+                <a:cs typeface="Arial"/>
+                <a:sym typeface="Arial"/>
               </a:defRPr>
             </a:pPr>
             <a:r>
@@ -43314,9 +43239,9 @@
             </a:endParaRPr>
           </a:p>
           <a:p>
-            <a:pPr marL="457200" indent="-317500" defTabSz="457200">
+            <a:pPr marL="527755" indent="-388055" defTabSz="457200">
               <a:lnSpc>
-                <a:spcPts val="2100"/>
+                <a:spcPts val="1400"/>
               </a:lnSpc>
               <a:spcBef>
                 <a:spcPts val="0"/>
@@ -43329,12 +43254,12 @@
               <a:buChar char="•"/>
               <a:defRPr b="0" sz="900">
                 <a:solidFill>
-                  <a:srgbClr val="333333"/>
-                </a:solidFill>
-                <a:latin typeface="Menlo"/>
-                <a:ea typeface="Menlo"/>
-                <a:cs typeface="Menlo"/>
-                <a:sym typeface="Menlo"/>
+                  <a:srgbClr val="5C2699"/>
+                </a:solidFill>
+                <a:latin typeface="Arial"/>
+                <a:ea typeface="Arial"/>
+                <a:cs typeface="Arial"/>
+                <a:sym typeface="Arial"/>
               </a:defRPr>
             </a:pPr>
             <a:r>
@@ -43350,9 +43275,9 @@
             </a:r>
           </a:p>
           <a:p>
-            <a:pPr marL="457200" indent="-317500" defTabSz="457200">
+            <a:pPr marL="527755" indent="-388055" defTabSz="457200">
               <a:lnSpc>
-                <a:spcPts val="2100"/>
+                <a:spcPts val="1400"/>
               </a:lnSpc>
               <a:spcBef>
                 <a:spcPts val="0"/>
@@ -43365,12 +43290,12 @@
               <a:buChar char="•"/>
               <a:defRPr b="0" sz="900">
                 <a:solidFill>
-                  <a:srgbClr val="333333"/>
-                </a:solidFill>
-                <a:latin typeface="Menlo"/>
-                <a:ea typeface="Menlo"/>
-                <a:cs typeface="Menlo"/>
-                <a:sym typeface="Menlo"/>
+                  <a:srgbClr val="5C2699"/>
+                </a:solidFill>
+                <a:latin typeface="Arial"/>
+                <a:ea typeface="Arial"/>
+                <a:cs typeface="Arial"/>
+                <a:sym typeface="Arial"/>
               </a:defRPr>
             </a:pPr>
             <a:r>
@@ -43378,9 +43303,9 @@
             </a:r>
           </a:p>
           <a:p>
-            <a:pPr marL="457200" indent="-317500" defTabSz="457200">
+            <a:pPr marL="527755" indent="-388055" defTabSz="457200">
               <a:lnSpc>
-                <a:spcPts val="2100"/>
+                <a:spcPts val="1400"/>
               </a:lnSpc>
               <a:spcBef>
                 <a:spcPts val="0"/>
@@ -43393,19 +43318,19 @@
               <a:buChar char="•"/>
               <a:defRPr b="0" sz="900">
                 <a:solidFill>
-                  <a:srgbClr val="333333"/>
-                </a:solidFill>
-                <a:latin typeface="Menlo"/>
-                <a:ea typeface="Menlo"/>
-                <a:cs typeface="Menlo"/>
-                <a:sym typeface="Menlo"/>
+                  <a:srgbClr val="5C2699"/>
+                </a:solidFill>
+                <a:latin typeface="Arial"/>
+                <a:ea typeface="Arial"/>
+                <a:cs typeface="Arial"/>
+                <a:sym typeface="Arial"/>
               </a:defRPr>
             </a:pPr>
           </a:p>
           <a:p>
-            <a:pPr marL="457200" indent="-317500" defTabSz="457200">
+            <a:pPr marL="527755" indent="-388055" defTabSz="457200">
               <a:lnSpc>
-                <a:spcPts val="2100"/>
+                <a:spcPts val="1400"/>
               </a:lnSpc>
               <a:spcBef>
                 <a:spcPts val="0"/>
@@ -43418,12 +43343,12 @@
               <a:buChar char="•"/>
               <a:defRPr b="0" sz="900">
                 <a:solidFill>
-                  <a:srgbClr val="C41A16"/>
-                </a:solidFill>
-                <a:latin typeface="Menlo"/>
-                <a:ea typeface="Menlo"/>
-                <a:cs typeface="Menlo"/>
-                <a:sym typeface="Menlo"/>
+                  <a:srgbClr val="5C2699"/>
+                </a:solidFill>
+                <a:latin typeface="Arial"/>
+                <a:ea typeface="Arial"/>
+                <a:cs typeface="Arial"/>
+                <a:sym typeface="Arial"/>
               </a:defRPr>
             </a:pPr>
             <a:r>
@@ -43495,9 +43420,9 @@
             </a:endParaRPr>
           </a:p>
           <a:p>
-            <a:pPr marL="457200" indent="-317500" defTabSz="457200">
+            <a:pPr marL="527755" indent="-388055" defTabSz="457200">
               <a:lnSpc>
-                <a:spcPts val="2100"/>
+                <a:spcPts val="1400"/>
               </a:lnSpc>
               <a:spcBef>
                 <a:spcPts val="0"/>
@@ -43510,12 +43435,12 @@
               <a:buChar char="•"/>
               <a:defRPr b="0" sz="900">
                 <a:solidFill>
-                  <a:srgbClr val="333333"/>
-                </a:solidFill>
-                <a:latin typeface="Menlo"/>
-                <a:ea typeface="Menlo"/>
-                <a:cs typeface="Menlo"/>
-                <a:sym typeface="Menlo"/>
+                  <a:srgbClr val="5C2699"/>
+                </a:solidFill>
+                <a:latin typeface="Arial"/>
+                <a:ea typeface="Arial"/>
+                <a:cs typeface="Arial"/>
+                <a:sym typeface="Arial"/>
               </a:defRPr>
             </a:pPr>
             <a:r>
@@ -43523,9 +43448,9 @@
             </a:r>
           </a:p>
           <a:p>
-            <a:pPr marL="457200" indent="-317500" defTabSz="457200">
+            <a:pPr marL="527755" indent="-388055" defTabSz="457200">
               <a:lnSpc>
-                <a:spcPts val="2100"/>
+                <a:spcPts val="1400"/>
               </a:lnSpc>
               <a:spcBef>
                 <a:spcPts val="0"/>
@@ -43538,19 +43463,19 @@
               <a:buChar char="•"/>
               <a:defRPr b="0" sz="900">
                 <a:solidFill>
-                  <a:srgbClr val="333333"/>
-                </a:solidFill>
-                <a:latin typeface="Menlo"/>
-                <a:ea typeface="Menlo"/>
-                <a:cs typeface="Menlo"/>
-                <a:sym typeface="Menlo"/>
+                  <a:srgbClr val="5C2699"/>
+                </a:solidFill>
+                <a:latin typeface="Arial"/>
+                <a:ea typeface="Arial"/>
+                <a:cs typeface="Arial"/>
+                <a:sym typeface="Arial"/>
               </a:defRPr>
             </a:pPr>
           </a:p>
           <a:p>
-            <a:pPr marL="457200" indent="-317500" defTabSz="457200">
+            <a:pPr marL="527755" indent="-388055" defTabSz="457200">
               <a:lnSpc>
-                <a:spcPts val="2100"/>
+                <a:spcPts val="1400"/>
               </a:lnSpc>
               <a:spcBef>
                 <a:spcPts val="0"/>
@@ -43563,12 +43488,12 @@
               <a:buChar char="•"/>
               <a:defRPr b="0" sz="900">
                 <a:solidFill>
-                  <a:srgbClr val="3F6E74"/>
-                </a:solidFill>
-                <a:latin typeface="Menlo"/>
-                <a:ea typeface="Menlo"/>
-                <a:cs typeface="Menlo"/>
-                <a:sym typeface="Menlo"/>
+                  <a:srgbClr val="5C2699"/>
+                </a:solidFill>
+                <a:latin typeface="Arial"/>
+                <a:ea typeface="Arial"/>
+                <a:cs typeface="Arial"/>
+                <a:sym typeface="Arial"/>
               </a:defRPr>
             </a:pPr>
             <a:r>
@@ -43632,9 +43557,9 @@
             </a:endParaRPr>
           </a:p>
           <a:p>
-            <a:pPr marL="457200" indent="-317500" defTabSz="457200">
+            <a:pPr marL="527755" indent="-388055" defTabSz="457200">
               <a:lnSpc>
-                <a:spcPts val="2100"/>
+                <a:spcPts val="1400"/>
               </a:lnSpc>
               <a:spcBef>
                 <a:spcPts val="0"/>
@@ -43647,12 +43572,12 @@
               <a:buChar char="•"/>
               <a:defRPr b="0" sz="900">
                 <a:solidFill>
-                  <a:srgbClr val="007400"/>
-                </a:solidFill>
-                <a:latin typeface="Menlo"/>
-                <a:ea typeface="Menlo"/>
-                <a:cs typeface="Menlo"/>
-                <a:sym typeface="Menlo"/>
+                  <a:srgbClr val="5C2699"/>
+                </a:solidFill>
+                <a:latin typeface="Arial"/>
+                <a:ea typeface="Arial"/>
+                <a:cs typeface="Arial"/>
+                <a:sym typeface="Arial"/>
               </a:defRPr>
             </a:pPr>
             <a:r>
@@ -43665,9 +43590,9 @@
             </a:endParaRPr>
           </a:p>
           <a:p>
-            <a:pPr marL="457200" indent="-317500" defTabSz="457200">
+            <a:pPr marL="527755" indent="-388055" defTabSz="457200">
               <a:lnSpc>
-                <a:spcPts val="2100"/>
+                <a:spcPts val="1400"/>
               </a:lnSpc>
               <a:spcBef>
                 <a:spcPts val="0"/>
@@ -43680,12 +43605,12 @@
               <a:buChar char="•"/>
               <a:defRPr b="0" sz="900">
                 <a:solidFill>
-                  <a:srgbClr val="007400"/>
-                </a:solidFill>
-                <a:latin typeface="Menlo"/>
-                <a:ea typeface="Menlo"/>
-                <a:cs typeface="Menlo"/>
-                <a:sym typeface="Menlo"/>
+                  <a:srgbClr val="5C2699"/>
+                </a:solidFill>
+                <a:latin typeface="Arial"/>
+                <a:ea typeface="Arial"/>
+                <a:cs typeface="Arial"/>
+                <a:sym typeface="Arial"/>
               </a:defRPr>
             </a:pPr>
             <a:r>
@@ -43698,9 +43623,9 @@
             </a:endParaRPr>
           </a:p>
           <a:p>
-            <a:pPr marL="457200" indent="-317500" defTabSz="457200">
+            <a:pPr marL="527755" indent="-388055" defTabSz="457200">
               <a:lnSpc>
-                <a:spcPts val="2100"/>
+                <a:spcPts val="1400"/>
               </a:lnSpc>
               <a:spcBef>
                 <a:spcPts val="0"/>
@@ -43713,12 +43638,12 @@
               <a:buChar char="•"/>
               <a:defRPr b="0" sz="900">
                 <a:solidFill>
-                  <a:srgbClr val="C41A16"/>
-                </a:solidFill>
-                <a:latin typeface="Menlo"/>
-                <a:ea typeface="Menlo"/>
-                <a:cs typeface="Menlo"/>
-                <a:sym typeface="Menlo"/>
+                  <a:srgbClr val="5C2699"/>
+                </a:solidFill>
+                <a:latin typeface="Arial"/>
+                <a:ea typeface="Arial"/>
+                <a:cs typeface="Arial"/>
+                <a:sym typeface="Arial"/>
               </a:defRPr>
             </a:pPr>
             <a:r>
@@ -43804,9 +43729,9 @@
             </a:endParaRPr>
           </a:p>
           <a:p>
-            <a:pPr marL="457200" indent="-317500" defTabSz="457200">
+            <a:pPr marL="527755" indent="-388055" defTabSz="457200">
               <a:lnSpc>
-                <a:spcPts val="2100"/>
+                <a:spcPts val="1400"/>
               </a:lnSpc>
               <a:spcBef>
                 <a:spcPts val="0"/>
@@ -43819,12 +43744,12 @@
               <a:buChar char="•"/>
               <a:defRPr b="0" sz="900">
                 <a:solidFill>
-                  <a:srgbClr val="007400"/>
-                </a:solidFill>
-                <a:latin typeface="Menlo"/>
-                <a:ea typeface="Menlo"/>
-                <a:cs typeface="Menlo"/>
-                <a:sym typeface="Menlo"/>
+                  <a:srgbClr val="5C2699"/>
+                </a:solidFill>
+                <a:latin typeface="Arial"/>
+                <a:ea typeface="Arial"/>
+                <a:cs typeface="Arial"/>
+                <a:sym typeface="Arial"/>
               </a:defRPr>
             </a:pPr>
             <a:r>
@@ -43837,9 +43762,9 @@
             </a:endParaRPr>
           </a:p>
           <a:p>
-            <a:pPr marL="457200" indent="-317500" defTabSz="457200">
+            <a:pPr marL="527755" indent="-388055" defTabSz="457200">
               <a:lnSpc>
-                <a:spcPts val="2100"/>
+                <a:spcPts val="1400"/>
               </a:lnSpc>
               <a:spcBef>
                 <a:spcPts val="0"/>
@@ -43852,12 +43777,12 @@
               <a:buChar char="•"/>
               <a:defRPr b="0" sz="900">
                 <a:solidFill>
-                  <a:srgbClr val="007400"/>
-                </a:solidFill>
-                <a:latin typeface="Menlo"/>
-                <a:ea typeface="Menlo"/>
-                <a:cs typeface="Menlo"/>
-                <a:sym typeface="Menlo"/>
+                  <a:srgbClr val="5C2699"/>
+                </a:solidFill>
+                <a:latin typeface="Arial"/>
+                <a:ea typeface="Arial"/>
+                <a:cs typeface="Arial"/>
+                <a:sym typeface="Arial"/>
               </a:defRPr>
             </a:pPr>
             <a:r>
@@ -44520,7 +44445,7 @@
         <p:spPr>
           <a:xfrm>
             <a:off x="576953" y="1101687"/>
-            <a:ext cx="3726804" cy="1374141"/>
+            <a:ext cx="3354205" cy="1805065"/>
           </a:xfrm>
           <a:prstGeom prst="rect">
             <a:avLst/>
@@ -44540,9 +44465,9 @@
           </a:bodyPr>
           <a:lstStyle/>
           <a:p>
-            <a:pPr marL="457200" indent="-317500" defTabSz="457200">
+            <a:pPr marL="527755" indent="-388055" defTabSz="457200">
               <a:lnSpc>
-                <a:spcPts val="2300"/>
+                <a:spcPts val="1700"/>
               </a:lnSpc>
               <a:spcBef>
                 <a:spcPts val="0"/>
@@ -44553,14 +44478,14 @@
               <a:buSzPct val="100000"/>
               <a:buFont typeface="Menlo"/>
               <a:buChar char="•"/>
-              <a:defRPr b="0" sz="900">
-                <a:solidFill>
-                  <a:srgbClr val="C41A16"/>
-                </a:solidFill>
-                <a:latin typeface="Menlo"/>
-                <a:ea typeface="Menlo"/>
-                <a:cs typeface="Menlo"/>
-                <a:sym typeface="Menlo"/>
+              <a:defRPr b="0" sz="1100">
+                <a:solidFill>
+                  <a:srgbClr val="5C2699"/>
+                </a:solidFill>
+                <a:latin typeface="Arial"/>
+                <a:ea typeface="Arial"/>
+                <a:cs typeface="Arial"/>
+                <a:sym typeface="Arial"/>
               </a:defRPr>
             </a:pPr>
             <a:r>
@@ -44646,9 +44571,9 @@
             </a:endParaRPr>
           </a:p>
           <a:p>
-            <a:pPr marL="457200" indent="-317500" defTabSz="457200">
+            <a:pPr marL="527755" indent="-388055" defTabSz="457200">
               <a:lnSpc>
-                <a:spcPts val="2300"/>
+                <a:spcPts val="1700"/>
               </a:lnSpc>
               <a:spcBef>
                 <a:spcPts val="0"/>
@@ -44659,14 +44584,14 @@
               <a:buSzPct val="100000"/>
               <a:buFont typeface="Menlo"/>
               <a:buChar char="•"/>
-              <a:defRPr b="0" sz="900">
-                <a:solidFill>
-                  <a:srgbClr val="AA0D91"/>
-                </a:solidFill>
-                <a:latin typeface="Menlo"/>
-                <a:ea typeface="Menlo"/>
-                <a:cs typeface="Menlo"/>
-                <a:sym typeface="Menlo"/>
+              <a:defRPr b="0" sz="1100">
+                <a:solidFill>
+                  <a:srgbClr val="5C2699"/>
+                </a:solidFill>
+                <a:latin typeface="Arial"/>
+                <a:ea typeface="Arial"/>
+                <a:cs typeface="Arial"/>
+                <a:sym typeface="Arial"/>
               </a:defRPr>
             </a:pPr>
             <a:r>
@@ -44730,9 +44655,9 @@
             </a:endParaRPr>
           </a:p>
           <a:p>
-            <a:pPr marL="457200" indent="-317500" defTabSz="457200">
+            <a:pPr marL="527755" indent="-388055" defTabSz="457200">
               <a:lnSpc>
-                <a:spcPts val="2300"/>
+                <a:spcPts val="1700"/>
               </a:lnSpc>
               <a:spcBef>
                 <a:spcPts val="0"/>
@@ -44743,14 +44668,14 @@
               <a:buSzPct val="100000"/>
               <a:buFont typeface="Menlo"/>
               <a:buChar char="•"/>
-              <a:defRPr b="0" sz="900">
-                <a:solidFill>
-                  <a:srgbClr val="C41A16"/>
-                </a:solidFill>
-                <a:latin typeface="Menlo"/>
-                <a:ea typeface="Menlo"/>
-                <a:cs typeface="Menlo"/>
-                <a:sym typeface="Menlo"/>
+              <a:defRPr b="0" sz="1100">
+                <a:solidFill>
+                  <a:srgbClr val="5C2699"/>
+                </a:solidFill>
+                <a:latin typeface="Arial"/>
+                <a:ea typeface="Arial"/>
+                <a:cs typeface="Arial"/>
+                <a:sym typeface="Arial"/>
               </a:defRPr>
             </a:pPr>
             <a:r>
@@ -44822,9 +44747,9 @@
             </a:endParaRPr>
           </a:p>
           <a:p>
-            <a:pPr marL="457200" indent="-317500" defTabSz="457200">
+            <a:pPr marL="527755" indent="-388055" defTabSz="457200">
               <a:lnSpc>
-                <a:spcPts val="2300"/>
+                <a:spcPts val="1700"/>
               </a:lnSpc>
               <a:spcBef>
                 <a:spcPts val="0"/>
@@ -44835,14 +44760,14 @@
               <a:buSzPct val="100000"/>
               <a:buFont typeface="Menlo"/>
               <a:buChar char="•"/>
-              <a:defRPr b="0" sz="900">
-                <a:solidFill>
-                  <a:srgbClr val="333333"/>
-                </a:solidFill>
-                <a:latin typeface="Menlo"/>
-                <a:ea typeface="Menlo"/>
-                <a:cs typeface="Menlo"/>
-                <a:sym typeface="Menlo"/>
+              <a:defRPr b="0" sz="1100">
+                <a:solidFill>
+                  <a:srgbClr val="5C2699"/>
+                </a:solidFill>
+                <a:latin typeface="Arial"/>
+                <a:ea typeface="Arial"/>
+                <a:cs typeface="Arial"/>
+                <a:sym typeface="Arial"/>
               </a:defRPr>
             </a:pPr>
             <a:r>
@@ -44850,9 +44775,9 @@
             </a:r>
           </a:p>
           <a:p>
-            <a:pPr marL="457200" indent="-317500" defTabSz="457200">
+            <a:pPr marL="527755" indent="-388055" defTabSz="457200">
               <a:lnSpc>
-                <a:spcPts val="2300"/>
+                <a:spcPts val="1700"/>
               </a:lnSpc>
               <a:spcBef>
                 <a:spcPts val="0"/>
@@ -44863,14 +44788,14 @@
               <a:buSzPct val="100000"/>
               <a:buFont typeface="Menlo"/>
               <a:buChar char="•"/>
-              <a:defRPr b="0" sz="900">
-                <a:solidFill>
-                  <a:srgbClr val="007400"/>
-                </a:solidFill>
-                <a:latin typeface="Menlo"/>
-                <a:ea typeface="Menlo"/>
-                <a:cs typeface="Menlo"/>
-                <a:sym typeface="Menlo"/>
+              <a:defRPr b="0" sz="1100">
+                <a:solidFill>
+                  <a:srgbClr val="5C2699"/>
+                </a:solidFill>
+                <a:latin typeface="Arial"/>
+                <a:ea typeface="Arial"/>
+                <a:cs typeface="Arial"/>
+                <a:sym typeface="Arial"/>
               </a:defRPr>
             </a:pPr>
             <a:r>
@@ -44883,9 +44808,9 @@
             </a:endParaRPr>
           </a:p>
           <a:p>
-            <a:pPr marL="457200" indent="-317500" defTabSz="457200">
+            <a:pPr marL="527755" indent="-388055" defTabSz="457200">
               <a:lnSpc>
-                <a:spcPts val="2300"/>
+                <a:spcPts val="1700"/>
               </a:lnSpc>
               <a:spcBef>
                 <a:spcPts val="0"/>
@@ -44896,14 +44821,14 @@
               <a:buSzPct val="100000"/>
               <a:buFont typeface="Menlo"/>
               <a:buChar char="•"/>
-              <a:defRPr b="0" sz="900">
-                <a:solidFill>
-                  <a:srgbClr val="007400"/>
-                </a:solidFill>
-                <a:latin typeface="Menlo"/>
-                <a:ea typeface="Menlo"/>
-                <a:cs typeface="Menlo"/>
-                <a:sym typeface="Menlo"/>
+              <a:defRPr b="0" sz="1100">
+                <a:solidFill>
+                  <a:srgbClr val="5C2699"/>
+                </a:solidFill>
+                <a:latin typeface="Arial"/>
+                <a:ea typeface="Arial"/>
+                <a:cs typeface="Arial"/>
+                <a:sym typeface="Arial"/>
               </a:defRPr>
             </a:pPr>
             <a:r>
@@ -44916,9 +44841,9 @@
             </a:endParaRPr>
           </a:p>
           <a:p>
-            <a:pPr marL="457200" indent="-317500" defTabSz="457200">
+            <a:pPr marL="527755" indent="-388055" defTabSz="457200">
               <a:lnSpc>
-                <a:spcPts val="2300"/>
+                <a:spcPts val="1700"/>
               </a:lnSpc>
               <a:spcBef>
                 <a:spcPts val="0"/>
@@ -44929,14 +44854,14 @@
               <a:buSzPct val="100000"/>
               <a:buFont typeface="Menlo"/>
               <a:buChar char="•"/>
-              <a:defRPr b="0" sz="900">
-                <a:solidFill>
-                  <a:srgbClr val="007400"/>
-                </a:solidFill>
-                <a:latin typeface="Menlo"/>
-                <a:ea typeface="Menlo"/>
-                <a:cs typeface="Menlo"/>
-                <a:sym typeface="Menlo"/>
+              <a:defRPr b="0" sz="1100">
+                <a:solidFill>
+                  <a:srgbClr val="5C2699"/>
+                </a:solidFill>
+                <a:latin typeface="Arial"/>
+                <a:ea typeface="Arial"/>
+                <a:cs typeface="Arial"/>
+                <a:sym typeface="Arial"/>
               </a:defRPr>
             </a:pPr>
             <a:r>
@@ -44949,9 +44874,9 @@
             </a:endParaRPr>
           </a:p>
           <a:p>
-            <a:pPr marL="457200" indent="-317500" defTabSz="457200">
+            <a:pPr marL="527755" indent="-388055" defTabSz="457200">
               <a:lnSpc>
-                <a:spcPts val="2300"/>
+                <a:spcPts val="1700"/>
               </a:lnSpc>
               <a:spcBef>
                 <a:spcPts val="0"/>
@@ -44962,14 +44887,14 @@
               <a:buSzPct val="100000"/>
               <a:buFont typeface="Menlo"/>
               <a:buChar char="•"/>
-              <a:defRPr b="0" sz="900">
-                <a:solidFill>
-                  <a:srgbClr val="007400"/>
-                </a:solidFill>
-                <a:latin typeface="Menlo"/>
-                <a:ea typeface="Menlo"/>
-                <a:cs typeface="Menlo"/>
-                <a:sym typeface="Menlo"/>
+              <a:defRPr b="0" sz="1100">
+                <a:solidFill>
+                  <a:srgbClr val="5C2699"/>
+                </a:solidFill>
+                <a:latin typeface="Arial"/>
+                <a:ea typeface="Arial"/>
+                <a:cs typeface="Arial"/>
+                <a:sym typeface="Arial"/>
               </a:defRPr>
             </a:pPr>
             <a:r>
@@ -44986,8 +44911,8 @@
         </p:nvSpPr>
         <p:spPr>
           <a:xfrm>
-            <a:off x="586308" y="2739577"/>
-            <a:ext cx="4208504" cy="1374141"/>
+            <a:off x="567599" y="3016152"/>
+            <a:ext cx="3697793" cy="1805066"/>
           </a:xfrm>
           <a:prstGeom prst="rect">
             <a:avLst/>
@@ -45007,9 +44932,9 @@
           </a:bodyPr>
           <a:lstStyle/>
           <a:p>
-            <a:pPr marL="457200" indent="-317500" defTabSz="457200">
+            <a:pPr marL="527755" indent="-388055" defTabSz="457200">
               <a:lnSpc>
-                <a:spcPts val="2300"/>
+                <a:spcPts val="1700"/>
               </a:lnSpc>
               <a:spcBef>
                 <a:spcPts val="0"/>
@@ -45020,14 +44945,14 @@
               <a:buSzPct val="100000"/>
               <a:buFont typeface="Menlo"/>
               <a:buChar char="•"/>
-              <a:defRPr b="0" sz="900">
-                <a:solidFill>
-                  <a:srgbClr val="3F6E74"/>
-                </a:solidFill>
-                <a:latin typeface="Menlo"/>
-                <a:ea typeface="Menlo"/>
-                <a:cs typeface="Menlo"/>
-                <a:sym typeface="Menlo"/>
+              <a:defRPr b="0" sz="1100">
+                <a:solidFill>
+                  <a:srgbClr val="5C2699"/>
+                </a:solidFill>
+                <a:latin typeface="Arial"/>
+                <a:ea typeface="Arial"/>
+                <a:cs typeface="Arial"/>
+                <a:sym typeface="Arial"/>
               </a:defRPr>
             </a:pPr>
             <a:r>
@@ -45160,9 +45085,9 @@
             </a:endParaRPr>
           </a:p>
           <a:p>
-            <a:pPr marL="457200" indent="-317500" defTabSz="457200">
+            <a:pPr marL="527755" indent="-388055" defTabSz="457200">
               <a:lnSpc>
-                <a:spcPts val="2300"/>
+                <a:spcPts val="1700"/>
               </a:lnSpc>
               <a:spcBef>
                 <a:spcPts val="0"/>
@@ -45173,14 +45098,14 @@
               <a:buSzPct val="100000"/>
               <a:buFont typeface="Menlo"/>
               <a:buChar char="•"/>
-              <a:defRPr b="0" sz="900">
-                <a:solidFill>
-                  <a:srgbClr val="3F6E74"/>
-                </a:solidFill>
-                <a:latin typeface="Menlo"/>
-                <a:ea typeface="Menlo"/>
-                <a:cs typeface="Menlo"/>
-                <a:sym typeface="Menlo"/>
+              <a:defRPr b="0" sz="1100">
+                <a:solidFill>
+                  <a:srgbClr val="5C2699"/>
+                </a:solidFill>
+                <a:latin typeface="Arial"/>
+                <a:ea typeface="Arial"/>
+                <a:cs typeface="Arial"/>
+                <a:sym typeface="Arial"/>
               </a:defRPr>
             </a:pPr>
             <a:r>
@@ -45255,9 +45180,9 @@
             </a:endParaRPr>
           </a:p>
           <a:p>
-            <a:pPr marL="457200" indent="-317500" defTabSz="457200">
+            <a:pPr marL="527755" indent="-388055" defTabSz="457200">
               <a:lnSpc>
-                <a:spcPts val="2300"/>
+                <a:spcPts val="1700"/>
               </a:lnSpc>
               <a:spcBef>
                 <a:spcPts val="0"/>
@@ -45268,14 +45193,14 @@
               <a:buSzPct val="100000"/>
               <a:buFont typeface="Menlo"/>
               <a:buChar char="•"/>
-              <a:defRPr b="0" sz="900">
-                <a:solidFill>
-                  <a:srgbClr val="3F6E74"/>
-                </a:solidFill>
-                <a:latin typeface="Menlo"/>
-                <a:ea typeface="Menlo"/>
-                <a:cs typeface="Menlo"/>
-                <a:sym typeface="Menlo"/>
+              <a:defRPr b="0" sz="1100">
+                <a:solidFill>
+                  <a:srgbClr val="5C2699"/>
+                </a:solidFill>
+                <a:latin typeface="Arial"/>
+                <a:ea typeface="Arial"/>
+                <a:cs typeface="Arial"/>
+                <a:sym typeface="Arial"/>
               </a:defRPr>
             </a:pPr>
             <a:r>
@@ -45374,9 +45299,9 @@
             </a:endParaRPr>
           </a:p>
           <a:p>
-            <a:pPr marL="457200" indent="-317500" defTabSz="457200">
+            <a:pPr marL="527755" indent="-388055" defTabSz="457200">
               <a:lnSpc>
-                <a:spcPts val="2300"/>
+                <a:spcPts val="1700"/>
               </a:lnSpc>
               <a:spcBef>
                 <a:spcPts val="0"/>
@@ -45387,14 +45312,14 @@
               <a:buSzPct val="100000"/>
               <a:buFont typeface="Menlo"/>
               <a:buChar char="•"/>
-              <a:defRPr b="0" sz="900">
-                <a:solidFill>
-                  <a:srgbClr val="333333"/>
-                </a:solidFill>
-                <a:latin typeface="Menlo"/>
-                <a:ea typeface="Menlo"/>
-                <a:cs typeface="Menlo"/>
-                <a:sym typeface="Menlo"/>
+              <a:defRPr b="0" sz="1100">
+                <a:solidFill>
+                  <a:srgbClr val="5C2699"/>
+                </a:solidFill>
+                <a:latin typeface="Arial"/>
+                <a:ea typeface="Arial"/>
+                <a:cs typeface="Arial"/>
+                <a:sym typeface="Arial"/>
               </a:defRPr>
             </a:pPr>
             <a:r>
@@ -45402,9 +45327,9 @@
             </a:r>
           </a:p>
           <a:p>
-            <a:pPr marL="457200" indent="-317500" defTabSz="457200">
+            <a:pPr marL="527755" indent="-388055" defTabSz="457200">
               <a:lnSpc>
-                <a:spcPts val="2300"/>
+                <a:spcPts val="1700"/>
               </a:lnSpc>
               <a:spcBef>
                 <a:spcPts val="0"/>
@@ -45415,14 +45340,14 @@
               <a:buSzPct val="100000"/>
               <a:buFont typeface="Menlo"/>
               <a:buChar char="•"/>
-              <a:defRPr b="0" sz="900">
-                <a:solidFill>
-                  <a:srgbClr val="007400"/>
-                </a:solidFill>
-                <a:latin typeface="Menlo"/>
-                <a:ea typeface="Menlo"/>
-                <a:cs typeface="Menlo"/>
-                <a:sym typeface="Menlo"/>
+              <a:defRPr b="0" sz="1100">
+                <a:solidFill>
+                  <a:srgbClr val="5C2699"/>
+                </a:solidFill>
+                <a:latin typeface="Arial"/>
+                <a:ea typeface="Arial"/>
+                <a:cs typeface="Arial"/>
+                <a:sym typeface="Arial"/>
               </a:defRPr>
             </a:pPr>
             <a:r>
@@ -45435,9 +45360,9 @@
             </a:endParaRPr>
           </a:p>
           <a:p>
-            <a:pPr marL="457200" indent="-317500" defTabSz="457200">
+            <a:pPr marL="527755" indent="-388055" defTabSz="457200">
               <a:lnSpc>
-                <a:spcPts val="2300"/>
+                <a:spcPts val="1700"/>
               </a:lnSpc>
               <a:spcBef>
                 <a:spcPts val="0"/>
@@ -45448,14 +45373,14 @@
               <a:buSzPct val="100000"/>
               <a:buFont typeface="Menlo"/>
               <a:buChar char="•"/>
-              <a:defRPr b="0" sz="900">
-                <a:solidFill>
-                  <a:srgbClr val="007400"/>
-                </a:solidFill>
-                <a:latin typeface="Menlo"/>
-                <a:ea typeface="Menlo"/>
-                <a:cs typeface="Menlo"/>
-                <a:sym typeface="Menlo"/>
+              <a:defRPr b="0" sz="1100">
+                <a:solidFill>
+                  <a:srgbClr val="5C2699"/>
+                </a:solidFill>
+                <a:latin typeface="Arial"/>
+                <a:ea typeface="Arial"/>
+                <a:cs typeface="Arial"/>
+                <a:sym typeface="Arial"/>
               </a:defRPr>
             </a:pPr>
             <a:r>
@@ -45468,9 +45393,9 @@
             </a:endParaRPr>
           </a:p>
           <a:p>
-            <a:pPr marL="457200" indent="-317500" defTabSz="457200">
+            <a:pPr marL="527755" indent="-388055" defTabSz="457200">
               <a:lnSpc>
-                <a:spcPts val="2300"/>
+                <a:spcPts val="1700"/>
               </a:lnSpc>
               <a:spcBef>
                 <a:spcPts val="0"/>
@@ -45481,14 +45406,14 @@
               <a:buSzPct val="100000"/>
               <a:buFont typeface="Menlo"/>
               <a:buChar char="•"/>
-              <a:defRPr b="0" sz="900">
-                <a:solidFill>
-                  <a:srgbClr val="007400"/>
-                </a:solidFill>
-                <a:latin typeface="Menlo"/>
-                <a:ea typeface="Menlo"/>
-                <a:cs typeface="Menlo"/>
-                <a:sym typeface="Menlo"/>
+              <a:defRPr b="0" sz="1100">
+                <a:solidFill>
+                  <a:srgbClr val="5C2699"/>
+                </a:solidFill>
+                <a:latin typeface="Arial"/>
+                <a:ea typeface="Arial"/>
+                <a:cs typeface="Arial"/>
+                <a:sym typeface="Arial"/>
               </a:defRPr>
             </a:pPr>
             <a:r>
@@ -45642,7 +45567,7 @@
         <p:spPr>
           <a:xfrm>
             <a:off x="576953" y="1101687"/>
-            <a:ext cx="3726804" cy="1374141"/>
+            <a:ext cx="3098884" cy="1805065"/>
           </a:xfrm>
           <a:prstGeom prst="rect">
             <a:avLst/>
@@ -45662,9 +45587,9 @@
           </a:bodyPr>
           <a:lstStyle/>
           <a:p>
-            <a:pPr marL="457200" indent="-317500" defTabSz="457200">
+            <a:pPr marL="527755" indent="-388055" defTabSz="457200">
               <a:lnSpc>
-                <a:spcPts val="2300"/>
+                <a:spcPts val="1700"/>
               </a:lnSpc>
               <a:spcBef>
                 <a:spcPts val="0"/>
@@ -45675,14 +45600,14 @@
               <a:buSzPct val="100000"/>
               <a:buFont typeface="Menlo"/>
               <a:buChar char="•"/>
-              <a:defRPr b="0" sz="900">
-                <a:solidFill>
-                  <a:srgbClr val="AA0D91"/>
-                </a:solidFill>
-                <a:latin typeface="Menlo"/>
-                <a:ea typeface="Menlo"/>
-                <a:cs typeface="Menlo"/>
-                <a:sym typeface="Menlo"/>
+              <a:defRPr b="0" sz="1100">
+                <a:solidFill>
+                  <a:srgbClr val="5C2699"/>
+                </a:solidFill>
+                <a:latin typeface="Arial"/>
+                <a:ea typeface="Arial"/>
+                <a:cs typeface="Arial"/>
+                <a:sym typeface="Arial"/>
               </a:defRPr>
             </a:pPr>
             <a:r>
@@ -45762,9 +45687,9 @@
             </a:endParaRPr>
           </a:p>
           <a:p>
-            <a:pPr marL="457200" indent="-317500" defTabSz="457200">
+            <a:pPr marL="527755" indent="-388055" defTabSz="457200">
               <a:lnSpc>
-                <a:spcPts val="2300"/>
+                <a:spcPts val="1700"/>
               </a:lnSpc>
               <a:spcBef>
                 <a:spcPts val="0"/>
@@ -45775,14 +45700,14 @@
               <a:buSzPct val="100000"/>
               <a:buFont typeface="Menlo"/>
               <a:buChar char="•"/>
-              <a:defRPr b="0" sz="900">
-                <a:solidFill>
-                  <a:srgbClr val="C41A16"/>
-                </a:solidFill>
-                <a:latin typeface="Menlo"/>
-                <a:ea typeface="Menlo"/>
-                <a:cs typeface="Menlo"/>
-                <a:sym typeface="Menlo"/>
+              <a:defRPr b="0" sz="1100">
+                <a:solidFill>
+                  <a:srgbClr val="5C2699"/>
+                </a:solidFill>
+                <a:latin typeface="Arial"/>
+                <a:ea typeface="Arial"/>
+                <a:cs typeface="Arial"/>
+                <a:sym typeface="Arial"/>
               </a:defRPr>
             </a:pPr>
             <a:r>
@@ -45897,9 +45822,9 @@
             </a:endParaRPr>
           </a:p>
           <a:p>
-            <a:pPr marL="457200" indent="-317500" defTabSz="457200">
+            <a:pPr marL="527755" indent="-388055" defTabSz="457200">
               <a:lnSpc>
-                <a:spcPts val="2300"/>
+                <a:spcPts val="1700"/>
               </a:lnSpc>
               <a:spcBef>
                 <a:spcPts val="0"/>
@@ -45910,14 +45835,14 @@
               <a:buSzPct val="100000"/>
               <a:buFont typeface="Menlo"/>
               <a:buChar char="•"/>
-              <a:defRPr b="0" sz="900">
-                <a:solidFill>
-                  <a:srgbClr val="333333"/>
-                </a:solidFill>
-                <a:latin typeface="Menlo"/>
-                <a:ea typeface="Menlo"/>
-                <a:cs typeface="Menlo"/>
-                <a:sym typeface="Menlo"/>
+              <a:defRPr b="0" sz="1100">
+                <a:solidFill>
+                  <a:srgbClr val="5C2699"/>
+                </a:solidFill>
+                <a:latin typeface="Arial"/>
+                <a:ea typeface="Arial"/>
+                <a:cs typeface="Arial"/>
+                <a:sym typeface="Arial"/>
               </a:defRPr>
             </a:pPr>
             <a:r>
@@ -45925,9 +45850,9 @@
             </a:r>
           </a:p>
           <a:p>
-            <a:pPr marL="457200" indent="-317500" defTabSz="457200">
+            <a:pPr marL="527755" indent="-388055" defTabSz="457200">
               <a:lnSpc>
-                <a:spcPts val="2300"/>
+                <a:spcPts val="1700"/>
               </a:lnSpc>
               <a:spcBef>
                 <a:spcPts val="0"/>
@@ -45938,14 +45863,14 @@
               <a:buSzPct val="100000"/>
               <a:buFont typeface="Menlo"/>
               <a:buChar char="•"/>
-              <a:defRPr b="0" sz="900">
-                <a:solidFill>
-                  <a:srgbClr val="007400"/>
-                </a:solidFill>
-                <a:latin typeface="Menlo"/>
-                <a:ea typeface="Menlo"/>
-                <a:cs typeface="Menlo"/>
-                <a:sym typeface="Menlo"/>
+              <a:defRPr b="0" sz="1100">
+                <a:solidFill>
+                  <a:srgbClr val="5C2699"/>
+                </a:solidFill>
+                <a:latin typeface="Arial"/>
+                <a:ea typeface="Arial"/>
+                <a:cs typeface="Arial"/>
+                <a:sym typeface="Arial"/>
               </a:defRPr>
             </a:pPr>
             <a:r>
@@ -45958,9 +45883,9 @@
             </a:endParaRPr>
           </a:p>
           <a:p>
-            <a:pPr marL="457200" indent="-317500" defTabSz="457200">
+            <a:pPr marL="527755" indent="-388055" defTabSz="457200">
               <a:lnSpc>
-                <a:spcPts val="2300"/>
+                <a:spcPts val="1700"/>
               </a:lnSpc>
               <a:spcBef>
                 <a:spcPts val="0"/>
@@ -45971,14 +45896,14 @@
               <a:buSzPct val="100000"/>
               <a:buFont typeface="Menlo"/>
               <a:buChar char="•"/>
-              <a:defRPr b="0" sz="900">
-                <a:solidFill>
-                  <a:srgbClr val="007400"/>
-                </a:solidFill>
-                <a:latin typeface="Menlo"/>
-                <a:ea typeface="Menlo"/>
-                <a:cs typeface="Menlo"/>
-                <a:sym typeface="Menlo"/>
+              <a:defRPr b="0" sz="1100">
+                <a:solidFill>
+                  <a:srgbClr val="5C2699"/>
+                </a:solidFill>
+                <a:latin typeface="Arial"/>
+                <a:ea typeface="Arial"/>
+                <a:cs typeface="Arial"/>
+                <a:sym typeface="Arial"/>
               </a:defRPr>
             </a:pPr>
             <a:r>
@@ -45991,9 +45916,9 @@
             </a:endParaRPr>
           </a:p>
           <a:p>
-            <a:pPr marL="457200" indent="-317500" defTabSz="457200">
+            <a:pPr marL="527755" indent="-388055" defTabSz="457200">
               <a:lnSpc>
-                <a:spcPts val="2300"/>
+                <a:spcPts val="1700"/>
               </a:lnSpc>
               <a:spcBef>
                 <a:spcPts val="0"/>
@@ -46004,14 +45929,14 @@
               <a:buSzPct val="100000"/>
               <a:buFont typeface="Menlo"/>
               <a:buChar char="•"/>
-              <a:defRPr b="0" sz="900">
-                <a:solidFill>
-                  <a:srgbClr val="007400"/>
-                </a:solidFill>
-                <a:latin typeface="Menlo"/>
-                <a:ea typeface="Menlo"/>
-                <a:cs typeface="Menlo"/>
-                <a:sym typeface="Menlo"/>
+              <a:defRPr b="0" sz="1100">
+                <a:solidFill>
+                  <a:srgbClr val="5C2699"/>
+                </a:solidFill>
+                <a:latin typeface="Arial"/>
+                <a:ea typeface="Arial"/>
+                <a:cs typeface="Arial"/>
+                <a:sym typeface="Arial"/>
               </a:defRPr>
             </a:pPr>
             <a:r>
@@ -46024,9 +45949,9 @@
             </a:endParaRPr>
           </a:p>
           <a:p>
-            <a:pPr marL="457200" indent="-317500" defTabSz="457200">
+            <a:pPr marL="527755" indent="-388055" defTabSz="457200">
               <a:lnSpc>
-                <a:spcPts val="2300"/>
+                <a:spcPts val="1700"/>
               </a:lnSpc>
               <a:spcBef>
                 <a:spcPts val="0"/>
@@ -46037,14 +45962,14 @@
               <a:buSzPct val="100000"/>
               <a:buFont typeface="Menlo"/>
               <a:buChar char="•"/>
-              <a:defRPr b="0" sz="900">
-                <a:solidFill>
-                  <a:srgbClr val="007400"/>
-                </a:solidFill>
-                <a:latin typeface="Menlo"/>
-                <a:ea typeface="Menlo"/>
-                <a:cs typeface="Menlo"/>
-                <a:sym typeface="Menlo"/>
+              <a:defRPr b="0" sz="1100">
+                <a:solidFill>
+                  <a:srgbClr val="5C2699"/>
+                </a:solidFill>
+                <a:latin typeface="Arial"/>
+                <a:ea typeface="Arial"/>
+                <a:cs typeface="Arial"/>
+                <a:sym typeface="Arial"/>
               </a:defRPr>
             </a:pPr>
             <a:r>
@@ -46057,9 +45982,9 @@
             </a:endParaRPr>
           </a:p>
           <a:p>
-            <a:pPr marL="457200" indent="-317500" defTabSz="457200">
+            <a:pPr marL="527755" indent="-388055" defTabSz="457200">
               <a:lnSpc>
-                <a:spcPts val="2300"/>
+                <a:spcPts val="1700"/>
               </a:lnSpc>
               <a:spcBef>
                 <a:spcPts val="0"/>
@@ -46070,14 +45995,14 @@
               <a:buSzPct val="100000"/>
               <a:buFont typeface="Menlo"/>
               <a:buChar char="•"/>
-              <a:defRPr b="0" sz="900">
-                <a:solidFill>
-                  <a:srgbClr val="007400"/>
-                </a:solidFill>
-                <a:latin typeface="Menlo"/>
-                <a:ea typeface="Menlo"/>
-                <a:cs typeface="Menlo"/>
-                <a:sym typeface="Menlo"/>
+              <a:defRPr b="0" sz="1100">
+                <a:solidFill>
+                  <a:srgbClr val="5C2699"/>
+                </a:solidFill>
+                <a:latin typeface="Arial"/>
+                <a:ea typeface="Arial"/>
+                <a:cs typeface="Arial"/>
+                <a:sym typeface="Arial"/>
               </a:defRPr>
             </a:pPr>
             <a:r>
@@ -46094,8 +46019,8 @@
         </p:nvSpPr>
         <p:spPr>
           <a:xfrm>
-            <a:off x="576953" y="2958550"/>
-            <a:ext cx="4346133" cy="1539241"/>
+            <a:off x="4276649" y="1106364"/>
+            <a:ext cx="3844314" cy="2020965"/>
           </a:xfrm>
           <a:prstGeom prst="rect">
             <a:avLst/>
@@ -46115,9 +46040,9 @@
           </a:bodyPr>
           <a:lstStyle/>
           <a:p>
-            <a:pPr marL="457200" indent="-317500" defTabSz="457200">
+            <a:pPr marL="527755" indent="-388055" defTabSz="457200">
               <a:lnSpc>
-                <a:spcPts val="2300"/>
+                <a:spcPts val="1700"/>
               </a:lnSpc>
               <a:spcBef>
                 <a:spcPts val="0"/>
@@ -46128,14 +46053,14 @@
               <a:buSzPct val="100000"/>
               <a:buFont typeface="Menlo"/>
               <a:buChar char="•"/>
-              <a:defRPr b="0" sz="900">
-                <a:solidFill>
-                  <a:srgbClr val="AA0D91"/>
-                </a:solidFill>
-                <a:latin typeface="Menlo"/>
-                <a:ea typeface="Menlo"/>
-                <a:cs typeface="Menlo"/>
-                <a:sym typeface="Menlo"/>
+              <a:defRPr b="0" sz="1100">
+                <a:solidFill>
+                  <a:srgbClr val="5C2699"/>
+                </a:solidFill>
+                <a:latin typeface="Arial"/>
+                <a:ea typeface="Arial"/>
+                <a:cs typeface="Arial"/>
+                <a:sym typeface="Arial"/>
               </a:defRPr>
             </a:pPr>
             <a:r>
@@ -46180,9 +46105,9 @@
             </a:endParaRPr>
           </a:p>
           <a:p>
-            <a:pPr marL="457200" indent="-317500" defTabSz="457200">
+            <a:pPr marL="527755" indent="-388055" defTabSz="457200">
               <a:lnSpc>
-                <a:spcPts val="2300"/>
+                <a:spcPts val="1700"/>
               </a:lnSpc>
               <a:spcBef>
                 <a:spcPts val="0"/>
@@ -46193,14 +46118,14 @@
               <a:buSzPct val="100000"/>
               <a:buFont typeface="Menlo"/>
               <a:buChar char="•"/>
-              <a:defRPr b="0" sz="900">
-                <a:solidFill>
-                  <a:srgbClr val="AA0D91"/>
-                </a:solidFill>
-                <a:latin typeface="Menlo"/>
-                <a:ea typeface="Menlo"/>
-                <a:cs typeface="Menlo"/>
-                <a:sym typeface="Menlo"/>
+              <a:defRPr b="0" sz="1100">
+                <a:solidFill>
+                  <a:srgbClr val="5C2699"/>
+                </a:solidFill>
+                <a:latin typeface="Arial"/>
+                <a:ea typeface="Arial"/>
+                <a:cs typeface="Arial"/>
+                <a:sym typeface="Arial"/>
               </a:defRPr>
             </a:pPr>
             <a:r>
@@ -46245,9 +46170,9 @@
             </a:endParaRPr>
           </a:p>
           <a:p>
-            <a:pPr marL="457200" indent="-317500" defTabSz="457200">
+            <a:pPr marL="527755" indent="-388055" defTabSz="457200">
               <a:lnSpc>
-                <a:spcPts val="2300"/>
+                <a:spcPts val="1700"/>
               </a:lnSpc>
               <a:spcBef>
                 <a:spcPts val="0"/>
@@ -46258,14 +46183,14 @@
               <a:buSzPct val="100000"/>
               <a:buFont typeface="Menlo"/>
               <a:buChar char="•"/>
-              <a:defRPr b="0" sz="900">
-                <a:solidFill>
-                  <a:srgbClr val="AA0D91"/>
-                </a:solidFill>
-                <a:latin typeface="Menlo"/>
-                <a:ea typeface="Menlo"/>
-                <a:cs typeface="Menlo"/>
-                <a:sym typeface="Menlo"/>
+              <a:defRPr b="0" sz="1100">
+                <a:solidFill>
+                  <a:srgbClr val="5C2699"/>
+                </a:solidFill>
+                <a:latin typeface="Arial"/>
+                <a:ea typeface="Arial"/>
+                <a:cs typeface="Arial"/>
+                <a:sym typeface="Arial"/>
               </a:defRPr>
             </a:pPr>
             <a:r>
@@ -46310,9 +46235,9 @@
             </a:endParaRPr>
           </a:p>
           <a:p>
-            <a:pPr marL="457200" indent="-317500" defTabSz="457200">
+            <a:pPr marL="527755" indent="-388055" defTabSz="457200">
               <a:lnSpc>
-                <a:spcPts val="2300"/>
+                <a:spcPts val="1700"/>
               </a:lnSpc>
               <a:spcBef>
                 <a:spcPts val="0"/>
@@ -46323,14 +46248,14 @@
               <a:buSzPct val="100000"/>
               <a:buFont typeface="Menlo"/>
               <a:buChar char="•"/>
-              <a:defRPr b="0" sz="900">
-                <a:solidFill>
-                  <a:srgbClr val="AA0D91"/>
-                </a:solidFill>
-                <a:latin typeface="Menlo"/>
-                <a:ea typeface="Menlo"/>
-                <a:cs typeface="Menlo"/>
-                <a:sym typeface="Menlo"/>
+              <a:defRPr b="0" sz="1100">
+                <a:solidFill>
+                  <a:srgbClr val="5C2699"/>
+                </a:solidFill>
+                <a:latin typeface="Arial"/>
+                <a:ea typeface="Arial"/>
+                <a:cs typeface="Arial"/>
+                <a:sym typeface="Arial"/>
               </a:defRPr>
             </a:pPr>
             <a:r>
@@ -46405,9 +46330,9 @@
             </a:endParaRPr>
           </a:p>
           <a:p>
-            <a:pPr marL="457200" indent="-317500" defTabSz="457200">
+            <a:pPr marL="527755" indent="-388055" defTabSz="457200">
               <a:lnSpc>
-                <a:spcPts val="2300"/>
+                <a:spcPts val="1700"/>
               </a:lnSpc>
               <a:spcBef>
                 <a:spcPts val="0"/>
@@ -46418,14 +46343,14 @@
               <a:buSzPct val="100000"/>
               <a:buFont typeface="Menlo"/>
               <a:buChar char="•"/>
-              <a:defRPr b="0" sz="900">
-                <a:solidFill>
-                  <a:srgbClr val="333333"/>
-                </a:solidFill>
-                <a:latin typeface="Menlo"/>
-                <a:ea typeface="Menlo"/>
-                <a:cs typeface="Menlo"/>
-                <a:sym typeface="Menlo"/>
+              <a:defRPr b="0" sz="1100">
+                <a:solidFill>
+                  <a:srgbClr val="5C2699"/>
+                </a:solidFill>
+                <a:latin typeface="Arial"/>
+                <a:ea typeface="Arial"/>
+                <a:cs typeface="Arial"/>
+                <a:sym typeface="Arial"/>
               </a:defRPr>
             </a:pPr>
             <a:r>
@@ -46452,9 +46377,9 @@
             </a:r>
           </a:p>
           <a:p>
-            <a:pPr marL="457200" indent="-317500" defTabSz="457200">
+            <a:pPr marL="527755" indent="-388055" defTabSz="457200">
               <a:lnSpc>
-                <a:spcPts val="2300"/>
+                <a:spcPts val="1700"/>
               </a:lnSpc>
               <a:spcBef>
                 <a:spcPts val="0"/>
@@ -46465,14 +46390,14 @@
               <a:buSzPct val="100000"/>
               <a:buFont typeface="Menlo"/>
               <a:buChar char="•"/>
-              <a:defRPr b="0" sz="900">
-                <a:solidFill>
-                  <a:srgbClr val="333333"/>
-                </a:solidFill>
-                <a:latin typeface="Menlo"/>
-                <a:ea typeface="Menlo"/>
-                <a:cs typeface="Menlo"/>
-                <a:sym typeface="Menlo"/>
+              <a:defRPr b="0" sz="1100">
+                <a:solidFill>
+                  <a:srgbClr val="5C2699"/>
+                </a:solidFill>
+                <a:latin typeface="Arial"/>
+                <a:ea typeface="Arial"/>
+                <a:cs typeface="Arial"/>
+                <a:sym typeface="Arial"/>
               </a:defRPr>
             </a:pPr>
             <a:r>
@@ -46480,9 +46405,9 @@
             </a:r>
           </a:p>
           <a:p>
-            <a:pPr marL="457200" indent="-317500" defTabSz="457200">
+            <a:pPr marL="527755" indent="-388055" defTabSz="457200">
               <a:lnSpc>
-                <a:spcPts val="2300"/>
+                <a:spcPts val="1700"/>
               </a:lnSpc>
               <a:spcBef>
                 <a:spcPts val="0"/>
@@ -46493,14 +46418,14 @@
               <a:buSzPct val="100000"/>
               <a:buFont typeface="Menlo"/>
               <a:buChar char="•"/>
-              <a:defRPr b="0" sz="900">
-                <a:solidFill>
-                  <a:srgbClr val="C41A16"/>
-                </a:solidFill>
-                <a:latin typeface="Menlo"/>
-                <a:ea typeface="Menlo"/>
-                <a:cs typeface="Menlo"/>
-                <a:sym typeface="Menlo"/>
+              <a:defRPr b="0" sz="1100">
+                <a:solidFill>
+                  <a:srgbClr val="5C2699"/>
+                </a:solidFill>
+                <a:latin typeface="Arial"/>
+                <a:ea typeface="Arial"/>
+                <a:cs typeface="Arial"/>
+                <a:sym typeface="Arial"/>
               </a:defRPr>
             </a:pPr>
             <a:r>
@@ -46618,9 +46543,9 @@
             </a:endParaRPr>
           </a:p>
           <a:p>
-            <a:pPr marL="457200" indent="-317500" defTabSz="457200">
+            <a:pPr marL="527755" indent="-388055" defTabSz="457200">
               <a:lnSpc>
-                <a:spcPts val="2300"/>
+                <a:spcPts val="1700"/>
               </a:lnSpc>
               <a:spcBef>
                 <a:spcPts val="0"/>
@@ -46631,14 +46556,14 @@
               <a:buSzPct val="100000"/>
               <a:buFont typeface="Menlo"/>
               <a:buChar char="•"/>
-              <a:defRPr b="0" sz="900">
-                <a:solidFill>
-                  <a:srgbClr val="007400"/>
-                </a:solidFill>
-                <a:latin typeface="Menlo"/>
-                <a:ea typeface="Menlo"/>
-                <a:cs typeface="Menlo"/>
-                <a:sym typeface="Menlo"/>
+              <a:defRPr b="0" sz="1100">
+                <a:solidFill>
+                  <a:srgbClr val="5C2699"/>
+                </a:solidFill>
+                <a:latin typeface="Arial"/>
+                <a:ea typeface="Arial"/>
+                <a:cs typeface="Arial"/>
+                <a:sym typeface="Arial"/>
               </a:defRPr>
             </a:pPr>
             <a:r>
@@ -46792,7 +46717,7 @@
         <p:spPr>
           <a:xfrm>
             <a:off x="576953" y="1101687"/>
-            <a:ext cx="4070876" cy="713741"/>
+            <a:ext cx="3636538" cy="941465"/>
           </a:xfrm>
           <a:prstGeom prst="rect">
             <a:avLst/>
@@ -46812,9 +46737,9 @@
           </a:bodyPr>
           <a:lstStyle/>
           <a:p>
-            <a:pPr marL="457200" indent="-317500" defTabSz="457200">
+            <a:pPr marL="527755" indent="-388055" defTabSz="457200">
               <a:lnSpc>
-                <a:spcPts val="2300"/>
+                <a:spcPts val="1700"/>
               </a:lnSpc>
               <a:spcBef>
                 <a:spcPts val="0"/>
@@ -46825,14 +46750,14 @@
               <a:buSzPct val="100000"/>
               <a:buFont typeface="Menlo"/>
               <a:buChar char="•"/>
-              <a:defRPr b="0" sz="900">
-                <a:solidFill>
-                  <a:srgbClr val="3F6E74"/>
-                </a:solidFill>
-                <a:latin typeface="Menlo"/>
-                <a:ea typeface="Menlo"/>
-                <a:cs typeface="Menlo"/>
-                <a:sym typeface="Menlo"/>
+              <a:defRPr b="0" sz="1100">
+                <a:solidFill>
+                  <a:srgbClr val="5C2699"/>
+                </a:solidFill>
+                <a:latin typeface="Arial"/>
+                <a:ea typeface="Arial"/>
+                <a:cs typeface="Arial"/>
+                <a:sym typeface="Arial"/>
               </a:defRPr>
             </a:pPr>
             <a:r>
@@ -46877,9 +46802,9 @@
             </a:endParaRPr>
           </a:p>
           <a:p>
-            <a:pPr marL="457200" indent="-317500" defTabSz="457200">
+            <a:pPr marL="527755" indent="-388055" defTabSz="457200">
               <a:lnSpc>
-                <a:spcPts val="2300"/>
+                <a:spcPts val="1700"/>
               </a:lnSpc>
               <a:spcBef>
                 <a:spcPts val="0"/>
@@ -46890,14 +46815,14 @@
               <a:buSzPct val="100000"/>
               <a:buFont typeface="Menlo"/>
               <a:buChar char="•"/>
-              <a:defRPr b="0" sz="900">
-                <a:solidFill>
-                  <a:srgbClr val="3F6E74"/>
-                </a:solidFill>
-                <a:latin typeface="Menlo"/>
-                <a:ea typeface="Menlo"/>
-                <a:cs typeface="Menlo"/>
-                <a:sym typeface="Menlo"/>
+              <a:defRPr b="0" sz="1100">
+                <a:solidFill>
+                  <a:srgbClr val="5C2699"/>
+                </a:solidFill>
+                <a:latin typeface="Arial"/>
+                <a:ea typeface="Arial"/>
+                <a:cs typeface="Arial"/>
+                <a:sym typeface="Arial"/>
               </a:defRPr>
             </a:pPr>
             <a:r>
@@ -46977,9 +46902,9 @@
             </a:endParaRPr>
           </a:p>
           <a:p>
-            <a:pPr marL="457200" indent="-317500" defTabSz="457200">
+            <a:pPr marL="527755" indent="-388055" defTabSz="457200">
               <a:lnSpc>
-                <a:spcPts val="2300"/>
+                <a:spcPts val="1700"/>
               </a:lnSpc>
               <a:spcBef>
                 <a:spcPts val="0"/>
@@ -46990,14 +46915,14 @@
               <a:buSzPct val="100000"/>
               <a:buFont typeface="Menlo"/>
               <a:buChar char="•"/>
-              <a:defRPr b="0" sz="900">
-                <a:solidFill>
-                  <a:srgbClr val="007400"/>
-                </a:solidFill>
-                <a:latin typeface="Menlo"/>
-                <a:ea typeface="Menlo"/>
-                <a:cs typeface="Menlo"/>
-                <a:sym typeface="Menlo"/>
+              <a:defRPr b="0" sz="1100">
+                <a:solidFill>
+                  <a:srgbClr val="5C2699"/>
+                </a:solidFill>
+                <a:latin typeface="Arial"/>
+                <a:ea typeface="Arial"/>
+                <a:cs typeface="Arial"/>
+                <a:sym typeface="Arial"/>
               </a:defRPr>
             </a:pPr>
             <a:r>
@@ -47018,9 +46943,9 @@
             </a:endParaRPr>
           </a:p>
           <a:p>
-            <a:pPr marL="457200" indent="-317500" defTabSz="457200">
+            <a:pPr marL="527755" indent="-388055" defTabSz="457200">
               <a:lnSpc>
-                <a:spcPts val="2300"/>
+                <a:spcPts val="1700"/>
               </a:lnSpc>
               <a:spcBef>
                 <a:spcPts val="0"/>
@@ -47031,14 +46956,14 @@
               <a:buSzPct val="100000"/>
               <a:buFont typeface="Menlo"/>
               <a:buChar char="•"/>
-              <a:defRPr b="0" sz="900">
-                <a:solidFill>
-                  <a:srgbClr val="333333"/>
-                </a:solidFill>
-                <a:latin typeface="Menlo"/>
-                <a:ea typeface="Menlo"/>
-                <a:cs typeface="Menlo"/>
-                <a:sym typeface="Menlo"/>
+              <a:defRPr b="0" sz="1100">
+                <a:solidFill>
+                  <a:srgbClr val="5C2699"/>
+                </a:solidFill>
+                <a:latin typeface="Arial"/>
+                <a:ea typeface="Arial"/>
+                <a:cs typeface="Arial"/>
+                <a:sym typeface="Arial"/>
               </a:defRPr>
             </a:pPr>
             <a:r>
@@ -47055,8 +46980,8 @@
         </p:nvSpPr>
         <p:spPr>
           <a:xfrm>
-            <a:off x="576953" y="2013748"/>
-            <a:ext cx="5653607" cy="713741"/>
+            <a:off x="572276" y="2101017"/>
+            <a:ext cx="4848135" cy="941466"/>
           </a:xfrm>
           <a:prstGeom prst="rect">
             <a:avLst/>
@@ -47076,9 +47001,9 @@
           </a:bodyPr>
           <a:lstStyle/>
           <a:p>
-            <a:pPr marL="457200" indent="-317500" defTabSz="457200">
+            <a:pPr marL="527755" indent="-388055" defTabSz="457200">
               <a:lnSpc>
-                <a:spcPts val="2300"/>
+                <a:spcPts val="1700"/>
               </a:lnSpc>
               <a:spcBef>
                 <a:spcPts val="0"/>
@@ -47089,14 +47014,14 @@
               <a:buSzPct val="100000"/>
               <a:buFont typeface="Menlo"/>
               <a:buChar char="•"/>
-              <a:defRPr b="0" sz="900">
-                <a:solidFill>
-                  <a:srgbClr val="3F6E74"/>
-                </a:solidFill>
-                <a:latin typeface="Menlo"/>
-                <a:ea typeface="Menlo"/>
-                <a:cs typeface="Menlo"/>
-                <a:sym typeface="Menlo"/>
+              <a:defRPr b="0" sz="1100">
+                <a:solidFill>
+                  <a:srgbClr val="5C2699"/>
+                </a:solidFill>
+                <a:latin typeface="Arial"/>
+                <a:ea typeface="Arial"/>
+                <a:cs typeface="Arial"/>
+                <a:sym typeface="Arial"/>
               </a:defRPr>
             </a:pPr>
             <a:r>
@@ -47141,9 +47066,9 @@
             </a:endParaRPr>
           </a:p>
           <a:p>
-            <a:pPr marL="457200" indent="-317500" defTabSz="457200">
+            <a:pPr marL="527755" indent="-388055" defTabSz="457200">
               <a:lnSpc>
-                <a:spcPts val="2300"/>
+                <a:spcPts val="1700"/>
               </a:lnSpc>
               <a:spcBef>
                 <a:spcPts val="0"/>
@@ -47154,14 +47079,14 @@
               <a:buSzPct val="100000"/>
               <a:buFont typeface="Menlo"/>
               <a:buChar char="•"/>
-              <a:defRPr b="0" sz="900">
-                <a:solidFill>
-                  <a:srgbClr val="3F6E74"/>
-                </a:solidFill>
-                <a:latin typeface="Menlo"/>
-                <a:ea typeface="Menlo"/>
-                <a:cs typeface="Menlo"/>
-                <a:sym typeface="Menlo"/>
+              <a:defRPr b="0" sz="1100">
+                <a:solidFill>
+                  <a:srgbClr val="5C2699"/>
+                </a:solidFill>
+                <a:latin typeface="Arial"/>
+                <a:ea typeface="Arial"/>
+                <a:cs typeface="Arial"/>
+                <a:sym typeface="Arial"/>
               </a:defRPr>
             </a:pPr>
             <a:r>
@@ -47296,9 +47221,9 @@
             </a:endParaRPr>
           </a:p>
           <a:p>
-            <a:pPr marL="457200" indent="-317500" defTabSz="457200">
+            <a:pPr marL="527755" indent="-388055" defTabSz="457200">
               <a:lnSpc>
-                <a:spcPts val="2300"/>
+                <a:spcPts val="1700"/>
               </a:lnSpc>
               <a:spcBef>
                 <a:spcPts val="0"/>
@@ -47309,14 +47234,14 @@
               <a:buSzPct val="100000"/>
               <a:buFont typeface="Menlo"/>
               <a:buChar char="•"/>
-              <a:defRPr b="0" sz="900">
-                <a:solidFill>
-                  <a:srgbClr val="007400"/>
-                </a:solidFill>
-                <a:latin typeface="Menlo"/>
-                <a:ea typeface="Menlo"/>
-                <a:cs typeface="Menlo"/>
-                <a:sym typeface="Menlo"/>
+              <a:defRPr b="0" sz="1100">
+                <a:solidFill>
+                  <a:srgbClr val="5C2699"/>
+                </a:solidFill>
+                <a:latin typeface="Arial"/>
+                <a:ea typeface="Arial"/>
+                <a:cs typeface="Arial"/>
+                <a:sym typeface="Arial"/>
               </a:defRPr>
             </a:pPr>
             <a:r>
@@ -47337,9 +47262,9 @@
             </a:endParaRPr>
           </a:p>
           <a:p>
-            <a:pPr marL="457200" indent="-317500" defTabSz="457200">
+            <a:pPr marL="527755" indent="-388055" defTabSz="457200">
               <a:lnSpc>
-                <a:spcPts val="2300"/>
+                <a:spcPts val="1700"/>
               </a:lnSpc>
               <a:spcBef>
                 <a:spcPts val="0"/>
@@ -47350,14 +47275,14 @@
               <a:buSzPct val="100000"/>
               <a:buFont typeface="Menlo"/>
               <a:buChar char="•"/>
-              <a:defRPr b="0" sz="900">
-                <a:solidFill>
-                  <a:srgbClr val="333333"/>
-                </a:solidFill>
-                <a:latin typeface="Menlo"/>
-                <a:ea typeface="Menlo"/>
-                <a:cs typeface="Menlo"/>
-                <a:sym typeface="Menlo"/>
+              <a:defRPr b="0" sz="1100">
+                <a:solidFill>
+                  <a:srgbClr val="5C2699"/>
+                </a:solidFill>
+                <a:latin typeface="Arial"/>
+                <a:ea typeface="Arial"/>
+                <a:cs typeface="Arial"/>
+                <a:sym typeface="Arial"/>
               </a:defRPr>
             </a:pPr>
             <a:r>
@@ -47374,8 +47299,8 @@
         </p:nvSpPr>
         <p:spPr>
           <a:xfrm>
-            <a:off x="576953" y="3089513"/>
-            <a:ext cx="5240721" cy="878841"/>
+            <a:off x="576953" y="3215799"/>
+            <a:ext cx="4552774" cy="1157365"/>
           </a:xfrm>
           <a:prstGeom prst="rect">
             <a:avLst/>
@@ -47395,9 +47320,9 @@
           </a:bodyPr>
           <a:lstStyle/>
           <a:p>
-            <a:pPr marL="457200" indent="-317500" defTabSz="457200">
+            <a:pPr marL="527755" indent="-388055" defTabSz="457200">
               <a:lnSpc>
-                <a:spcPts val="2300"/>
+                <a:spcPts val="1700"/>
               </a:lnSpc>
               <a:spcBef>
                 <a:spcPts val="0"/>
@@ -47408,14 +47333,14 @@
               <a:buSzPct val="100000"/>
               <a:buFont typeface="Menlo"/>
               <a:buChar char="•"/>
-              <a:defRPr b="0" sz="900">
-                <a:solidFill>
-                  <a:srgbClr val="AA0D91"/>
-                </a:solidFill>
-                <a:latin typeface="Menlo"/>
-                <a:ea typeface="Menlo"/>
-                <a:cs typeface="Menlo"/>
-                <a:sym typeface="Menlo"/>
+              <a:defRPr b="0" sz="1100">
+                <a:solidFill>
+                  <a:srgbClr val="5C2699"/>
+                </a:solidFill>
+                <a:latin typeface="Arial"/>
+                <a:ea typeface="Arial"/>
+                <a:cs typeface="Arial"/>
+                <a:sym typeface="Arial"/>
               </a:defRPr>
             </a:pPr>
             <a:r>
@@ -47460,9 +47385,9 @@
             </a:endParaRPr>
           </a:p>
           <a:p>
-            <a:pPr marL="457200" indent="-317500" defTabSz="457200">
+            <a:pPr marL="527755" indent="-388055" defTabSz="457200">
               <a:lnSpc>
-                <a:spcPts val="2300"/>
+                <a:spcPts val="1700"/>
               </a:lnSpc>
               <a:spcBef>
                 <a:spcPts val="0"/>
@@ -47473,14 +47398,14 @@
               <a:buSzPct val="100000"/>
               <a:buFont typeface="Menlo"/>
               <a:buChar char="•"/>
-              <a:defRPr b="0" sz="900">
-                <a:solidFill>
-                  <a:srgbClr val="3F6E74"/>
-                </a:solidFill>
-                <a:latin typeface="Menlo"/>
-                <a:ea typeface="Menlo"/>
-                <a:cs typeface="Menlo"/>
-                <a:sym typeface="Menlo"/>
+              <a:defRPr b="0" sz="1100">
+                <a:solidFill>
+                  <a:srgbClr val="5C2699"/>
+                </a:solidFill>
+                <a:latin typeface="Arial"/>
+                <a:ea typeface="Arial"/>
+                <a:cs typeface="Arial"/>
+                <a:sym typeface="Arial"/>
               </a:defRPr>
             </a:pPr>
             <a:r>
@@ -47525,9 +47450,9 @@
             </a:endParaRPr>
           </a:p>
           <a:p>
-            <a:pPr marL="457200" indent="-317500" defTabSz="457200">
+            <a:pPr marL="527755" indent="-388055" defTabSz="457200">
               <a:lnSpc>
-                <a:spcPts val="2300"/>
+                <a:spcPts val="1700"/>
               </a:lnSpc>
               <a:spcBef>
                 <a:spcPts val="0"/>
@@ -47538,14 +47463,14 @@
               <a:buSzPct val="100000"/>
               <a:buFont typeface="Menlo"/>
               <a:buChar char="•"/>
-              <a:defRPr b="0" sz="900">
-                <a:solidFill>
-                  <a:srgbClr val="3F6E74"/>
-                </a:solidFill>
-                <a:latin typeface="Menlo"/>
-                <a:ea typeface="Menlo"/>
-                <a:cs typeface="Menlo"/>
-                <a:sym typeface="Menlo"/>
+              <a:defRPr b="0" sz="1100">
+                <a:solidFill>
+                  <a:srgbClr val="5C2699"/>
+                </a:solidFill>
+                <a:latin typeface="Arial"/>
+                <a:ea typeface="Arial"/>
+                <a:cs typeface="Arial"/>
+                <a:sym typeface="Arial"/>
               </a:defRPr>
             </a:pPr>
             <a:r>
@@ -47680,9 +47605,9 @@
             </a:endParaRPr>
           </a:p>
           <a:p>
-            <a:pPr marL="457200" indent="-317500" defTabSz="457200">
+            <a:pPr marL="527755" indent="-388055" defTabSz="457200">
               <a:lnSpc>
-                <a:spcPts val="2300"/>
+                <a:spcPts val="1700"/>
               </a:lnSpc>
               <a:spcBef>
                 <a:spcPts val="0"/>
@@ -47693,14 +47618,14 @@
               <a:buSzPct val="100000"/>
               <a:buFont typeface="Menlo"/>
               <a:buChar char="•"/>
-              <a:defRPr b="0" sz="900">
-                <a:solidFill>
-                  <a:srgbClr val="007400"/>
-                </a:solidFill>
-                <a:latin typeface="Menlo"/>
-                <a:ea typeface="Menlo"/>
-                <a:cs typeface="Menlo"/>
-                <a:sym typeface="Menlo"/>
+              <a:defRPr b="0" sz="1100">
+                <a:solidFill>
+                  <a:srgbClr val="5C2699"/>
+                </a:solidFill>
+                <a:latin typeface="Arial"/>
+                <a:ea typeface="Arial"/>
+                <a:cs typeface="Arial"/>
+                <a:sym typeface="Arial"/>
               </a:defRPr>
             </a:pPr>
             <a:r>
@@ -47721,9 +47646,9 @@
             </a:endParaRPr>
           </a:p>
           <a:p>
-            <a:pPr marL="457200" indent="-317500" defTabSz="457200">
+            <a:pPr marL="527755" indent="-388055" defTabSz="457200">
               <a:lnSpc>
-                <a:spcPts val="2300"/>
+                <a:spcPts val="1700"/>
               </a:lnSpc>
               <a:spcBef>
                 <a:spcPts val="0"/>
@@ -47734,14 +47659,14 @@
               <a:buSzPct val="100000"/>
               <a:buFont typeface="Menlo"/>
               <a:buChar char="•"/>
-              <a:defRPr b="0" sz="900">
-                <a:solidFill>
-                  <a:srgbClr val="333333"/>
-                </a:solidFill>
-                <a:latin typeface="Menlo"/>
-                <a:ea typeface="Menlo"/>
-                <a:cs typeface="Menlo"/>
-                <a:sym typeface="Menlo"/>
+              <a:defRPr b="0" sz="1100">
+                <a:solidFill>
+                  <a:srgbClr val="5C2699"/>
+                </a:solidFill>
+                <a:latin typeface="Arial"/>
+                <a:ea typeface="Arial"/>
+                <a:cs typeface="Arial"/>
+                <a:sym typeface="Arial"/>
               </a:defRPr>
             </a:pPr>
             <a:r>
@@ -48050,7 +47975,7 @@
         <p:spPr>
           <a:xfrm>
             <a:off x="497440" y="1094811"/>
-            <a:ext cx="4346133" cy="383541"/>
+            <a:ext cx="3885788" cy="509665"/>
           </a:xfrm>
           <a:prstGeom prst="rect">
             <a:avLst/>
@@ -48070,9 +47995,9 @@
           </a:bodyPr>
           <a:lstStyle/>
           <a:p>
-            <a:pPr marL="457200" indent="-317500" defTabSz="457200">
+            <a:pPr marL="527755" indent="-388055" defTabSz="457200">
               <a:lnSpc>
-                <a:spcPts val="2300"/>
+                <a:spcPts val="1700"/>
               </a:lnSpc>
               <a:spcBef>
                 <a:spcPts val="0"/>
@@ -48083,14 +48008,14 @@
               <a:buSzPct val="100000"/>
               <a:buFont typeface="Menlo"/>
               <a:buChar char="•"/>
-              <a:defRPr b="0" sz="900">
-                <a:solidFill>
-                  <a:srgbClr val="3F6E74"/>
-                </a:solidFill>
-                <a:latin typeface="Menlo"/>
-                <a:ea typeface="Menlo"/>
-                <a:cs typeface="Menlo"/>
-                <a:sym typeface="Menlo"/>
+              <a:defRPr b="0" sz="1100">
+                <a:solidFill>
+                  <a:srgbClr val="5C2699"/>
+                </a:solidFill>
+                <a:latin typeface="Arial"/>
+                <a:ea typeface="Arial"/>
+                <a:cs typeface="Arial"/>
+                <a:sym typeface="Arial"/>
               </a:defRPr>
             </a:pPr>
             <a:r>
@@ -48135,9 +48060,9 @@
             </a:endParaRPr>
           </a:p>
           <a:p>
-            <a:pPr marL="457200" indent="-317500" defTabSz="457200">
+            <a:pPr marL="527755" indent="-388055" defTabSz="457200">
               <a:lnSpc>
-                <a:spcPts val="2300"/>
+                <a:spcPts val="1700"/>
               </a:lnSpc>
               <a:spcBef>
                 <a:spcPts val="0"/>
@@ -48148,14 +48073,14 @@
               <a:buSzPct val="100000"/>
               <a:buFont typeface="Menlo"/>
               <a:buChar char="•"/>
-              <a:defRPr b="0" sz="900">
-                <a:solidFill>
-                  <a:srgbClr val="3F6E74"/>
-                </a:solidFill>
-                <a:latin typeface="Menlo"/>
-                <a:ea typeface="Menlo"/>
-                <a:cs typeface="Menlo"/>
-                <a:sym typeface="Menlo"/>
+              <a:defRPr b="0" sz="1100">
+                <a:solidFill>
+                  <a:srgbClr val="5C2699"/>
+                </a:solidFill>
+                <a:latin typeface="Arial"/>
+                <a:ea typeface="Arial"/>
+                <a:cs typeface="Arial"/>
+                <a:sym typeface="Arial"/>
               </a:defRPr>
             </a:pPr>
             <a:r>
@@ -48273,7 +48198,7 @@
         <p:spPr>
           <a:xfrm>
             <a:off x="497440" y="1580876"/>
-            <a:ext cx="5171906" cy="383541"/>
+            <a:ext cx="4839199" cy="509666"/>
           </a:xfrm>
           <a:prstGeom prst="rect">
             <a:avLst/>
@@ -48293,9 +48218,9 @@
           </a:bodyPr>
           <a:lstStyle/>
           <a:p>
-            <a:pPr marL="457200" indent="-317500" defTabSz="457200">
+            <a:pPr marL="527755" indent="-388055" defTabSz="457200">
               <a:lnSpc>
-                <a:spcPts val="2300"/>
+                <a:spcPts val="1700"/>
               </a:lnSpc>
               <a:spcBef>
                 <a:spcPts val="0"/>
@@ -48306,14 +48231,14 @@
               <a:buSzPct val="100000"/>
               <a:buFont typeface="Menlo"/>
               <a:buChar char="•"/>
-              <a:defRPr b="0" sz="900">
-                <a:solidFill>
-                  <a:srgbClr val="3F6E74"/>
-                </a:solidFill>
-                <a:latin typeface="Menlo"/>
-                <a:ea typeface="Menlo"/>
-                <a:cs typeface="Menlo"/>
-                <a:sym typeface="Menlo"/>
+              <a:defRPr b="0" sz="1100">
+                <a:solidFill>
+                  <a:srgbClr val="5C2699"/>
+                </a:solidFill>
+                <a:latin typeface="Arial"/>
+                <a:ea typeface="Arial"/>
+                <a:cs typeface="Arial"/>
+                <a:sym typeface="Arial"/>
               </a:defRPr>
             </a:pPr>
             <a:r>
@@ -48487,9 +48412,9 @@
             </a:endParaRPr>
           </a:p>
           <a:p>
-            <a:pPr marL="457200" indent="-317500" defTabSz="457200">
+            <a:pPr marL="527755" indent="-388055" defTabSz="457200">
               <a:lnSpc>
-                <a:spcPts val="2300"/>
+                <a:spcPts val="1700"/>
               </a:lnSpc>
               <a:spcBef>
                 <a:spcPts val="0"/>
@@ -48500,14 +48425,14 @@
               <a:buSzPct val="100000"/>
               <a:buFont typeface="Menlo"/>
               <a:buChar char="•"/>
-              <a:defRPr b="0" sz="900">
-                <a:solidFill>
-                  <a:srgbClr val="3F6E74"/>
-                </a:solidFill>
-                <a:latin typeface="Menlo"/>
-                <a:ea typeface="Menlo"/>
-                <a:cs typeface="Menlo"/>
-                <a:sym typeface="Menlo"/>
+              <a:defRPr b="0" sz="1100">
+                <a:solidFill>
+                  <a:srgbClr val="5C2699"/>
+                </a:solidFill>
+                <a:latin typeface="Arial"/>
+                <a:ea typeface="Arial"/>
+                <a:cs typeface="Arial"/>
+                <a:sym typeface="Arial"/>
               </a:defRPr>
             </a:pPr>
             <a:r>
@@ -48685,8 +48610,8 @@
         </p:nvSpPr>
         <p:spPr>
           <a:xfrm>
-            <a:off x="497440" y="2155809"/>
-            <a:ext cx="6066493" cy="2364741"/>
+            <a:off x="497440" y="2085651"/>
+            <a:ext cx="4771613" cy="2747254"/>
           </a:xfrm>
           <a:prstGeom prst="rect">
             <a:avLst/>
@@ -48706,9 +48631,9 @@
           </a:bodyPr>
           <a:lstStyle/>
           <a:p>
-            <a:pPr marL="457200" indent="-317500" defTabSz="457200">
+            <a:pPr marL="527755" indent="-388055" defTabSz="457200">
               <a:lnSpc>
-                <a:spcPts val="2300"/>
+                <a:spcPts val="1500"/>
               </a:lnSpc>
               <a:spcBef>
                 <a:spcPts val="0"/>
@@ -48719,14 +48644,14 @@
               <a:buSzPct val="100000"/>
               <a:buFont typeface="Menlo"/>
               <a:buChar char="•"/>
-              <a:defRPr b="0" sz="900">
-                <a:solidFill>
-                  <a:srgbClr val="AA0D91"/>
-                </a:solidFill>
-                <a:latin typeface="Menlo"/>
-                <a:ea typeface="Menlo"/>
-                <a:cs typeface="Menlo"/>
-                <a:sym typeface="Menlo"/>
+              <a:defRPr b="0" sz="1000">
+                <a:solidFill>
+                  <a:srgbClr val="5C2699"/>
+                </a:solidFill>
+                <a:latin typeface="Arial"/>
+                <a:ea typeface="Arial"/>
+                <a:cs typeface="Arial"/>
+                <a:sym typeface="Arial"/>
               </a:defRPr>
             </a:pPr>
             <a:r>
@@ -48771,9 +48696,9 @@
             </a:endParaRPr>
           </a:p>
           <a:p>
-            <a:pPr marL="457200" indent="-317500" defTabSz="457200">
+            <a:pPr marL="527755" indent="-388055" defTabSz="457200">
               <a:lnSpc>
-                <a:spcPts val="2300"/>
+                <a:spcPts val="1500"/>
               </a:lnSpc>
               <a:spcBef>
                 <a:spcPts val="0"/>
@@ -48784,14 +48709,14 @@
               <a:buSzPct val="100000"/>
               <a:buFont typeface="Menlo"/>
               <a:buChar char="•"/>
-              <a:defRPr b="0" sz="900">
-                <a:solidFill>
-                  <a:srgbClr val="3F6E74"/>
-                </a:solidFill>
-                <a:latin typeface="Menlo"/>
-                <a:ea typeface="Menlo"/>
-                <a:cs typeface="Menlo"/>
-                <a:sym typeface="Menlo"/>
+              <a:defRPr b="0" sz="1000">
+                <a:solidFill>
+                  <a:srgbClr val="5C2699"/>
+                </a:solidFill>
+                <a:latin typeface="Arial"/>
+                <a:ea typeface="Arial"/>
+                <a:cs typeface="Arial"/>
+                <a:sym typeface="Arial"/>
               </a:defRPr>
             </a:pPr>
             <a:r>
@@ -48836,9 +48761,9 @@
             </a:endParaRPr>
           </a:p>
           <a:p>
-            <a:pPr marL="457200" indent="-317500" defTabSz="457200">
+            <a:pPr marL="527755" indent="-388055" defTabSz="457200">
               <a:lnSpc>
-                <a:spcPts val="2300"/>
+                <a:spcPts val="1500"/>
               </a:lnSpc>
               <a:spcBef>
                 <a:spcPts val="0"/>
@@ -48849,14 +48774,14 @@
               <a:buSzPct val="100000"/>
               <a:buFont typeface="Menlo"/>
               <a:buChar char="•"/>
-              <a:defRPr b="0" sz="900">
-                <a:solidFill>
-                  <a:srgbClr val="3F6E74"/>
-                </a:solidFill>
-                <a:latin typeface="Menlo"/>
-                <a:ea typeface="Menlo"/>
-                <a:cs typeface="Menlo"/>
-                <a:sym typeface="Menlo"/>
+              <a:defRPr b="0" sz="1000">
+                <a:solidFill>
+                  <a:srgbClr val="5C2699"/>
+                </a:solidFill>
+                <a:latin typeface="Arial"/>
+                <a:ea typeface="Arial"/>
+                <a:cs typeface="Arial"/>
+                <a:sym typeface="Arial"/>
               </a:defRPr>
             </a:pPr>
             <a:r>
@@ -48904,9 +48829,9 @@
             </a:endParaRPr>
           </a:p>
           <a:p>
-            <a:pPr marL="457200" indent="-317500" defTabSz="457200">
+            <a:pPr marL="527755" indent="-388055" defTabSz="457200">
               <a:lnSpc>
-                <a:spcPts val="2300"/>
+                <a:spcPts val="1500"/>
               </a:lnSpc>
               <a:spcBef>
                 <a:spcPts val="0"/>
@@ -48917,14 +48842,14 @@
               <a:buSzPct val="100000"/>
               <a:buFont typeface="Menlo"/>
               <a:buChar char="•"/>
-              <a:defRPr b="0" sz="900">
-                <a:solidFill>
-                  <a:srgbClr val="007400"/>
-                </a:solidFill>
-                <a:latin typeface="Menlo"/>
-                <a:ea typeface="Menlo"/>
-                <a:cs typeface="Menlo"/>
-                <a:sym typeface="Menlo"/>
+              <a:defRPr b="0" sz="1000">
+                <a:solidFill>
+                  <a:srgbClr val="5C2699"/>
+                </a:solidFill>
+                <a:latin typeface="Arial"/>
+                <a:ea typeface="Arial"/>
+                <a:cs typeface="Arial"/>
+                <a:sym typeface="Arial"/>
               </a:defRPr>
             </a:pPr>
             <a:r>
@@ -48945,9 +48870,9 @@
             </a:endParaRPr>
           </a:p>
           <a:p>
-            <a:pPr marL="457200" indent="-317500" defTabSz="457200">
+            <a:pPr marL="527755" indent="-388055" defTabSz="457200">
               <a:lnSpc>
-                <a:spcPts val="2300"/>
+                <a:spcPts val="1500"/>
               </a:lnSpc>
               <a:spcBef>
                 <a:spcPts val="0"/>
@@ -48958,14 +48883,14 @@
               <a:buSzPct val="100000"/>
               <a:buFont typeface="Menlo"/>
               <a:buChar char="•"/>
-              <a:defRPr b="0" sz="900">
-                <a:solidFill>
-                  <a:srgbClr val="3F6E74"/>
-                </a:solidFill>
-                <a:latin typeface="Menlo"/>
-                <a:ea typeface="Menlo"/>
-                <a:cs typeface="Menlo"/>
-                <a:sym typeface="Menlo"/>
+              <a:defRPr b="0" sz="1000">
+                <a:solidFill>
+                  <a:srgbClr val="5C2699"/>
+                </a:solidFill>
+                <a:latin typeface="Arial"/>
+                <a:ea typeface="Arial"/>
+                <a:cs typeface="Arial"/>
+                <a:sym typeface="Arial"/>
               </a:defRPr>
             </a:pPr>
             <a:r>
@@ -49002,9 +48927,9 @@
             </a:endParaRPr>
           </a:p>
           <a:p>
-            <a:pPr marL="457200" indent="-317500" defTabSz="457200">
+            <a:pPr marL="527755" indent="-388055" defTabSz="457200">
               <a:lnSpc>
-                <a:spcPts val="2300"/>
+                <a:spcPts val="1500"/>
               </a:lnSpc>
               <a:spcBef>
                 <a:spcPts val="0"/>
@@ -49015,14 +48940,14 @@
               <a:buSzPct val="100000"/>
               <a:buFont typeface="Menlo"/>
               <a:buChar char="•"/>
-              <a:defRPr b="0" sz="900">
-                <a:solidFill>
-                  <a:srgbClr val="3F6E74"/>
-                </a:solidFill>
-                <a:latin typeface="Menlo"/>
-                <a:ea typeface="Menlo"/>
-                <a:cs typeface="Menlo"/>
-                <a:sym typeface="Menlo"/>
+              <a:defRPr b="0" sz="1000">
+                <a:solidFill>
+                  <a:srgbClr val="5C2699"/>
+                </a:solidFill>
+                <a:latin typeface="Arial"/>
+                <a:ea typeface="Arial"/>
+                <a:cs typeface="Arial"/>
+                <a:sym typeface="Arial"/>
               </a:defRPr>
             </a:pPr>
             <a:r>
@@ -49110,9 +49035,9 @@
             </a:endParaRPr>
           </a:p>
           <a:p>
-            <a:pPr marL="457200" indent="-317500" defTabSz="457200">
+            <a:pPr marL="527755" indent="-388055" defTabSz="457200">
               <a:lnSpc>
-                <a:spcPts val="2300"/>
+                <a:spcPts val="1500"/>
               </a:lnSpc>
               <a:spcBef>
                 <a:spcPts val="0"/>
@@ -49123,14 +49048,14 @@
               <a:buSzPct val="100000"/>
               <a:buFont typeface="Menlo"/>
               <a:buChar char="•"/>
-              <a:defRPr b="0" sz="900">
-                <a:solidFill>
-                  <a:srgbClr val="007400"/>
-                </a:solidFill>
-                <a:latin typeface="Menlo"/>
-                <a:ea typeface="Menlo"/>
-                <a:cs typeface="Menlo"/>
-                <a:sym typeface="Menlo"/>
+              <a:defRPr b="0" sz="1000">
+                <a:solidFill>
+                  <a:srgbClr val="5C2699"/>
+                </a:solidFill>
+                <a:latin typeface="Arial"/>
+                <a:ea typeface="Arial"/>
+                <a:cs typeface="Arial"/>
+                <a:sym typeface="Arial"/>
               </a:defRPr>
             </a:pPr>
             <a:r>
@@ -49151,9 +49076,9 @@
             </a:endParaRPr>
           </a:p>
           <a:p>
-            <a:pPr marL="457200" indent="-317500" defTabSz="457200">
+            <a:pPr marL="527755" indent="-388055" defTabSz="457200">
               <a:lnSpc>
-                <a:spcPts val="2300"/>
+                <a:spcPts val="1500"/>
               </a:lnSpc>
               <a:spcBef>
                 <a:spcPts val="0"/>
@@ -49164,14 +49089,14 @@
               <a:buSzPct val="100000"/>
               <a:buFont typeface="Menlo"/>
               <a:buChar char="•"/>
-              <a:defRPr b="0" sz="900">
-                <a:solidFill>
-                  <a:srgbClr val="3F6E74"/>
-                </a:solidFill>
-                <a:latin typeface="Menlo"/>
-                <a:ea typeface="Menlo"/>
-                <a:cs typeface="Menlo"/>
-                <a:sym typeface="Menlo"/>
+              <a:defRPr b="0" sz="1000">
+                <a:solidFill>
+                  <a:srgbClr val="5C2699"/>
+                </a:solidFill>
+                <a:latin typeface="Arial"/>
+                <a:ea typeface="Arial"/>
+                <a:cs typeface="Arial"/>
+                <a:sym typeface="Arial"/>
               </a:defRPr>
             </a:pPr>
             <a:r>
@@ -49203,9 +49128,9 @@
             </a:endParaRPr>
           </a:p>
           <a:p>
-            <a:pPr marL="457200" indent="-317500" defTabSz="457200">
+            <a:pPr marL="527755" indent="-388055" defTabSz="457200">
               <a:lnSpc>
-                <a:spcPts val="2300"/>
+                <a:spcPts val="1500"/>
               </a:lnSpc>
               <a:spcBef>
                 <a:spcPts val="0"/>
@@ -49216,14 +49141,14 @@
               <a:buSzPct val="100000"/>
               <a:buFont typeface="Menlo"/>
               <a:buChar char="•"/>
-              <a:defRPr b="0" sz="900">
-                <a:solidFill>
-                  <a:srgbClr val="333333"/>
-                </a:solidFill>
-                <a:latin typeface="Menlo"/>
-                <a:ea typeface="Menlo"/>
-                <a:cs typeface="Menlo"/>
-                <a:sym typeface="Menlo"/>
+              <a:defRPr b="0" sz="1000">
+                <a:solidFill>
+                  <a:srgbClr val="5C2699"/>
+                </a:solidFill>
+                <a:latin typeface="Arial"/>
+                <a:ea typeface="Arial"/>
+                <a:cs typeface="Arial"/>
+                <a:sym typeface="Arial"/>
               </a:defRPr>
             </a:pPr>
             <a:r>
@@ -49275,9 +49200,9 @@
             </a:r>
           </a:p>
           <a:p>
-            <a:pPr marL="457200" indent="-317500" defTabSz="457200">
+            <a:pPr marL="527755" indent="-388055" defTabSz="457200">
               <a:lnSpc>
-                <a:spcPts val="2300"/>
+                <a:spcPts val="1500"/>
               </a:lnSpc>
               <a:spcBef>
                 <a:spcPts val="0"/>
@@ -49288,14 +49213,14 @@
               <a:buSzPct val="100000"/>
               <a:buFont typeface="Menlo"/>
               <a:buChar char="•"/>
-              <a:defRPr b="0" sz="900">
-                <a:solidFill>
-                  <a:srgbClr val="007400"/>
-                </a:solidFill>
-                <a:latin typeface="Menlo"/>
-                <a:ea typeface="Menlo"/>
-                <a:cs typeface="Menlo"/>
-                <a:sym typeface="Menlo"/>
+              <a:defRPr b="0" sz="1000">
+                <a:solidFill>
+                  <a:srgbClr val="5C2699"/>
+                </a:solidFill>
+                <a:latin typeface="Arial"/>
+                <a:ea typeface="Arial"/>
+                <a:cs typeface="Arial"/>
+                <a:sym typeface="Arial"/>
               </a:defRPr>
             </a:pPr>
             <a:r>
@@ -49316,9 +49241,9 @@
             </a:endParaRPr>
           </a:p>
           <a:p>
-            <a:pPr marL="457200" indent="-317500" defTabSz="457200">
+            <a:pPr marL="527755" indent="-388055" defTabSz="457200">
               <a:lnSpc>
-                <a:spcPts val="2300"/>
+                <a:spcPts val="1500"/>
               </a:lnSpc>
               <a:spcBef>
                 <a:spcPts val="0"/>
@@ -49329,14 +49254,14 @@
               <a:buSzPct val="100000"/>
               <a:buFont typeface="Menlo"/>
               <a:buChar char="•"/>
-              <a:defRPr b="0" sz="900">
-                <a:solidFill>
-                  <a:srgbClr val="333333"/>
-                </a:solidFill>
-                <a:latin typeface="Menlo"/>
-                <a:ea typeface="Menlo"/>
-                <a:cs typeface="Menlo"/>
-                <a:sym typeface="Menlo"/>
+              <a:defRPr b="0" sz="1000">
+                <a:solidFill>
+                  <a:srgbClr val="5C2699"/>
+                </a:solidFill>
+                <a:latin typeface="Arial"/>
+                <a:ea typeface="Arial"/>
+                <a:cs typeface="Arial"/>
+                <a:sym typeface="Arial"/>
               </a:defRPr>
             </a:pPr>
             <a:r>
@@ -49377,9 +49302,9 @@
             </a:r>
           </a:p>
           <a:p>
-            <a:pPr marL="457200" indent="-317500" defTabSz="457200">
+            <a:pPr marL="527755" indent="-388055" defTabSz="457200">
               <a:lnSpc>
-                <a:spcPts val="2300"/>
+                <a:spcPts val="1500"/>
               </a:lnSpc>
               <a:spcBef>
                 <a:spcPts val="0"/>
@@ -49390,14 +49315,14 @@
               <a:buSzPct val="100000"/>
               <a:buFont typeface="Menlo"/>
               <a:buChar char="•"/>
-              <a:defRPr b="0" sz="900">
-                <a:solidFill>
-                  <a:srgbClr val="333333"/>
-                </a:solidFill>
-                <a:latin typeface="Menlo"/>
-                <a:ea typeface="Menlo"/>
-                <a:cs typeface="Menlo"/>
-                <a:sym typeface="Menlo"/>
+              <a:defRPr b="0" sz="1000">
+                <a:solidFill>
+                  <a:srgbClr val="5C2699"/>
+                </a:solidFill>
+                <a:latin typeface="Arial"/>
+                <a:ea typeface="Arial"/>
+                <a:cs typeface="Arial"/>
+                <a:sym typeface="Arial"/>
               </a:defRPr>
             </a:pPr>
             <a:r>
@@ -49405,9 +49330,9 @@
             </a:r>
           </a:p>
           <a:p>
-            <a:pPr marL="457200" indent="-317500" defTabSz="457200">
+            <a:pPr marL="527755" indent="-388055" defTabSz="457200">
               <a:lnSpc>
-                <a:spcPts val="2300"/>
+                <a:spcPts val="1500"/>
               </a:lnSpc>
               <a:spcBef>
                 <a:spcPts val="0"/>
@@ -49418,14 +49343,14 @@
               <a:buSzPct val="100000"/>
               <a:buFont typeface="Menlo"/>
               <a:buChar char="•"/>
-              <a:defRPr b="0" sz="900">
-                <a:solidFill>
-                  <a:srgbClr val="333333"/>
-                </a:solidFill>
-                <a:latin typeface="Menlo"/>
-                <a:ea typeface="Menlo"/>
-                <a:cs typeface="Menlo"/>
-                <a:sym typeface="Menlo"/>
+              <a:defRPr b="0" sz="1000">
+                <a:solidFill>
+                  <a:srgbClr val="5C2699"/>
+                </a:solidFill>
+                <a:latin typeface="Arial"/>
+                <a:ea typeface="Arial"/>
+                <a:cs typeface="Arial"/>
+                <a:sym typeface="Arial"/>
               </a:defRPr>
             </a:pPr>
             <a:r>
@@ -49433,9 +49358,9 @@
             </a:r>
           </a:p>
           <a:p>
-            <a:pPr marL="457200" indent="-317500" defTabSz="457200">
+            <a:pPr marL="527755" indent="-388055" defTabSz="457200">
               <a:lnSpc>
-                <a:spcPts val="2300"/>
+                <a:spcPts val="1500"/>
               </a:lnSpc>
               <a:spcBef>
                 <a:spcPts val="0"/>
@@ -49446,14 +49371,14 @@
               <a:buSzPct val="100000"/>
               <a:buFont typeface="Menlo"/>
               <a:buChar char="•"/>
-              <a:defRPr b="0" sz="900">
-                <a:solidFill>
-                  <a:srgbClr val="C41A16"/>
-                </a:solidFill>
-                <a:latin typeface="Menlo"/>
-                <a:ea typeface="Menlo"/>
-                <a:cs typeface="Menlo"/>
-                <a:sym typeface="Menlo"/>
+              <a:defRPr b="0" sz="1000">
+                <a:solidFill>
+                  <a:srgbClr val="5C2699"/>
+                </a:solidFill>
+                <a:latin typeface="Arial"/>
+                <a:ea typeface="Arial"/>
+                <a:cs typeface="Arial"/>
+                <a:sym typeface="Arial"/>
               </a:defRPr>
             </a:pPr>
             <a:r>
@@ -49626,7 +49551,7 @@
         <p:spPr>
           <a:xfrm>
             <a:off x="497440" y="1094811"/>
-            <a:ext cx="5171906" cy="1043941"/>
+            <a:ext cx="4839199" cy="1373265"/>
           </a:xfrm>
           <a:prstGeom prst="rect">
             <a:avLst/>
@@ -49646,9 +49571,9 @@
           </a:bodyPr>
           <a:lstStyle/>
           <a:p>
-            <a:pPr marL="457200" indent="-317500" defTabSz="457200">
+            <a:pPr marL="527755" indent="-388055" defTabSz="457200">
               <a:lnSpc>
-                <a:spcPts val="2300"/>
+                <a:spcPts val="1700"/>
               </a:lnSpc>
               <a:spcBef>
                 <a:spcPts val="0"/>
@@ -49659,14 +49584,14 @@
               <a:buSzPct val="100000"/>
               <a:buFont typeface="Menlo"/>
               <a:buChar char="•"/>
-              <a:defRPr b="0" sz="900">
-                <a:solidFill>
-                  <a:srgbClr val="3F6E74"/>
-                </a:solidFill>
-                <a:latin typeface="Menlo"/>
-                <a:ea typeface="Menlo"/>
-                <a:cs typeface="Menlo"/>
-                <a:sym typeface="Menlo"/>
+              <a:defRPr b="0" sz="1100">
+                <a:solidFill>
+                  <a:srgbClr val="5C2699"/>
+                </a:solidFill>
+                <a:latin typeface="Arial"/>
+                <a:ea typeface="Arial"/>
+                <a:cs typeface="Arial"/>
+                <a:sym typeface="Arial"/>
               </a:defRPr>
             </a:pPr>
             <a:r>
@@ -49711,9 +49636,9 @@
             </a:endParaRPr>
           </a:p>
           <a:p>
-            <a:pPr marL="457200" indent="-317500" defTabSz="457200">
+            <a:pPr marL="527755" indent="-388055" defTabSz="457200">
               <a:lnSpc>
-                <a:spcPts val="2300"/>
+                <a:spcPts val="1700"/>
               </a:lnSpc>
               <a:spcBef>
                 <a:spcPts val="0"/>
@@ -49724,14 +49649,14 @@
               <a:buSzPct val="100000"/>
               <a:buFont typeface="Menlo"/>
               <a:buChar char="•"/>
-              <a:defRPr b="0" sz="900">
-                <a:solidFill>
-                  <a:srgbClr val="3F6E74"/>
-                </a:solidFill>
-                <a:latin typeface="Menlo"/>
-                <a:ea typeface="Menlo"/>
-                <a:cs typeface="Menlo"/>
-                <a:sym typeface="Menlo"/>
+              <a:defRPr b="0" sz="1100">
+                <a:solidFill>
+                  <a:srgbClr val="5C2699"/>
+                </a:solidFill>
+                <a:latin typeface="Arial"/>
+                <a:ea typeface="Arial"/>
+                <a:cs typeface="Arial"/>
+                <a:sym typeface="Arial"/>
               </a:defRPr>
             </a:pPr>
             <a:r>
@@ -49844,9 +49769,9 @@
             </a:endParaRPr>
           </a:p>
           <a:p>
-            <a:pPr marL="457200" indent="-317500" defTabSz="457200">
+            <a:pPr marL="527755" indent="-388055" defTabSz="457200">
               <a:lnSpc>
-                <a:spcPts val="2300"/>
+                <a:spcPts val="1700"/>
               </a:lnSpc>
               <a:spcBef>
                 <a:spcPts val="0"/>
@@ -49857,14 +49782,14 @@
               <a:buSzPct val="100000"/>
               <a:buFont typeface="Menlo"/>
               <a:buChar char="•"/>
-              <a:defRPr b="0" sz="900">
-                <a:solidFill>
-                  <a:srgbClr val="3F6E74"/>
-                </a:solidFill>
-                <a:latin typeface="Menlo"/>
-                <a:ea typeface="Menlo"/>
-                <a:cs typeface="Menlo"/>
-                <a:sym typeface="Menlo"/>
+              <a:defRPr b="0" sz="1100">
+                <a:solidFill>
+                  <a:srgbClr val="5C2699"/>
+                </a:solidFill>
+                <a:latin typeface="Arial"/>
+                <a:ea typeface="Arial"/>
+                <a:cs typeface="Arial"/>
+                <a:sym typeface="Arial"/>
               </a:defRPr>
             </a:pPr>
             <a:r>
@@ -50038,9 +49963,9 @@
             </a:endParaRPr>
           </a:p>
           <a:p>
-            <a:pPr marL="457200" indent="-317500" defTabSz="457200">
+            <a:pPr marL="527755" indent="-388055" defTabSz="457200">
               <a:lnSpc>
-                <a:spcPts val="2300"/>
+                <a:spcPts val="1700"/>
               </a:lnSpc>
               <a:spcBef>
                 <a:spcPts val="0"/>
@@ -50051,14 +49976,14 @@
               <a:buSzPct val="100000"/>
               <a:buFont typeface="Menlo"/>
               <a:buChar char="•"/>
-              <a:defRPr b="0" sz="900">
-                <a:solidFill>
-                  <a:srgbClr val="3F6E74"/>
-                </a:solidFill>
-                <a:latin typeface="Menlo"/>
-                <a:ea typeface="Menlo"/>
-                <a:cs typeface="Menlo"/>
-                <a:sym typeface="Menlo"/>
+              <a:defRPr b="0" sz="1100">
+                <a:solidFill>
+                  <a:srgbClr val="5C2699"/>
+                </a:solidFill>
+                <a:latin typeface="Arial"/>
+                <a:ea typeface="Arial"/>
+                <a:cs typeface="Arial"/>
+                <a:sym typeface="Arial"/>
               </a:defRPr>
             </a:pPr>
             <a:r>
@@ -50232,9 +50157,9 @@
             </a:endParaRPr>
           </a:p>
           <a:p>
-            <a:pPr marL="457200" indent="-317500" defTabSz="457200">
+            <a:pPr marL="527755" indent="-388055" defTabSz="457200">
               <a:lnSpc>
-                <a:spcPts val="2300"/>
+                <a:spcPts val="1700"/>
               </a:lnSpc>
               <a:spcBef>
                 <a:spcPts val="0"/>
@@ -50245,14 +50170,14 @@
               <a:buSzPct val="100000"/>
               <a:buFont typeface="Menlo"/>
               <a:buChar char="•"/>
-              <a:defRPr b="0" sz="900">
-                <a:solidFill>
-                  <a:srgbClr val="AA0D91"/>
-                </a:solidFill>
-                <a:latin typeface="Menlo"/>
-                <a:ea typeface="Menlo"/>
-                <a:cs typeface="Menlo"/>
-                <a:sym typeface="Menlo"/>
+              <a:defRPr b="0" sz="1100">
+                <a:solidFill>
+                  <a:srgbClr val="5C2699"/>
+                </a:solidFill>
+                <a:latin typeface="Arial"/>
+                <a:ea typeface="Arial"/>
+                <a:cs typeface="Arial"/>
+                <a:sym typeface="Arial"/>
               </a:defRPr>
             </a:pPr>
             <a:r>
@@ -50297,9 +50222,9 @@
             </a:endParaRPr>
           </a:p>
           <a:p>
-            <a:pPr marL="457200" indent="-317500" defTabSz="457200">
+            <a:pPr marL="527755" indent="-388055" defTabSz="457200">
               <a:lnSpc>
-                <a:spcPts val="2300"/>
+                <a:spcPts val="1700"/>
               </a:lnSpc>
               <a:spcBef>
                 <a:spcPts val="0"/>
@@ -50310,14 +50235,14 @@
               <a:buSzPct val="100000"/>
               <a:buFont typeface="Menlo"/>
               <a:buChar char="•"/>
-              <a:defRPr b="0" sz="900">
-                <a:solidFill>
-                  <a:srgbClr val="3F6E74"/>
-                </a:solidFill>
-                <a:latin typeface="Menlo"/>
-                <a:ea typeface="Menlo"/>
-                <a:cs typeface="Menlo"/>
-                <a:sym typeface="Menlo"/>
+              <a:defRPr b="0" sz="1100">
+                <a:solidFill>
+                  <a:srgbClr val="5C2699"/>
+                </a:solidFill>
+                <a:latin typeface="Arial"/>
+                <a:ea typeface="Arial"/>
+                <a:cs typeface="Arial"/>
+                <a:sym typeface="Arial"/>
               </a:defRPr>
             </a:pPr>
             <a:r>
@@ -50366,8 +50291,8 @@
         </p:nvSpPr>
         <p:spPr>
           <a:xfrm>
-            <a:off x="492763" y="2241276"/>
-            <a:ext cx="3657989" cy="1869441"/>
+            <a:off x="516149" y="2570601"/>
+            <a:ext cx="3334150" cy="2236865"/>
           </a:xfrm>
           <a:prstGeom prst="rect">
             <a:avLst/>
@@ -50387,9 +50312,9 @@
           </a:bodyPr>
           <a:lstStyle/>
           <a:p>
-            <a:pPr marL="457200" indent="-317500" defTabSz="457200">
+            <a:pPr marL="527755" indent="-388055" defTabSz="457200">
               <a:lnSpc>
-                <a:spcPts val="2300"/>
+                <a:spcPts val="1700"/>
               </a:lnSpc>
               <a:spcBef>
                 <a:spcPts val="0"/>
@@ -50400,14 +50325,14 @@
               <a:buSzPct val="100000"/>
               <a:buFont typeface="Menlo"/>
               <a:buChar char="•"/>
-              <a:defRPr b="0" sz="900">
-                <a:solidFill>
-                  <a:srgbClr val="AA0D91"/>
-                </a:solidFill>
-                <a:latin typeface="Menlo"/>
-                <a:ea typeface="Menlo"/>
-                <a:cs typeface="Menlo"/>
-                <a:sym typeface="Menlo"/>
+              <a:defRPr b="0" sz="1100">
+                <a:solidFill>
+                  <a:srgbClr val="5C2699"/>
+                </a:solidFill>
+                <a:latin typeface="Arial"/>
+                <a:ea typeface="Arial"/>
+                <a:cs typeface="Arial"/>
+                <a:sym typeface="Arial"/>
               </a:defRPr>
             </a:pPr>
             <a:r>
@@ -50428,9 +50353,9 @@
             </a:endParaRPr>
           </a:p>
           <a:p>
-            <a:pPr marL="457200" indent="-317500" defTabSz="457200">
+            <a:pPr marL="527755" indent="-388055" defTabSz="457200">
               <a:lnSpc>
-                <a:spcPts val="2300"/>
+                <a:spcPts val="1700"/>
               </a:lnSpc>
               <a:spcBef>
                 <a:spcPts val="0"/>
@@ -50441,14 +50366,14 @@
               <a:buSzPct val="100000"/>
               <a:buFont typeface="Menlo"/>
               <a:buChar char="•"/>
-              <a:defRPr b="0" sz="900">
-                <a:solidFill>
-                  <a:srgbClr val="007400"/>
-                </a:solidFill>
-                <a:latin typeface="Menlo"/>
-                <a:ea typeface="Menlo"/>
-                <a:cs typeface="Menlo"/>
-                <a:sym typeface="Menlo"/>
+              <a:defRPr b="0" sz="1100">
+                <a:solidFill>
+                  <a:srgbClr val="5C2699"/>
+                </a:solidFill>
+                <a:latin typeface="Arial"/>
+                <a:ea typeface="Arial"/>
+                <a:cs typeface="Arial"/>
+                <a:sym typeface="Arial"/>
               </a:defRPr>
             </a:pPr>
             <a:r>
@@ -50469,9 +50394,9 @@
             </a:endParaRPr>
           </a:p>
           <a:p>
-            <a:pPr marL="457200" indent="-317500" defTabSz="457200">
+            <a:pPr marL="527755" indent="-388055" defTabSz="457200">
               <a:lnSpc>
-                <a:spcPts val="2300"/>
+                <a:spcPts val="1700"/>
               </a:lnSpc>
               <a:spcBef>
                 <a:spcPts val="0"/>
@@ -50482,14 +50407,14 @@
               <a:buSzPct val="100000"/>
               <a:buFont typeface="Menlo"/>
               <a:buChar char="•"/>
-              <a:defRPr b="0" sz="900">
-                <a:solidFill>
-                  <a:srgbClr val="333333"/>
-                </a:solidFill>
-                <a:latin typeface="Menlo"/>
-                <a:ea typeface="Menlo"/>
-                <a:cs typeface="Menlo"/>
-                <a:sym typeface="Menlo"/>
+              <a:defRPr b="0" sz="1100">
+                <a:solidFill>
+                  <a:srgbClr val="5C2699"/>
+                </a:solidFill>
+                <a:latin typeface="Arial"/>
+                <a:ea typeface="Arial"/>
+                <a:cs typeface="Arial"/>
+                <a:sym typeface="Arial"/>
               </a:defRPr>
             </a:pPr>
             <a:r>
@@ -50530,9 +50455,9 @@
             </a:r>
           </a:p>
           <a:p>
-            <a:pPr marL="457200" indent="-317500" defTabSz="457200">
+            <a:pPr marL="527755" indent="-388055" defTabSz="457200">
               <a:lnSpc>
-                <a:spcPts val="2300"/>
+                <a:spcPts val="1700"/>
               </a:lnSpc>
               <a:spcBef>
                 <a:spcPts val="0"/>
@@ -50543,14 +50468,14 @@
               <a:buSzPct val="100000"/>
               <a:buFont typeface="Menlo"/>
               <a:buChar char="•"/>
-              <a:defRPr b="0" sz="900">
-                <a:solidFill>
-                  <a:srgbClr val="007400"/>
-                </a:solidFill>
-                <a:latin typeface="Menlo"/>
-                <a:ea typeface="Menlo"/>
-                <a:cs typeface="Menlo"/>
-                <a:sym typeface="Menlo"/>
+              <a:defRPr b="0" sz="1100">
+                <a:solidFill>
+                  <a:srgbClr val="5C2699"/>
+                </a:solidFill>
+                <a:latin typeface="Arial"/>
+                <a:ea typeface="Arial"/>
+                <a:cs typeface="Arial"/>
+                <a:sym typeface="Arial"/>
               </a:defRPr>
             </a:pPr>
             <a:r>
@@ -50571,9 +50496,9 @@
             </a:endParaRPr>
           </a:p>
           <a:p>
-            <a:pPr marL="457200" indent="-317500" defTabSz="457200">
+            <a:pPr marL="527755" indent="-388055" defTabSz="457200">
               <a:lnSpc>
-                <a:spcPts val="2300"/>
+                <a:spcPts val="1700"/>
               </a:lnSpc>
               <a:spcBef>
                 <a:spcPts val="0"/>
@@ -50584,14 +50509,14 @@
               <a:buSzPct val="100000"/>
               <a:buFont typeface="Menlo"/>
               <a:buChar char="•"/>
-              <a:defRPr b="0" sz="900">
-                <a:solidFill>
-                  <a:srgbClr val="3F6E74"/>
-                </a:solidFill>
-                <a:latin typeface="Menlo"/>
-                <a:ea typeface="Menlo"/>
-                <a:cs typeface="Menlo"/>
-                <a:sym typeface="Menlo"/>
+              <a:defRPr b="0" sz="1100">
+                <a:solidFill>
+                  <a:srgbClr val="5C2699"/>
+                </a:solidFill>
+                <a:latin typeface="Arial"/>
+                <a:ea typeface="Arial"/>
+                <a:cs typeface="Arial"/>
+                <a:sym typeface="Arial"/>
               </a:defRPr>
             </a:pPr>
             <a:r>
@@ -50628,9 +50553,9 @@
             </a:endParaRPr>
           </a:p>
           <a:p>
-            <a:pPr marL="457200" indent="-317500" defTabSz="457200">
+            <a:pPr marL="527755" indent="-388055" defTabSz="457200">
               <a:lnSpc>
-                <a:spcPts val="2300"/>
+                <a:spcPts val="1700"/>
               </a:lnSpc>
               <a:spcBef>
                 <a:spcPts val="0"/>
@@ -50641,14 +50566,14 @@
               <a:buSzPct val="100000"/>
               <a:buFont typeface="Menlo"/>
               <a:buChar char="•"/>
-              <a:defRPr b="0" sz="900">
-                <a:solidFill>
-                  <a:srgbClr val="3F6E74"/>
-                </a:solidFill>
-                <a:latin typeface="Menlo"/>
-                <a:ea typeface="Menlo"/>
-                <a:cs typeface="Menlo"/>
-                <a:sym typeface="Menlo"/>
+              <a:defRPr b="0" sz="1100">
+                <a:solidFill>
+                  <a:srgbClr val="5C2699"/>
+                </a:solidFill>
+                <a:latin typeface="Arial"/>
+                <a:ea typeface="Arial"/>
+                <a:cs typeface="Arial"/>
+                <a:sym typeface="Arial"/>
               </a:defRPr>
             </a:pPr>
             <a:r>
@@ -50736,9 +50661,9 @@
             </a:endParaRPr>
           </a:p>
           <a:p>
-            <a:pPr marL="457200" indent="-317500" defTabSz="457200">
+            <a:pPr marL="527755" indent="-388055" defTabSz="457200">
               <a:lnSpc>
-                <a:spcPts val="2300"/>
+                <a:spcPts val="1700"/>
               </a:lnSpc>
               <a:spcBef>
                 <a:spcPts val="0"/>
@@ -50749,14 +50674,14 @@
               <a:buSzPct val="100000"/>
               <a:buFont typeface="Menlo"/>
               <a:buChar char="•"/>
-              <a:defRPr b="0" sz="900">
-                <a:solidFill>
-                  <a:srgbClr val="007400"/>
-                </a:solidFill>
-                <a:latin typeface="Menlo"/>
-                <a:ea typeface="Menlo"/>
-                <a:cs typeface="Menlo"/>
-                <a:sym typeface="Menlo"/>
+              <a:defRPr b="0" sz="1100">
+                <a:solidFill>
+                  <a:srgbClr val="5C2699"/>
+                </a:solidFill>
+                <a:latin typeface="Arial"/>
+                <a:ea typeface="Arial"/>
+                <a:cs typeface="Arial"/>
+                <a:sym typeface="Arial"/>
               </a:defRPr>
             </a:pPr>
             <a:r>
@@ -50777,9 +50702,9 @@
             </a:endParaRPr>
           </a:p>
           <a:p>
-            <a:pPr marL="457200" indent="-317500" defTabSz="457200">
+            <a:pPr marL="527755" indent="-388055" defTabSz="457200">
               <a:lnSpc>
-                <a:spcPts val="2300"/>
+                <a:spcPts val="1700"/>
               </a:lnSpc>
               <a:spcBef>
                 <a:spcPts val="0"/>
@@ -50790,14 +50715,14 @@
               <a:buSzPct val="100000"/>
               <a:buFont typeface="Menlo"/>
               <a:buChar char="•"/>
-              <a:defRPr b="0" sz="900">
-                <a:solidFill>
-                  <a:srgbClr val="3F6E74"/>
-                </a:solidFill>
-                <a:latin typeface="Menlo"/>
-                <a:ea typeface="Menlo"/>
-                <a:cs typeface="Menlo"/>
-                <a:sym typeface="Menlo"/>
+              <a:defRPr b="0" sz="1100">
+                <a:solidFill>
+                  <a:srgbClr val="5C2699"/>
+                </a:solidFill>
+                <a:latin typeface="Arial"/>
+                <a:ea typeface="Arial"/>
+                <a:cs typeface="Arial"/>
+                <a:sym typeface="Arial"/>
               </a:defRPr>
             </a:pPr>
             <a:r>
@@ -50829,9 +50754,9 @@
             </a:endParaRPr>
           </a:p>
           <a:p>
-            <a:pPr marL="457200" indent="-317500" defTabSz="457200">
+            <a:pPr marL="527755" indent="-388055" defTabSz="457200">
               <a:lnSpc>
-                <a:spcPts val="2300"/>
+                <a:spcPts val="1700"/>
               </a:lnSpc>
               <a:spcBef>
                 <a:spcPts val="0"/>
@@ -50842,14 +50767,14 @@
               <a:buSzPct val="100000"/>
               <a:buFont typeface="Menlo"/>
               <a:buChar char="•"/>
-              <a:defRPr b="0" sz="900">
-                <a:solidFill>
-                  <a:srgbClr val="3F6E74"/>
-                </a:solidFill>
-                <a:latin typeface="Menlo"/>
-                <a:ea typeface="Menlo"/>
-                <a:cs typeface="Menlo"/>
-                <a:sym typeface="Menlo"/>
+              <a:defRPr b="0" sz="1100">
+                <a:solidFill>
+                  <a:srgbClr val="5C2699"/>
+                </a:solidFill>
+                <a:latin typeface="Arial"/>
+                <a:ea typeface="Arial"/>
+                <a:cs typeface="Arial"/>
+                <a:sym typeface="Arial"/>
               </a:defRPr>
             </a:pPr>
             <a:r>
@@ -50897,9 +50822,9 @@
             </a:endParaRPr>
           </a:p>
           <a:p>
-            <a:pPr marL="457200" indent="-317500" defTabSz="457200">
+            <a:pPr marL="527755" indent="-388055" defTabSz="457200">
               <a:lnSpc>
-                <a:spcPts val="2300"/>
+                <a:spcPts val="1700"/>
               </a:lnSpc>
               <a:spcBef>
                 <a:spcPts val="0"/>
@@ -50910,14 +50835,14 @@
               <a:buSzPct val="100000"/>
               <a:buFont typeface="Menlo"/>
               <a:buChar char="•"/>
-              <a:defRPr b="0" sz="900">
-                <a:solidFill>
-                  <a:srgbClr val="C41A16"/>
-                </a:solidFill>
-                <a:latin typeface="Menlo"/>
-                <a:ea typeface="Menlo"/>
-                <a:cs typeface="Menlo"/>
-                <a:sym typeface="Menlo"/>
+              <a:defRPr b="0" sz="1100">
+                <a:solidFill>
+                  <a:srgbClr val="5C2699"/>
+                </a:solidFill>
+                <a:latin typeface="Arial"/>
+                <a:ea typeface="Arial"/>
+                <a:cs typeface="Arial"/>
+                <a:sym typeface="Arial"/>
               </a:defRPr>
             </a:pPr>
             <a:r>
@@ -50947,11 +50872,6 @@
               </a:rPr>
               <a:t>)</a:t>
             </a:r>
-            <a:endParaRPr>
-              <a:solidFill>
-                <a:srgbClr val="333333"/>
-              </a:solidFill>
-            </a:endParaRPr>
           </a:p>
         </p:txBody>
       </p:sp>
@@ -51095,7 +51015,7 @@
         <p:spPr>
           <a:xfrm>
             <a:off x="497440" y="1258514"/>
-            <a:ext cx="4346133" cy="929641"/>
+            <a:ext cx="3723509" cy="1157366"/>
           </a:xfrm>
           <a:prstGeom prst="rect">
             <a:avLst/>
@@ -51115,9 +51035,9 @@
           </a:bodyPr>
           <a:lstStyle/>
           <a:p>
-            <a:pPr marL="457200" indent="-317500" defTabSz="457200">
+            <a:pPr marL="527755" indent="-388055" defTabSz="457200">
               <a:lnSpc>
-                <a:spcPts val="2400"/>
+                <a:spcPts val="1700"/>
               </a:lnSpc>
               <a:spcBef>
                 <a:spcPts val="0"/>
@@ -51128,14 +51048,14 @@
               <a:buSzPct val="100000"/>
               <a:buFont typeface="Menlo"/>
               <a:buChar char="•"/>
-              <a:defRPr b="0" sz="900">
-                <a:solidFill>
-                  <a:srgbClr val="3F6E74"/>
-                </a:solidFill>
-                <a:latin typeface="Menlo"/>
-                <a:ea typeface="Menlo"/>
-                <a:cs typeface="Menlo"/>
-                <a:sym typeface="Menlo"/>
+              <a:defRPr b="0" sz="1100">
+                <a:solidFill>
+                  <a:srgbClr val="5C2699"/>
+                </a:solidFill>
+                <a:latin typeface="Arial"/>
+                <a:ea typeface="Arial"/>
+                <a:cs typeface="Arial"/>
+                <a:sym typeface="Arial"/>
               </a:defRPr>
             </a:pPr>
             <a:r>
@@ -51180,9 +51100,9 @@
             </a:endParaRPr>
           </a:p>
           <a:p>
-            <a:pPr marL="457200" indent="-317500" defTabSz="457200">
+            <a:pPr marL="527755" indent="-388055" defTabSz="457200">
               <a:lnSpc>
-                <a:spcPts val="2400"/>
+                <a:spcPts val="1700"/>
               </a:lnSpc>
               <a:spcBef>
                 <a:spcPts val="0"/>
@@ -51193,14 +51113,14 @@
               <a:buSzPct val="100000"/>
               <a:buFont typeface="Menlo"/>
               <a:buChar char="•"/>
-              <a:defRPr b="0" sz="900">
-                <a:solidFill>
-                  <a:srgbClr val="3F6E74"/>
-                </a:solidFill>
-                <a:latin typeface="Menlo"/>
-                <a:ea typeface="Menlo"/>
-                <a:cs typeface="Menlo"/>
-                <a:sym typeface="Menlo"/>
+              <a:defRPr b="0" sz="1100">
+                <a:solidFill>
+                  <a:srgbClr val="5C2699"/>
+                </a:solidFill>
+                <a:latin typeface="Arial"/>
+                <a:ea typeface="Arial"/>
+                <a:cs typeface="Arial"/>
+                <a:sym typeface="Arial"/>
               </a:defRPr>
             </a:pPr>
             <a:r>
@@ -51253,9 +51173,9 @@
             </a:endParaRPr>
           </a:p>
           <a:p>
-            <a:pPr marL="457200" indent="-317500" defTabSz="457200">
+            <a:pPr marL="527755" indent="-388055" defTabSz="457200">
               <a:lnSpc>
-                <a:spcPts val="2400"/>
+                <a:spcPts val="1700"/>
               </a:lnSpc>
               <a:spcBef>
                 <a:spcPts val="0"/>
@@ -51266,14 +51186,14 @@
               <a:buSzPct val="100000"/>
               <a:buFont typeface="Menlo"/>
               <a:buChar char="•"/>
-              <a:defRPr b="0" sz="900">
-                <a:solidFill>
-                  <a:srgbClr val="C41A16"/>
-                </a:solidFill>
-                <a:latin typeface="Menlo"/>
-                <a:ea typeface="Menlo"/>
-                <a:cs typeface="Menlo"/>
-                <a:sym typeface="Menlo"/>
+              <a:defRPr b="0" sz="1100">
+                <a:solidFill>
+                  <a:srgbClr val="5C2699"/>
+                </a:solidFill>
+                <a:latin typeface="Arial"/>
+                <a:ea typeface="Arial"/>
+                <a:cs typeface="Arial"/>
+                <a:sym typeface="Arial"/>
               </a:defRPr>
             </a:pPr>
             <a:r>
@@ -51318,9 +51238,9 @@
             </a:endParaRPr>
           </a:p>
           <a:p>
-            <a:pPr marL="457200" indent="-317500" defTabSz="457200">
+            <a:pPr marL="527755" indent="-388055" defTabSz="457200">
               <a:lnSpc>
-                <a:spcPts val="2400"/>
+                <a:spcPts val="1700"/>
               </a:lnSpc>
               <a:spcBef>
                 <a:spcPts val="0"/>
@@ -51331,14 +51251,14 @@
               <a:buSzPct val="100000"/>
               <a:buFont typeface="Menlo"/>
               <a:buChar char="•"/>
-              <a:defRPr b="0" sz="900">
-                <a:solidFill>
-                  <a:srgbClr val="333333"/>
-                </a:solidFill>
-                <a:latin typeface="Menlo"/>
-                <a:ea typeface="Menlo"/>
-                <a:cs typeface="Menlo"/>
-                <a:sym typeface="Menlo"/>
+              <a:defRPr b="0" sz="1100">
+                <a:solidFill>
+                  <a:srgbClr val="5C2699"/>
+                </a:solidFill>
+                <a:latin typeface="Arial"/>
+                <a:ea typeface="Arial"/>
+                <a:cs typeface="Arial"/>
+                <a:sym typeface="Arial"/>
               </a:defRPr>
             </a:pPr>
             <a:r>
@@ -51346,9 +51266,9 @@
             </a:r>
           </a:p>
           <a:p>
-            <a:pPr marL="457200" indent="-317500" defTabSz="457200">
+            <a:pPr marL="527755" indent="-388055" defTabSz="457200">
               <a:lnSpc>
-                <a:spcPts val="2400"/>
+                <a:spcPts val="1700"/>
               </a:lnSpc>
               <a:spcBef>
                 <a:spcPts val="0"/>
@@ -51359,14 +51279,14 @@
               <a:buSzPct val="100000"/>
               <a:buFont typeface="Menlo"/>
               <a:buChar char="•"/>
-              <a:defRPr b="0" sz="900">
-                <a:solidFill>
-                  <a:srgbClr val="007400"/>
-                </a:solidFill>
-                <a:latin typeface="Menlo"/>
-                <a:ea typeface="Menlo"/>
-                <a:cs typeface="Menlo"/>
-                <a:sym typeface="Menlo"/>
+              <a:defRPr b="0" sz="1100">
+                <a:solidFill>
+                  <a:srgbClr val="5C2699"/>
+                </a:solidFill>
+                <a:latin typeface="Arial"/>
+                <a:ea typeface="Arial"/>
+                <a:cs typeface="Arial"/>
+                <a:sym typeface="Arial"/>
               </a:defRPr>
             </a:pPr>
             <a:r>
@@ -51384,7 +51304,7 @@
         <p:spPr>
           <a:xfrm>
             <a:off x="497440" y="2647654"/>
-            <a:ext cx="4346133" cy="1374141"/>
+            <a:ext cx="3723509" cy="1805065"/>
           </a:xfrm>
           <a:prstGeom prst="rect">
             <a:avLst/>
@@ -51404,9 +51324,9 @@
           </a:bodyPr>
           <a:lstStyle/>
           <a:p>
-            <a:pPr marL="457200" indent="-317500" defTabSz="457200">
+            <a:pPr marL="527755" indent="-388055" defTabSz="457200">
               <a:lnSpc>
-                <a:spcPts val="2300"/>
+                <a:spcPts val="1700"/>
               </a:lnSpc>
               <a:spcBef>
                 <a:spcPts val="0"/>
@@ -51417,14 +51337,14 @@
               <a:buSzPct val="100000"/>
               <a:buFont typeface="Menlo"/>
               <a:buChar char="•"/>
-              <a:defRPr b="0" sz="900">
-                <a:solidFill>
-                  <a:srgbClr val="3F6E74"/>
-                </a:solidFill>
-                <a:latin typeface="Menlo"/>
-                <a:ea typeface="Menlo"/>
-                <a:cs typeface="Menlo"/>
-                <a:sym typeface="Menlo"/>
+              <a:defRPr b="0" sz="1100">
+                <a:solidFill>
+                  <a:srgbClr val="5C2699"/>
+                </a:solidFill>
+                <a:latin typeface="Arial"/>
+                <a:ea typeface="Arial"/>
+                <a:cs typeface="Arial"/>
+                <a:sym typeface="Arial"/>
               </a:defRPr>
             </a:pPr>
             <a:r>
@@ -51453,9 +51373,9 @@
             </a:endParaRPr>
           </a:p>
           <a:p>
-            <a:pPr marL="457200" indent="-317500" defTabSz="457200">
+            <a:pPr marL="527755" indent="-388055" defTabSz="457200">
               <a:lnSpc>
-                <a:spcPts val="2300"/>
+                <a:spcPts val="1700"/>
               </a:lnSpc>
               <a:spcBef>
                 <a:spcPts val="0"/>
@@ -51466,14 +51386,14 @@
               <a:buSzPct val="100000"/>
               <a:buFont typeface="Menlo"/>
               <a:buChar char="•"/>
-              <a:defRPr b="0" sz="900">
-                <a:solidFill>
-                  <a:srgbClr val="3F6E74"/>
-                </a:solidFill>
-                <a:latin typeface="Menlo"/>
-                <a:ea typeface="Menlo"/>
-                <a:cs typeface="Menlo"/>
-                <a:sym typeface="Menlo"/>
+              <a:defRPr b="0" sz="1100">
+                <a:solidFill>
+                  <a:srgbClr val="5C2699"/>
+                </a:solidFill>
+                <a:latin typeface="Arial"/>
+                <a:ea typeface="Arial"/>
+                <a:cs typeface="Arial"/>
+                <a:sym typeface="Arial"/>
               </a:defRPr>
             </a:pPr>
             <a:r>
@@ -51526,9 +51446,9 @@
             </a:endParaRPr>
           </a:p>
           <a:p>
-            <a:pPr marL="457200" indent="-317500" defTabSz="457200">
+            <a:pPr marL="527755" indent="-388055" defTabSz="457200">
               <a:lnSpc>
-                <a:spcPts val="2300"/>
+                <a:spcPts val="1700"/>
               </a:lnSpc>
               <a:spcBef>
                 <a:spcPts val="0"/>
@@ -51539,14 +51459,14 @@
               <a:buSzPct val="100000"/>
               <a:buFont typeface="Menlo"/>
               <a:buChar char="•"/>
-              <a:defRPr b="0" sz="900">
-                <a:solidFill>
-                  <a:srgbClr val="C41A16"/>
-                </a:solidFill>
-                <a:latin typeface="Menlo"/>
-                <a:ea typeface="Menlo"/>
-                <a:cs typeface="Menlo"/>
-                <a:sym typeface="Menlo"/>
+              <a:defRPr b="0" sz="1100">
+                <a:solidFill>
+                  <a:srgbClr val="5C2699"/>
+                </a:solidFill>
+                <a:latin typeface="Arial"/>
+                <a:ea typeface="Arial"/>
+                <a:cs typeface="Arial"/>
+                <a:sym typeface="Arial"/>
               </a:defRPr>
             </a:pPr>
             <a:r>
@@ -51591,9 +51511,9 @@
             </a:endParaRPr>
           </a:p>
           <a:p>
-            <a:pPr marL="457200" indent="-317500" defTabSz="457200">
+            <a:pPr marL="527755" indent="-388055" defTabSz="457200">
               <a:lnSpc>
-                <a:spcPts val="2300"/>
+                <a:spcPts val="1700"/>
               </a:lnSpc>
               <a:spcBef>
                 <a:spcPts val="0"/>
@@ -51604,14 +51524,14 @@
               <a:buSzPct val="100000"/>
               <a:buFont typeface="Menlo"/>
               <a:buChar char="•"/>
-              <a:defRPr b="0" sz="900">
-                <a:solidFill>
-                  <a:srgbClr val="333333"/>
-                </a:solidFill>
-                <a:latin typeface="Menlo"/>
-                <a:ea typeface="Menlo"/>
-                <a:cs typeface="Menlo"/>
-                <a:sym typeface="Menlo"/>
+              <a:defRPr b="0" sz="1100">
+                <a:solidFill>
+                  <a:srgbClr val="5C2699"/>
+                </a:solidFill>
+                <a:latin typeface="Arial"/>
+                <a:ea typeface="Arial"/>
+                <a:cs typeface="Arial"/>
+                <a:sym typeface="Arial"/>
               </a:defRPr>
             </a:pPr>
             <a:r>
@@ -51630,9 +51550,9 @@
             </a:r>
           </a:p>
           <a:p>
-            <a:pPr marL="457200" indent="-317500" defTabSz="457200">
+            <a:pPr marL="527755" indent="-388055" defTabSz="457200">
               <a:lnSpc>
-                <a:spcPts val="2300"/>
+                <a:spcPts val="1700"/>
               </a:lnSpc>
               <a:spcBef>
                 <a:spcPts val="0"/>
@@ -51643,14 +51563,14 @@
               <a:buSzPct val="100000"/>
               <a:buFont typeface="Menlo"/>
               <a:buChar char="•"/>
-              <a:defRPr b="0" sz="900">
-                <a:solidFill>
-                  <a:srgbClr val="C41A16"/>
-                </a:solidFill>
-                <a:latin typeface="Menlo"/>
-                <a:ea typeface="Menlo"/>
-                <a:cs typeface="Menlo"/>
-                <a:sym typeface="Menlo"/>
+              <a:defRPr b="0" sz="1100">
+                <a:solidFill>
+                  <a:srgbClr val="5C2699"/>
+                </a:solidFill>
+                <a:latin typeface="Arial"/>
+                <a:ea typeface="Arial"/>
+                <a:cs typeface="Arial"/>
+                <a:sym typeface="Arial"/>
               </a:defRPr>
             </a:pPr>
             <a:r>
@@ -51695,9 +51615,9 @@
             </a:endParaRPr>
           </a:p>
           <a:p>
-            <a:pPr marL="457200" indent="-317500" defTabSz="457200">
+            <a:pPr marL="527755" indent="-388055" defTabSz="457200">
               <a:lnSpc>
-                <a:spcPts val="2300"/>
+                <a:spcPts val="1700"/>
               </a:lnSpc>
               <a:spcBef>
                 <a:spcPts val="0"/>
@@ -51708,14 +51628,14 @@
               <a:buSzPct val="100000"/>
               <a:buFont typeface="Menlo"/>
               <a:buChar char="•"/>
-              <a:defRPr b="0" sz="900">
-                <a:solidFill>
-                  <a:srgbClr val="333333"/>
-                </a:solidFill>
-                <a:latin typeface="Menlo"/>
-                <a:ea typeface="Menlo"/>
-                <a:cs typeface="Menlo"/>
-                <a:sym typeface="Menlo"/>
+              <a:defRPr b="0" sz="1100">
+                <a:solidFill>
+                  <a:srgbClr val="5C2699"/>
+                </a:solidFill>
+                <a:latin typeface="Arial"/>
+                <a:ea typeface="Arial"/>
+                <a:cs typeface="Arial"/>
+                <a:sym typeface="Arial"/>
               </a:defRPr>
             </a:pPr>
             <a:r>
@@ -51723,9 +51643,9 @@
             </a:r>
           </a:p>
           <a:p>
-            <a:pPr marL="457200" indent="-317500" defTabSz="457200">
+            <a:pPr marL="527755" indent="-388055" defTabSz="457200">
               <a:lnSpc>
-                <a:spcPts val="2300"/>
+                <a:spcPts val="1700"/>
               </a:lnSpc>
               <a:spcBef>
                 <a:spcPts val="0"/>
@@ -51736,14 +51656,14 @@
               <a:buSzPct val="100000"/>
               <a:buFont typeface="Menlo"/>
               <a:buChar char="•"/>
-              <a:defRPr b="0" sz="900">
-                <a:solidFill>
-                  <a:srgbClr val="007400"/>
-                </a:solidFill>
-                <a:latin typeface="Menlo"/>
-                <a:ea typeface="Menlo"/>
-                <a:cs typeface="Menlo"/>
-                <a:sym typeface="Menlo"/>
+              <a:defRPr b="0" sz="1100">
+                <a:solidFill>
+                  <a:srgbClr val="5C2699"/>
+                </a:solidFill>
+                <a:latin typeface="Arial"/>
+                <a:ea typeface="Arial"/>
+                <a:cs typeface="Arial"/>
+                <a:sym typeface="Arial"/>
               </a:defRPr>
             </a:pPr>
             <a:r>
